--- a/code/Causal Impact.pptx
+++ b/code/Causal Impact.pptx
@@ -121,7 +121,3331 @@
       </a:defRPr>
     </a:lvl9pPr>
   </p:defaultTextStyle>
+  <p:extLst>
+    <p:ext uri="{EFAFB233-063F-42B5-8137-9DF3F51BA10A}">
+      <p15:sldGuideLst xmlns:p15="http://schemas.microsoft.com/office/powerpoint/2012/main"/>
+    </p:ext>
+  </p:extLst>
 </p:presentation>
+</file>
+
+<file path=ppt/diagrams/colors1.xml><?xml version="1.0" encoding="utf-8"?>
+<dgm:colorsDef xmlns:dgm="http://schemas.openxmlformats.org/drawingml/2006/diagram" xmlns:a="http://schemas.openxmlformats.org/drawingml/2006/main" uniqueId="urn:microsoft.com/office/officeart/2005/8/colors/colorful1">
+  <dgm:title val=""/>
+  <dgm:desc val=""/>
+  <dgm:catLst>
+    <dgm:cat type="colorful" pri="10100"/>
+  </dgm:catLst>
+  <dgm:styleLbl name="node0">
+    <dgm:fillClrLst meth="repeat">
+      <a:schemeClr val="accent1"/>
+    </dgm:fillClrLst>
+    <dgm:linClrLst meth="repeat">
+      <a:schemeClr val="lt1"/>
+    </dgm:linClrLst>
+    <dgm:effectClrLst/>
+    <dgm:txLinClrLst/>
+    <dgm:txFillClrLst/>
+    <dgm:txEffectClrLst/>
+  </dgm:styleLbl>
+  <dgm:styleLbl name="node1">
+    <dgm:fillClrLst meth="repeat">
+      <a:schemeClr val="accent2"/>
+      <a:schemeClr val="accent3"/>
+      <a:schemeClr val="accent4"/>
+      <a:schemeClr val="accent5"/>
+      <a:schemeClr val="accent6"/>
+    </dgm:fillClrLst>
+    <dgm:linClrLst meth="repeat">
+      <a:schemeClr val="lt1"/>
+    </dgm:linClrLst>
+    <dgm:effectClrLst/>
+    <dgm:txLinClrLst/>
+    <dgm:txFillClrLst/>
+    <dgm:txEffectClrLst/>
+  </dgm:styleLbl>
+  <dgm:styleLbl name="alignNode1">
+    <dgm:fillClrLst meth="repeat">
+      <a:schemeClr val="accent2"/>
+      <a:schemeClr val="accent3"/>
+      <a:schemeClr val="accent4"/>
+      <a:schemeClr val="accent5"/>
+      <a:schemeClr val="accent6"/>
+    </dgm:fillClrLst>
+    <dgm:linClrLst meth="repeat">
+      <a:schemeClr val="accent2"/>
+      <a:schemeClr val="accent3"/>
+      <a:schemeClr val="accent4"/>
+      <a:schemeClr val="accent5"/>
+      <a:schemeClr val="accent6"/>
+    </dgm:linClrLst>
+    <dgm:effectClrLst/>
+    <dgm:txLinClrLst/>
+    <dgm:txFillClrLst/>
+    <dgm:txEffectClrLst/>
+  </dgm:styleLbl>
+  <dgm:styleLbl name="lnNode1">
+    <dgm:fillClrLst meth="repeat">
+      <a:schemeClr val="accent2"/>
+      <a:schemeClr val="accent3"/>
+      <a:schemeClr val="accent4"/>
+      <a:schemeClr val="accent5"/>
+      <a:schemeClr val="accent6"/>
+    </dgm:fillClrLst>
+    <dgm:linClrLst meth="repeat">
+      <a:schemeClr val="lt1"/>
+    </dgm:linClrLst>
+    <dgm:effectClrLst/>
+    <dgm:txLinClrLst/>
+    <dgm:txFillClrLst/>
+    <dgm:txEffectClrLst/>
+  </dgm:styleLbl>
+  <dgm:styleLbl name="vennNode1">
+    <dgm:fillClrLst meth="repeat">
+      <a:schemeClr val="accent2">
+        <a:alpha val="50000"/>
+      </a:schemeClr>
+      <a:schemeClr val="accent3">
+        <a:alpha val="50000"/>
+      </a:schemeClr>
+      <a:schemeClr val="accent4">
+        <a:alpha val="50000"/>
+      </a:schemeClr>
+      <a:schemeClr val="accent5">
+        <a:alpha val="50000"/>
+      </a:schemeClr>
+      <a:schemeClr val="accent6">
+        <a:alpha val="50000"/>
+      </a:schemeClr>
+    </dgm:fillClrLst>
+    <dgm:linClrLst meth="repeat">
+      <a:schemeClr val="lt1"/>
+    </dgm:linClrLst>
+    <dgm:effectClrLst/>
+    <dgm:txLinClrLst/>
+    <dgm:txFillClrLst/>
+    <dgm:txEffectClrLst/>
+  </dgm:styleLbl>
+  <dgm:styleLbl name="node2">
+    <dgm:fillClrLst>
+      <a:schemeClr val="accent2"/>
+    </dgm:fillClrLst>
+    <dgm:linClrLst meth="repeat">
+      <a:schemeClr val="lt1"/>
+    </dgm:linClrLst>
+    <dgm:effectClrLst/>
+    <dgm:txLinClrLst/>
+    <dgm:txFillClrLst/>
+    <dgm:txEffectClrLst/>
+  </dgm:styleLbl>
+  <dgm:styleLbl name="node3">
+    <dgm:fillClrLst>
+      <a:schemeClr val="accent3"/>
+    </dgm:fillClrLst>
+    <dgm:linClrLst meth="repeat">
+      <a:schemeClr val="lt1"/>
+    </dgm:linClrLst>
+    <dgm:effectClrLst/>
+    <dgm:txLinClrLst/>
+    <dgm:txFillClrLst/>
+    <dgm:txEffectClrLst/>
+  </dgm:styleLbl>
+  <dgm:styleLbl name="node4">
+    <dgm:fillClrLst>
+      <a:schemeClr val="accent4"/>
+    </dgm:fillClrLst>
+    <dgm:linClrLst meth="repeat">
+      <a:schemeClr val="lt1"/>
+    </dgm:linClrLst>
+    <dgm:effectClrLst/>
+    <dgm:txLinClrLst/>
+    <dgm:txFillClrLst/>
+    <dgm:txEffectClrLst/>
+  </dgm:styleLbl>
+  <dgm:styleLbl name="fgImgPlace1">
+    <dgm:fillClrLst meth="repeat">
+      <a:schemeClr val="accent2">
+        <a:tint val="50000"/>
+      </a:schemeClr>
+      <a:schemeClr val="accent3">
+        <a:tint val="50000"/>
+      </a:schemeClr>
+      <a:schemeClr val="accent4">
+        <a:tint val="50000"/>
+      </a:schemeClr>
+      <a:schemeClr val="accent5">
+        <a:tint val="50000"/>
+      </a:schemeClr>
+      <a:schemeClr val="accent6">
+        <a:tint val="50000"/>
+      </a:schemeClr>
+    </dgm:fillClrLst>
+    <dgm:linClrLst meth="repeat">
+      <a:schemeClr val="lt1"/>
+    </dgm:linClrLst>
+    <dgm:effectClrLst/>
+    <dgm:txLinClrLst/>
+    <dgm:txFillClrLst meth="repeat">
+      <a:schemeClr val="lt1"/>
+    </dgm:txFillClrLst>
+    <dgm:txEffectClrLst/>
+  </dgm:styleLbl>
+  <dgm:styleLbl name="alignImgPlace1">
+    <dgm:fillClrLst>
+      <a:schemeClr val="accent1">
+        <a:tint val="50000"/>
+      </a:schemeClr>
+      <a:schemeClr val="accent2">
+        <a:tint val="20000"/>
+      </a:schemeClr>
+    </dgm:fillClrLst>
+    <dgm:linClrLst meth="repeat">
+      <a:schemeClr val="lt1"/>
+    </dgm:linClrLst>
+    <dgm:effectClrLst/>
+    <dgm:txLinClrLst/>
+    <dgm:txFillClrLst meth="repeat">
+      <a:schemeClr val="lt1"/>
+    </dgm:txFillClrLst>
+    <dgm:txEffectClrLst/>
+  </dgm:styleLbl>
+  <dgm:styleLbl name="bgImgPlace1">
+    <dgm:fillClrLst>
+      <a:schemeClr val="accent1">
+        <a:tint val="50000"/>
+      </a:schemeClr>
+      <a:schemeClr val="accent2">
+        <a:tint val="20000"/>
+      </a:schemeClr>
+    </dgm:fillClrLst>
+    <dgm:linClrLst meth="repeat">
+      <a:schemeClr val="lt1"/>
+    </dgm:linClrLst>
+    <dgm:effectClrLst/>
+    <dgm:txLinClrLst/>
+    <dgm:txFillClrLst meth="repeat">
+      <a:schemeClr val="lt1"/>
+    </dgm:txFillClrLst>
+    <dgm:txEffectClrLst/>
+  </dgm:styleLbl>
+  <dgm:styleLbl name="sibTrans2D1">
+    <dgm:fillClrLst meth="repeat">
+      <a:schemeClr val="accent2"/>
+      <a:schemeClr val="accent3"/>
+      <a:schemeClr val="accent4"/>
+      <a:schemeClr val="accent5"/>
+      <a:schemeClr val="accent6"/>
+    </dgm:fillClrLst>
+    <dgm:linClrLst meth="cycle">
+      <a:schemeClr val="lt1"/>
+    </dgm:linClrLst>
+    <dgm:effectClrLst/>
+    <dgm:txLinClrLst/>
+    <dgm:txFillClrLst/>
+    <dgm:txEffectClrLst/>
+  </dgm:styleLbl>
+  <dgm:styleLbl name="fgSibTrans2D1">
+    <dgm:fillClrLst meth="repeat">
+      <a:schemeClr val="accent2"/>
+      <a:schemeClr val="accent3"/>
+      <a:schemeClr val="accent4"/>
+      <a:schemeClr val="accent5"/>
+      <a:schemeClr val="accent6"/>
+    </dgm:fillClrLst>
+    <dgm:linClrLst meth="cycle">
+      <a:schemeClr val="lt1"/>
+    </dgm:linClrLst>
+    <dgm:effectClrLst/>
+    <dgm:txLinClrLst/>
+    <dgm:txFillClrLst meth="repeat">
+      <a:schemeClr val="lt1"/>
+    </dgm:txFillClrLst>
+    <dgm:txEffectClrLst/>
+  </dgm:styleLbl>
+  <dgm:styleLbl name="bgSibTrans2D1">
+    <dgm:fillClrLst meth="repeat">
+      <a:schemeClr val="accent2"/>
+      <a:schemeClr val="accent3"/>
+      <a:schemeClr val="accent4"/>
+      <a:schemeClr val="accent5"/>
+      <a:schemeClr val="accent6"/>
+    </dgm:fillClrLst>
+    <dgm:linClrLst meth="cycle">
+      <a:schemeClr val="lt1"/>
+    </dgm:linClrLst>
+    <dgm:effectClrLst/>
+    <dgm:txLinClrLst/>
+    <dgm:txFillClrLst meth="repeat">
+      <a:schemeClr val="lt1"/>
+    </dgm:txFillClrLst>
+    <dgm:txEffectClrLst/>
+  </dgm:styleLbl>
+  <dgm:styleLbl name="sibTrans1D1">
+    <dgm:fillClrLst meth="repeat">
+      <a:schemeClr val="accent2"/>
+      <a:schemeClr val="accent3"/>
+      <a:schemeClr val="accent4"/>
+      <a:schemeClr val="accent5"/>
+      <a:schemeClr val="accent6"/>
+    </dgm:fillClrLst>
+    <dgm:linClrLst meth="repeat">
+      <a:schemeClr val="accent2"/>
+      <a:schemeClr val="accent3"/>
+      <a:schemeClr val="accent4"/>
+      <a:schemeClr val="accent5"/>
+      <a:schemeClr val="accent6"/>
+    </dgm:linClrLst>
+    <dgm:effectClrLst/>
+    <dgm:txLinClrLst/>
+    <dgm:txFillClrLst meth="repeat">
+      <a:schemeClr val="tx1"/>
+    </dgm:txFillClrLst>
+    <dgm:txEffectClrLst/>
+  </dgm:styleLbl>
+  <dgm:styleLbl name="callout">
+    <dgm:fillClrLst meth="repeat">
+      <a:schemeClr val="accent2"/>
+    </dgm:fillClrLst>
+    <dgm:linClrLst meth="repeat">
+      <a:schemeClr val="accent2">
+        <a:tint val="50000"/>
+      </a:schemeClr>
+    </dgm:linClrLst>
+    <dgm:effectClrLst/>
+    <dgm:txLinClrLst/>
+    <dgm:txFillClrLst meth="repeat">
+      <a:schemeClr val="tx1"/>
+    </dgm:txFillClrLst>
+    <dgm:txEffectClrLst/>
+  </dgm:styleLbl>
+  <dgm:styleLbl name="asst0">
+    <dgm:fillClrLst meth="repeat">
+      <a:schemeClr val="accent1"/>
+    </dgm:fillClrLst>
+    <dgm:linClrLst meth="repeat">
+      <a:schemeClr val="lt1"/>
+    </dgm:linClrLst>
+    <dgm:effectClrLst/>
+    <dgm:txLinClrLst/>
+    <dgm:txFillClrLst/>
+    <dgm:txEffectClrLst/>
+  </dgm:styleLbl>
+  <dgm:styleLbl name="asst1">
+    <dgm:fillClrLst meth="repeat">
+      <a:schemeClr val="accent2"/>
+    </dgm:fillClrLst>
+    <dgm:linClrLst meth="repeat">
+      <a:schemeClr val="lt1"/>
+    </dgm:linClrLst>
+    <dgm:effectClrLst/>
+    <dgm:txLinClrLst/>
+    <dgm:txFillClrLst/>
+    <dgm:txEffectClrLst/>
+  </dgm:styleLbl>
+  <dgm:styleLbl name="asst2">
+    <dgm:fillClrLst>
+      <a:schemeClr val="accent3"/>
+    </dgm:fillClrLst>
+    <dgm:linClrLst meth="repeat">
+      <a:schemeClr val="lt1"/>
+    </dgm:linClrLst>
+    <dgm:effectClrLst/>
+    <dgm:txLinClrLst/>
+    <dgm:txFillClrLst/>
+    <dgm:txEffectClrLst/>
+  </dgm:styleLbl>
+  <dgm:styleLbl name="asst3">
+    <dgm:fillClrLst>
+      <a:schemeClr val="accent4"/>
+    </dgm:fillClrLst>
+    <dgm:linClrLst meth="repeat">
+      <a:schemeClr val="lt1"/>
+    </dgm:linClrLst>
+    <dgm:effectClrLst/>
+    <dgm:txLinClrLst/>
+    <dgm:txFillClrLst/>
+    <dgm:txEffectClrLst/>
+  </dgm:styleLbl>
+  <dgm:styleLbl name="asst4">
+    <dgm:fillClrLst>
+      <a:schemeClr val="accent5"/>
+    </dgm:fillClrLst>
+    <dgm:linClrLst meth="repeat">
+      <a:schemeClr val="lt1"/>
+    </dgm:linClrLst>
+    <dgm:effectClrLst/>
+    <dgm:txLinClrLst/>
+    <dgm:txFillClrLst/>
+    <dgm:txEffectClrLst/>
+  </dgm:styleLbl>
+  <dgm:styleLbl name="parChTrans2D1">
+    <dgm:fillClrLst meth="repeat">
+      <a:schemeClr val="accent2"/>
+    </dgm:fillClrLst>
+    <dgm:linClrLst meth="repeat">
+      <a:schemeClr val="lt1"/>
+    </dgm:linClrLst>
+    <dgm:effectClrLst/>
+    <dgm:txLinClrLst/>
+    <dgm:txFillClrLst meth="repeat">
+      <a:schemeClr val="lt1"/>
+    </dgm:txFillClrLst>
+    <dgm:txEffectClrLst/>
+  </dgm:styleLbl>
+  <dgm:styleLbl name="parChTrans2D2">
+    <dgm:fillClrLst meth="repeat">
+      <a:schemeClr val="accent3"/>
+    </dgm:fillClrLst>
+    <dgm:linClrLst meth="repeat">
+      <a:schemeClr val="lt1"/>
+    </dgm:linClrLst>
+    <dgm:effectClrLst/>
+    <dgm:txLinClrLst/>
+    <dgm:txFillClrLst/>
+    <dgm:txEffectClrLst/>
+  </dgm:styleLbl>
+  <dgm:styleLbl name="parChTrans2D3">
+    <dgm:fillClrLst meth="repeat">
+      <a:schemeClr val="accent4"/>
+    </dgm:fillClrLst>
+    <dgm:linClrLst meth="repeat">
+      <a:schemeClr val="lt1"/>
+    </dgm:linClrLst>
+    <dgm:effectClrLst/>
+    <dgm:txLinClrLst/>
+    <dgm:txFillClrLst/>
+    <dgm:txEffectClrLst/>
+  </dgm:styleLbl>
+  <dgm:styleLbl name="parChTrans2D4">
+    <dgm:fillClrLst meth="repeat">
+      <a:schemeClr val="accent5"/>
+    </dgm:fillClrLst>
+    <dgm:linClrLst meth="repeat">
+      <a:schemeClr val="lt1"/>
+    </dgm:linClrLst>
+    <dgm:effectClrLst/>
+    <dgm:txLinClrLst/>
+    <dgm:txFillClrLst meth="repeat">
+      <a:schemeClr val="lt1"/>
+    </dgm:txFillClrLst>
+    <dgm:txEffectClrLst/>
+  </dgm:styleLbl>
+  <dgm:styleLbl name="parChTrans1D1">
+    <dgm:fillClrLst meth="repeat">
+      <a:schemeClr val="accent2"/>
+    </dgm:fillClrLst>
+    <dgm:linClrLst meth="repeat">
+      <a:schemeClr val="accent1"/>
+    </dgm:linClrLst>
+    <dgm:effectClrLst/>
+    <dgm:txLinClrLst/>
+    <dgm:txFillClrLst meth="repeat">
+      <a:schemeClr val="tx1"/>
+    </dgm:txFillClrLst>
+    <dgm:txEffectClrLst/>
+  </dgm:styleLbl>
+  <dgm:styleLbl name="parChTrans1D2">
+    <dgm:fillClrLst meth="repeat">
+      <a:schemeClr val="accent3">
+        <a:tint val="90000"/>
+      </a:schemeClr>
+    </dgm:fillClrLst>
+    <dgm:linClrLst meth="repeat">
+      <a:schemeClr val="accent2"/>
+    </dgm:linClrLst>
+    <dgm:effectClrLst/>
+    <dgm:txLinClrLst/>
+    <dgm:txFillClrLst meth="repeat">
+      <a:schemeClr val="tx1"/>
+    </dgm:txFillClrLst>
+    <dgm:txEffectClrLst/>
+  </dgm:styleLbl>
+  <dgm:styleLbl name="parChTrans1D3">
+    <dgm:fillClrLst meth="repeat">
+      <a:schemeClr val="accent4">
+        <a:tint val="70000"/>
+      </a:schemeClr>
+    </dgm:fillClrLst>
+    <dgm:linClrLst meth="repeat">
+      <a:schemeClr val="accent3"/>
+    </dgm:linClrLst>
+    <dgm:effectClrLst/>
+    <dgm:txLinClrLst/>
+    <dgm:txFillClrLst meth="repeat">
+      <a:schemeClr val="tx1"/>
+    </dgm:txFillClrLst>
+    <dgm:txEffectClrLst/>
+  </dgm:styleLbl>
+  <dgm:styleLbl name="parChTrans1D4">
+    <dgm:fillClrLst meth="repeat">
+      <a:schemeClr val="accent5">
+        <a:tint val="50000"/>
+      </a:schemeClr>
+    </dgm:fillClrLst>
+    <dgm:linClrLst meth="repeat">
+      <a:schemeClr val="accent4"/>
+    </dgm:linClrLst>
+    <dgm:effectClrLst/>
+    <dgm:txLinClrLst/>
+    <dgm:txFillClrLst meth="repeat">
+      <a:schemeClr val="tx1"/>
+    </dgm:txFillClrLst>
+    <dgm:txEffectClrLst/>
+  </dgm:styleLbl>
+  <dgm:styleLbl name="fgAcc1">
+    <dgm:fillClrLst meth="repeat">
+      <a:schemeClr val="lt1">
+        <a:alpha val="90000"/>
+      </a:schemeClr>
+    </dgm:fillClrLst>
+    <dgm:linClrLst meth="repeat">
+      <a:schemeClr val="accent2"/>
+      <a:schemeClr val="accent3"/>
+      <a:schemeClr val="accent4"/>
+      <a:schemeClr val="accent5"/>
+      <a:schemeClr val="accent6"/>
+    </dgm:linClrLst>
+    <dgm:effectClrLst/>
+    <dgm:txLinClrLst/>
+    <dgm:txFillClrLst meth="repeat">
+      <a:schemeClr val="dk1"/>
+    </dgm:txFillClrLst>
+    <dgm:txEffectClrLst/>
+  </dgm:styleLbl>
+  <dgm:styleLbl name="conFgAcc1">
+    <dgm:fillClrLst meth="repeat">
+      <a:schemeClr val="lt1">
+        <a:alpha val="90000"/>
+      </a:schemeClr>
+    </dgm:fillClrLst>
+    <dgm:linClrLst meth="repeat">
+      <a:schemeClr val="accent2"/>
+      <a:schemeClr val="accent3"/>
+      <a:schemeClr val="accent4"/>
+      <a:schemeClr val="accent5"/>
+      <a:schemeClr val="accent6"/>
+    </dgm:linClrLst>
+    <dgm:effectClrLst/>
+    <dgm:txLinClrLst/>
+    <dgm:txFillClrLst meth="repeat">
+      <a:schemeClr val="dk1"/>
+    </dgm:txFillClrLst>
+    <dgm:txEffectClrLst/>
+  </dgm:styleLbl>
+  <dgm:styleLbl name="alignAcc1">
+    <dgm:fillClrLst meth="repeat">
+      <a:schemeClr val="lt1">
+        <a:alpha val="90000"/>
+      </a:schemeClr>
+    </dgm:fillClrLst>
+    <dgm:linClrLst meth="repeat">
+      <a:schemeClr val="accent2"/>
+      <a:schemeClr val="accent3"/>
+      <a:schemeClr val="accent4"/>
+      <a:schemeClr val="accent5"/>
+      <a:schemeClr val="accent6"/>
+    </dgm:linClrLst>
+    <dgm:effectClrLst/>
+    <dgm:txLinClrLst/>
+    <dgm:txFillClrLst meth="repeat">
+      <a:schemeClr val="dk1"/>
+    </dgm:txFillClrLst>
+    <dgm:txEffectClrLst/>
+  </dgm:styleLbl>
+  <dgm:styleLbl name="trAlignAcc1">
+    <dgm:fillClrLst meth="repeat">
+      <a:schemeClr val="lt1">
+        <a:alpha val="40000"/>
+      </a:schemeClr>
+    </dgm:fillClrLst>
+    <dgm:linClrLst meth="repeat">
+      <a:schemeClr val="accent1"/>
+    </dgm:linClrLst>
+    <dgm:effectClrLst/>
+    <dgm:txLinClrLst/>
+    <dgm:txFillClrLst meth="repeat">
+      <a:schemeClr val="dk1"/>
+    </dgm:txFillClrLst>
+    <dgm:txEffectClrLst/>
+  </dgm:styleLbl>
+  <dgm:styleLbl name="bgAcc1">
+    <dgm:fillClrLst meth="repeat">
+      <a:schemeClr val="lt1">
+        <a:alpha val="90000"/>
+      </a:schemeClr>
+    </dgm:fillClrLst>
+    <dgm:linClrLst meth="repeat">
+      <a:schemeClr val="accent2"/>
+      <a:schemeClr val="accent3"/>
+      <a:schemeClr val="accent4"/>
+      <a:schemeClr val="accent5"/>
+      <a:schemeClr val="accent6"/>
+    </dgm:linClrLst>
+    <dgm:effectClrLst/>
+    <dgm:txLinClrLst/>
+    <dgm:txFillClrLst meth="repeat">
+      <a:schemeClr val="dk1"/>
+    </dgm:txFillClrLst>
+    <dgm:txEffectClrLst/>
+  </dgm:styleLbl>
+  <dgm:styleLbl name="solidFgAcc1">
+    <dgm:fillClrLst meth="repeat">
+      <a:schemeClr val="lt1"/>
+    </dgm:fillClrLst>
+    <dgm:linClrLst meth="repeat">
+      <a:schemeClr val="accent2"/>
+      <a:schemeClr val="accent3"/>
+      <a:schemeClr val="accent4"/>
+      <a:schemeClr val="accent5"/>
+      <a:schemeClr val="accent6"/>
+    </dgm:linClrLst>
+    <dgm:effectClrLst/>
+    <dgm:txLinClrLst/>
+    <dgm:txFillClrLst meth="repeat">
+      <a:schemeClr val="dk1"/>
+    </dgm:txFillClrLst>
+    <dgm:txEffectClrLst/>
+  </dgm:styleLbl>
+  <dgm:styleLbl name="solidAlignAcc1">
+    <dgm:fillClrLst meth="repeat">
+      <a:schemeClr val="lt1"/>
+    </dgm:fillClrLst>
+    <dgm:linClrLst meth="repeat">
+      <a:schemeClr val="accent2"/>
+      <a:schemeClr val="accent3"/>
+      <a:schemeClr val="accent4"/>
+      <a:schemeClr val="accent5"/>
+      <a:schemeClr val="accent6"/>
+    </dgm:linClrLst>
+    <dgm:effectClrLst/>
+    <dgm:txLinClrLst/>
+    <dgm:txFillClrLst meth="repeat">
+      <a:schemeClr val="dk1"/>
+    </dgm:txFillClrLst>
+    <dgm:txEffectClrLst/>
+  </dgm:styleLbl>
+  <dgm:styleLbl name="solidBgAcc1">
+    <dgm:fillClrLst meth="repeat">
+      <a:schemeClr val="lt1"/>
+    </dgm:fillClrLst>
+    <dgm:linClrLst meth="repeat">
+      <a:schemeClr val="accent2"/>
+      <a:schemeClr val="accent3"/>
+      <a:schemeClr val="accent4"/>
+      <a:schemeClr val="accent5"/>
+      <a:schemeClr val="accent6"/>
+    </dgm:linClrLst>
+    <dgm:effectClrLst/>
+    <dgm:txLinClrLst/>
+    <dgm:txFillClrLst meth="repeat">
+      <a:schemeClr val="dk1"/>
+    </dgm:txFillClrLst>
+    <dgm:txEffectClrLst/>
+  </dgm:styleLbl>
+  <dgm:styleLbl name="fgAccFollowNode1">
+    <dgm:fillClrLst meth="repeat">
+      <a:schemeClr val="accent2">
+        <a:tint val="40000"/>
+        <a:alpha val="90000"/>
+      </a:schemeClr>
+      <a:schemeClr val="accent3">
+        <a:tint val="40000"/>
+        <a:alpha val="90000"/>
+      </a:schemeClr>
+      <a:schemeClr val="accent4">
+        <a:tint val="40000"/>
+        <a:alpha val="90000"/>
+      </a:schemeClr>
+      <a:schemeClr val="accent5">
+        <a:tint val="40000"/>
+        <a:alpha val="90000"/>
+      </a:schemeClr>
+      <a:schemeClr val="accent6">
+        <a:tint val="40000"/>
+        <a:alpha val="90000"/>
+      </a:schemeClr>
+    </dgm:fillClrLst>
+    <dgm:linClrLst meth="repeat">
+      <a:schemeClr val="accent2">
+        <a:tint val="40000"/>
+        <a:alpha val="90000"/>
+      </a:schemeClr>
+      <a:schemeClr val="accent3">
+        <a:tint val="40000"/>
+        <a:alpha val="90000"/>
+      </a:schemeClr>
+      <a:schemeClr val="accent4">
+        <a:tint val="40000"/>
+        <a:alpha val="90000"/>
+      </a:schemeClr>
+      <a:schemeClr val="accent5">
+        <a:tint val="40000"/>
+        <a:alpha val="90000"/>
+      </a:schemeClr>
+      <a:schemeClr val="accent6">
+        <a:tint val="40000"/>
+        <a:alpha val="90000"/>
+      </a:schemeClr>
+    </dgm:linClrLst>
+    <dgm:effectClrLst/>
+    <dgm:txLinClrLst/>
+    <dgm:txFillClrLst meth="repeat">
+      <a:schemeClr val="dk1"/>
+    </dgm:txFillClrLst>
+    <dgm:txEffectClrLst/>
+  </dgm:styleLbl>
+  <dgm:styleLbl name="alignAccFollowNode1">
+    <dgm:fillClrLst meth="repeat">
+      <a:schemeClr val="accent2">
+        <a:tint val="40000"/>
+        <a:alpha val="90000"/>
+      </a:schemeClr>
+      <a:schemeClr val="accent3">
+        <a:tint val="40000"/>
+        <a:alpha val="90000"/>
+      </a:schemeClr>
+      <a:schemeClr val="accent4">
+        <a:tint val="40000"/>
+        <a:alpha val="90000"/>
+      </a:schemeClr>
+      <a:schemeClr val="accent5">
+        <a:tint val="40000"/>
+        <a:alpha val="90000"/>
+      </a:schemeClr>
+      <a:schemeClr val="accent6">
+        <a:tint val="40000"/>
+        <a:alpha val="90000"/>
+      </a:schemeClr>
+    </dgm:fillClrLst>
+    <dgm:linClrLst meth="repeat">
+      <a:schemeClr val="accent2">
+        <a:tint val="40000"/>
+        <a:alpha val="90000"/>
+      </a:schemeClr>
+      <a:schemeClr val="accent3">
+        <a:tint val="40000"/>
+        <a:alpha val="90000"/>
+      </a:schemeClr>
+      <a:schemeClr val="accent4">
+        <a:tint val="40000"/>
+        <a:alpha val="90000"/>
+      </a:schemeClr>
+      <a:schemeClr val="accent5">
+        <a:tint val="40000"/>
+        <a:alpha val="90000"/>
+      </a:schemeClr>
+      <a:schemeClr val="accent6">
+        <a:tint val="40000"/>
+        <a:alpha val="90000"/>
+      </a:schemeClr>
+    </dgm:linClrLst>
+    <dgm:effectClrLst/>
+    <dgm:txLinClrLst/>
+    <dgm:txFillClrLst meth="repeat">
+      <a:schemeClr val="dk1"/>
+    </dgm:txFillClrLst>
+    <dgm:txEffectClrLst/>
+  </dgm:styleLbl>
+  <dgm:styleLbl name="bgAccFollowNode1">
+    <dgm:fillClrLst meth="repeat">
+      <a:schemeClr val="accent2">
+        <a:tint val="40000"/>
+        <a:alpha val="90000"/>
+      </a:schemeClr>
+      <a:schemeClr val="accent3">
+        <a:tint val="40000"/>
+        <a:alpha val="90000"/>
+      </a:schemeClr>
+      <a:schemeClr val="accent4">
+        <a:tint val="40000"/>
+        <a:alpha val="90000"/>
+      </a:schemeClr>
+      <a:schemeClr val="accent5">
+        <a:tint val="40000"/>
+        <a:alpha val="90000"/>
+      </a:schemeClr>
+      <a:schemeClr val="accent6">
+        <a:tint val="40000"/>
+        <a:alpha val="90000"/>
+      </a:schemeClr>
+    </dgm:fillClrLst>
+    <dgm:linClrLst meth="repeat">
+      <a:schemeClr val="accent2">
+        <a:tint val="40000"/>
+        <a:alpha val="90000"/>
+      </a:schemeClr>
+      <a:schemeClr val="accent3">
+        <a:tint val="40000"/>
+        <a:alpha val="90000"/>
+      </a:schemeClr>
+      <a:schemeClr val="accent4">
+        <a:tint val="40000"/>
+        <a:alpha val="90000"/>
+      </a:schemeClr>
+      <a:schemeClr val="accent5">
+        <a:tint val="40000"/>
+        <a:alpha val="90000"/>
+      </a:schemeClr>
+      <a:schemeClr val="accent6">
+        <a:tint val="40000"/>
+        <a:alpha val="90000"/>
+      </a:schemeClr>
+    </dgm:linClrLst>
+    <dgm:effectClrLst/>
+    <dgm:txLinClrLst/>
+    <dgm:txFillClrLst meth="repeat">
+      <a:schemeClr val="dk1"/>
+    </dgm:txFillClrLst>
+    <dgm:txEffectClrLst/>
+  </dgm:styleLbl>
+  <dgm:styleLbl name="fgAcc0">
+    <dgm:fillClrLst meth="repeat">
+      <a:schemeClr val="lt1">
+        <a:alpha val="90000"/>
+      </a:schemeClr>
+    </dgm:fillClrLst>
+    <dgm:linClrLst>
+      <a:schemeClr val="accent1"/>
+    </dgm:linClrLst>
+    <dgm:effectClrLst/>
+    <dgm:txLinClrLst/>
+    <dgm:txFillClrLst meth="repeat">
+      <a:schemeClr val="dk1"/>
+    </dgm:txFillClrLst>
+    <dgm:txEffectClrLst/>
+  </dgm:styleLbl>
+  <dgm:styleLbl name="fgAcc2">
+    <dgm:fillClrLst meth="repeat">
+      <a:schemeClr val="lt1">
+        <a:alpha val="90000"/>
+      </a:schemeClr>
+    </dgm:fillClrLst>
+    <dgm:linClrLst>
+      <a:schemeClr val="accent2"/>
+    </dgm:linClrLst>
+    <dgm:effectClrLst/>
+    <dgm:txLinClrLst/>
+    <dgm:txFillClrLst meth="repeat">
+      <a:schemeClr val="dk1"/>
+    </dgm:txFillClrLst>
+    <dgm:txEffectClrLst/>
+  </dgm:styleLbl>
+  <dgm:styleLbl name="fgAcc3">
+    <dgm:fillClrLst meth="repeat">
+      <a:schemeClr val="lt1">
+        <a:alpha val="90000"/>
+      </a:schemeClr>
+    </dgm:fillClrLst>
+    <dgm:linClrLst>
+      <a:schemeClr val="accent3"/>
+    </dgm:linClrLst>
+    <dgm:effectClrLst/>
+    <dgm:txLinClrLst/>
+    <dgm:txFillClrLst meth="repeat">
+      <a:schemeClr val="dk1"/>
+    </dgm:txFillClrLst>
+    <dgm:txEffectClrLst/>
+  </dgm:styleLbl>
+  <dgm:styleLbl name="fgAcc4">
+    <dgm:fillClrLst meth="repeat">
+      <a:schemeClr val="lt1">
+        <a:alpha val="90000"/>
+      </a:schemeClr>
+    </dgm:fillClrLst>
+    <dgm:linClrLst>
+      <a:schemeClr val="accent4"/>
+    </dgm:linClrLst>
+    <dgm:effectClrLst/>
+    <dgm:txLinClrLst/>
+    <dgm:txFillClrLst meth="repeat">
+      <a:schemeClr val="dk1"/>
+    </dgm:txFillClrLst>
+    <dgm:txEffectClrLst/>
+  </dgm:styleLbl>
+  <dgm:styleLbl name="bgShp">
+    <dgm:fillClrLst meth="repeat">
+      <a:schemeClr val="accent2">
+        <a:tint val="40000"/>
+      </a:schemeClr>
+    </dgm:fillClrLst>
+    <dgm:linClrLst meth="repeat">
+      <a:schemeClr val="dk1"/>
+    </dgm:linClrLst>
+    <dgm:effectClrLst/>
+    <dgm:txLinClrLst/>
+    <dgm:txFillClrLst meth="repeat">
+      <a:schemeClr val="dk1"/>
+    </dgm:txFillClrLst>
+    <dgm:txEffectClrLst/>
+  </dgm:styleLbl>
+  <dgm:styleLbl name="dkBgShp">
+    <dgm:fillClrLst meth="repeat">
+      <a:schemeClr val="accent2">
+        <a:shade val="90000"/>
+      </a:schemeClr>
+    </dgm:fillClrLst>
+    <dgm:linClrLst meth="repeat">
+      <a:schemeClr val="dk1"/>
+    </dgm:linClrLst>
+    <dgm:effectClrLst/>
+    <dgm:txLinClrLst/>
+    <dgm:txFillClrLst meth="repeat">
+      <a:schemeClr val="lt1"/>
+    </dgm:txFillClrLst>
+    <dgm:txEffectClrLst/>
+  </dgm:styleLbl>
+  <dgm:styleLbl name="trBgShp">
+    <dgm:fillClrLst meth="repeat">
+      <a:schemeClr val="accent1">
+        <a:tint val="50000"/>
+        <a:alpha val="40000"/>
+      </a:schemeClr>
+    </dgm:fillClrLst>
+    <dgm:linClrLst meth="repeat">
+      <a:schemeClr val="accent2"/>
+    </dgm:linClrLst>
+    <dgm:effectClrLst/>
+    <dgm:txLinClrLst/>
+    <dgm:txFillClrLst meth="repeat">
+      <a:schemeClr val="lt1"/>
+    </dgm:txFillClrLst>
+    <dgm:txEffectClrLst/>
+  </dgm:styleLbl>
+  <dgm:styleLbl name="fgShp">
+    <dgm:fillClrLst meth="repeat">
+      <a:schemeClr val="accent2">
+        <a:tint val="40000"/>
+      </a:schemeClr>
+    </dgm:fillClrLst>
+    <dgm:linClrLst meth="repeat">
+      <a:schemeClr val="lt1"/>
+    </dgm:linClrLst>
+    <dgm:effectClrLst/>
+    <dgm:txLinClrLst/>
+    <dgm:txFillClrLst meth="repeat">
+      <a:schemeClr val="dk1"/>
+    </dgm:txFillClrLst>
+    <dgm:txEffectClrLst/>
+  </dgm:styleLbl>
+  <dgm:styleLbl name="revTx">
+    <dgm:fillClrLst meth="repeat">
+      <a:schemeClr val="lt1">
+        <a:alpha val="0"/>
+      </a:schemeClr>
+    </dgm:fillClrLst>
+    <dgm:linClrLst meth="repeat">
+      <a:schemeClr val="dk1">
+        <a:alpha val="0"/>
+      </a:schemeClr>
+    </dgm:linClrLst>
+    <dgm:effectClrLst/>
+    <dgm:txLinClrLst/>
+    <dgm:txFillClrLst meth="repeat">
+      <a:schemeClr val="tx1"/>
+    </dgm:txFillClrLst>
+    <dgm:txEffectClrLst/>
+  </dgm:styleLbl>
+</dgm:colorsDef>
+</file>
+
+<file path=ppt/diagrams/data1.xml><?xml version="1.0" encoding="utf-8"?>
+<dgm:dataModel xmlns:dgm="http://schemas.openxmlformats.org/drawingml/2006/diagram" xmlns:a="http://schemas.openxmlformats.org/drawingml/2006/main">
+  <dgm:ptLst>
+    <dgm:pt modelId="{1F25A043-5D95-41A9-A4BE-820E2640D6B5}" type="doc">
+      <dgm:prSet loTypeId="urn:microsoft.com/office/officeart/2008/layout/LinedList" loCatId="list" qsTypeId="urn:microsoft.com/office/officeart/2005/8/quickstyle/simple1" qsCatId="simple" csTypeId="urn:microsoft.com/office/officeart/2005/8/colors/colorful1" csCatId="colorful"/>
+      <dgm:spPr/>
+      <dgm:t>
+        <a:bodyPr/>
+        <a:lstStyle/>
+        <a:p>
+          <a:endParaRPr lang="en-US"/>
+        </a:p>
+      </dgm:t>
+    </dgm:pt>
+    <dgm:pt modelId="{59B3A0ED-E139-47DF-94FC-31B52580D1A5}">
+      <dgm:prSet/>
+      <dgm:spPr/>
+      <dgm:t>
+        <a:bodyPr/>
+        <a:lstStyle/>
+        <a:p>
+          <a:r>
+            <a:rPr lang="hr-HR"/>
+            <a:t>CausalImpact</a:t>
+          </a:r>
+          <a:endParaRPr lang="en-US"/>
+        </a:p>
+      </dgm:t>
+    </dgm:pt>
+    <dgm:pt modelId="{B464A1A4-1126-4B9D-AE22-A6E50163F417}" type="parTrans" cxnId="{5F4DE29A-7B60-44C9-8B47-DBB5123931A5}">
+      <dgm:prSet/>
+      <dgm:spPr/>
+      <dgm:t>
+        <a:bodyPr/>
+        <a:lstStyle/>
+        <a:p>
+          <a:endParaRPr lang="en-US"/>
+        </a:p>
+      </dgm:t>
+    </dgm:pt>
+    <dgm:pt modelId="{B45BBAD5-ACFE-440A-A6BE-C82B54852E2F}" type="sibTrans" cxnId="{5F4DE29A-7B60-44C9-8B47-DBB5123931A5}">
+      <dgm:prSet/>
+      <dgm:spPr/>
+      <dgm:t>
+        <a:bodyPr/>
+        <a:lstStyle/>
+        <a:p>
+          <a:endParaRPr lang="en-US"/>
+        </a:p>
+      </dgm:t>
+    </dgm:pt>
+    <dgm:pt modelId="{3BA3DE07-8121-45E3-A929-004B8FFFA2E7}">
+      <dgm:prSet/>
+      <dgm:spPr/>
+      <dgm:t>
+        <a:bodyPr/>
+        <a:lstStyle/>
+        <a:p>
+          <a:r>
+            <a:rPr lang="hr-HR"/>
+            <a:t>Yfinance</a:t>
+          </a:r>
+          <a:endParaRPr lang="en-US"/>
+        </a:p>
+      </dgm:t>
+    </dgm:pt>
+    <dgm:pt modelId="{DC2A8315-80ED-4D3C-8CA8-430FA233E432}" type="parTrans" cxnId="{DC5811EB-7873-4969-8F14-F99A34364A55}">
+      <dgm:prSet/>
+      <dgm:spPr/>
+      <dgm:t>
+        <a:bodyPr/>
+        <a:lstStyle/>
+        <a:p>
+          <a:endParaRPr lang="en-US"/>
+        </a:p>
+      </dgm:t>
+    </dgm:pt>
+    <dgm:pt modelId="{8A7B84A1-7EFF-4F65-B605-BC54AC68FE5A}" type="sibTrans" cxnId="{DC5811EB-7873-4969-8F14-F99A34364A55}">
+      <dgm:prSet/>
+      <dgm:spPr/>
+      <dgm:t>
+        <a:bodyPr/>
+        <a:lstStyle/>
+        <a:p>
+          <a:endParaRPr lang="en-US"/>
+        </a:p>
+      </dgm:t>
+    </dgm:pt>
+    <dgm:pt modelId="{878760F5-ABB4-4457-9E11-47BFD82D9CD9}">
+      <dgm:prSet/>
+      <dgm:spPr/>
+      <dgm:t>
+        <a:bodyPr/>
+        <a:lstStyle/>
+        <a:p>
+          <a:r>
+            <a:rPr lang="hr-HR"/>
+            <a:t>Pandas</a:t>
+          </a:r>
+          <a:endParaRPr lang="en-US"/>
+        </a:p>
+      </dgm:t>
+    </dgm:pt>
+    <dgm:pt modelId="{B26BEEEB-5976-4126-A408-A2D11050FC17}" type="parTrans" cxnId="{166EB5B0-91C9-4975-8DBC-81B797FC4635}">
+      <dgm:prSet/>
+      <dgm:spPr/>
+      <dgm:t>
+        <a:bodyPr/>
+        <a:lstStyle/>
+        <a:p>
+          <a:endParaRPr lang="en-US"/>
+        </a:p>
+      </dgm:t>
+    </dgm:pt>
+    <dgm:pt modelId="{B59AE2A4-F06B-49E5-ABE3-077FB2AAFC1D}" type="sibTrans" cxnId="{166EB5B0-91C9-4975-8DBC-81B797FC4635}">
+      <dgm:prSet/>
+      <dgm:spPr/>
+      <dgm:t>
+        <a:bodyPr/>
+        <a:lstStyle/>
+        <a:p>
+          <a:endParaRPr lang="en-US"/>
+        </a:p>
+      </dgm:t>
+    </dgm:pt>
+    <dgm:pt modelId="{609133E6-9E5E-47C9-8173-57BED87F1C05}">
+      <dgm:prSet/>
+      <dgm:spPr/>
+      <dgm:t>
+        <a:bodyPr/>
+        <a:lstStyle/>
+        <a:p>
+          <a:r>
+            <a:rPr lang="hr-HR"/>
+            <a:t>Seaborn</a:t>
+          </a:r>
+          <a:endParaRPr lang="en-US"/>
+        </a:p>
+      </dgm:t>
+    </dgm:pt>
+    <dgm:pt modelId="{67D98AEC-4F78-4955-A901-C8ED90F3AE10}" type="parTrans" cxnId="{69638E79-24E9-47BB-8207-F8F2AB2258DE}">
+      <dgm:prSet/>
+      <dgm:spPr/>
+      <dgm:t>
+        <a:bodyPr/>
+        <a:lstStyle/>
+        <a:p>
+          <a:endParaRPr lang="en-US"/>
+        </a:p>
+      </dgm:t>
+    </dgm:pt>
+    <dgm:pt modelId="{E06FCB51-A071-40E4-972C-502D143ED6A9}" type="sibTrans" cxnId="{69638E79-24E9-47BB-8207-F8F2AB2258DE}">
+      <dgm:prSet/>
+      <dgm:spPr/>
+      <dgm:t>
+        <a:bodyPr/>
+        <a:lstStyle/>
+        <a:p>
+          <a:endParaRPr lang="en-US"/>
+        </a:p>
+      </dgm:t>
+    </dgm:pt>
+    <dgm:pt modelId="{6CE79F39-E7A1-49CD-B3DD-F04C5ABE0CF5}">
+      <dgm:prSet/>
+      <dgm:spPr/>
+      <dgm:t>
+        <a:bodyPr/>
+        <a:lstStyle/>
+        <a:p>
+          <a:r>
+            <a:rPr lang="hr-HR"/>
+            <a:t>Matplotlib</a:t>
+          </a:r>
+          <a:endParaRPr lang="en-US"/>
+        </a:p>
+      </dgm:t>
+    </dgm:pt>
+    <dgm:pt modelId="{531B4C54-BDAB-47ED-A54C-3026128B1D80}" type="parTrans" cxnId="{37CEDD3D-7640-48AC-95AA-E3EF025645A7}">
+      <dgm:prSet/>
+      <dgm:spPr/>
+      <dgm:t>
+        <a:bodyPr/>
+        <a:lstStyle/>
+        <a:p>
+          <a:endParaRPr lang="en-US"/>
+        </a:p>
+      </dgm:t>
+    </dgm:pt>
+    <dgm:pt modelId="{F6A842EB-B5B1-4CC4-806E-946BA0FCC933}" type="sibTrans" cxnId="{37CEDD3D-7640-48AC-95AA-E3EF025645A7}">
+      <dgm:prSet/>
+      <dgm:spPr/>
+      <dgm:t>
+        <a:bodyPr/>
+        <a:lstStyle/>
+        <a:p>
+          <a:endParaRPr lang="en-US"/>
+        </a:p>
+      </dgm:t>
+    </dgm:pt>
+    <dgm:pt modelId="{18A1F0DD-CE56-45F6-8AEE-1D682B897903}" type="pres">
+      <dgm:prSet presAssocID="{1F25A043-5D95-41A9-A4BE-820E2640D6B5}" presName="vert0" presStyleCnt="0">
+        <dgm:presLayoutVars>
+          <dgm:dir/>
+          <dgm:animOne val="branch"/>
+          <dgm:animLvl val="lvl"/>
+        </dgm:presLayoutVars>
+      </dgm:prSet>
+      <dgm:spPr/>
+    </dgm:pt>
+    <dgm:pt modelId="{5C13EE23-5F61-4385-9616-E697F336FFBE}" type="pres">
+      <dgm:prSet presAssocID="{59B3A0ED-E139-47DF-94FC-31B52580D1A5}" presName="thickLine" presStyleLbl="alignNode1" presStyleIdx="0" presStyleCnt="5"/>
+      <dgm:spPr/>
+    </dgm:pt>
+    <dgm:pt modelId="{56D5790C-69D8-404E-BDC7-7C7E9623B158}" type="pres">
+      <dgm:prSet presAssocID="{59B3A0ED-E139-47DF-94FC-31B52580D1A5}" presName="horz1" presStyleCnt="0"/>
+      <dgm:spPr/>
+    </dgm:pt>
+    <dgm:pt modelId="{C28C786D-D3B3-4258-82F6-48A0479966C6}" type="pres">
+      <dgm:prSet presAssocID="{59B3A0ED-E139-47DF-94FC-31B52580D1A5}" presName="tx1" presStyleLbl="revTx" presStyleIdx="0" presStyleCnt="5"/>
+      <dgm:spPr/>
+    </dgm:pt>
+    <dgm:pt modelId="{7E1651DB-4211-4482-BDCE-A30A34E0518C}" type="pres">
+      <dgm:prSet presAssocID="{59B3A0ED-E139-47DF-94FC-31B52580D1A5}" presName="vert1" presStyleCnt="0"/>
+      <dgm:spPr/>
+    </dgm:pt>
+    <dgm:pt modelId="{AC8AE1D5-2057-427B-BA62-AF4E4B735CE8}" type="pres">
+      <dgm:prSet presAssocID="{3BA3DE07-8121-45E3-A929-004B8FFFA2E7}" presName="thickLine" presStyleLbl="alignNode1" presStyleIdx="1" presStyleCnt="5"/>
+      <dgm:spPr/>
+    </dgm:pt>
+    <dgm:pt modelId="{FF77BEB3-D1CA-489E-8CDC-771E99C6EFBF}" type="pres">
+      <dgm:prSet presAssocID="{3BA3DE07-8121-45E3-A929-004B8FFFA2E7}" presName="horz1" presStyleCnt="0"/>
+      <dgm:spPr/>
+    </dgm:pt>
+    <dgm:pt modelId="{F236E1BF-9965-49CD-AA66-4B9549121EC9}" type="pres">
+      <dgm:prSet presAssocID="{3BA3DE07-8121-45E3-A929-004B8FFFA2E7}" presName="tx1" presStyleLbl="revTx" presStyleIdx="1" presStyleCnt="5"/>
+      <dgm:spPr/>
+    </dgm:pt>
+    <dgm:pt modelId="{70E5CD6D-F592-4DC0-A406-1FF055E28676}" type="pres">
+      <dgm:prSet presAssocID="{3BA3DE07-8121-45E3-A929-004B8FFFA2E7}" presName="vert1" presStyleCnt="0"/>
+      <dgm:spPr/>
+    </dgm:pt>
+    <dgm:pt modelId="{499BE4E7-020D-43B2-8D01-F413AFCCE8E3}" type="pres">
+      <dgm:prSet presAssocID="{878760F5-ABB4-4457-9E11-47BFD82D9CD9}" presName="thickLine" presStyleLbl="alignNode1" presStyleIdx="2" presStyleCnt="5"/>
+      <dgm:spPr/>
+    </dgm:pt>
+    <dgm:pt modelId="{50B4D318-281D-48AB-9068-4A1EE0C6146C}" type="pres">
+      <dgm:prSet presAssocID="{878760F5-ABB4-4457-9E11-47BFD82D9CD9}" presName="horz1" presStyleCnt="0"/>
+      <dgm:spPr/>
+    </dgm:pt>
+    <dgm:pt modelId="{45B71F99-CF03-42A8-88F9-9A3E5DA7CD48}" type="pres">
+      <dgm:prSet presAssocID="{878760F5-ABB4-4457-9E11-47BFD82D9CD9}" presName="tx1" presStyleLbl="revTx" presStyleIdx="2" presStyleCnt="5"/>
+      <dgm:spPr/>
+    </dgm:pt>
+    <dgm:pt modelId="{2491AEBD-83CB-4C37-9B91-1EB3A766C52E}" type="pres">
+      <dgm:prSet presAssocID="{878760F5-ABB4-4457-9E11-47BFD82D9CD9}" presName="vert1" presStyleCnt="0"/>
+      <dgm:spPr/>
+    </dgm:pt>
+    <dgm:pt modelId="{259BF929-C75D-4DE5-A4C7-48C31E7C06DD}" type="pres">
+      <dgm:prSet presAssocID="{609133E6-9E5E-47C9-8173-57BED87F1C05}" presName="thickLine" presStyleLbl="alignNode1" presStyleIdx="3" presStyleCnt="5"/>
+      <dgm:spPr/>
+    </dgm:pt>
+    <dgm:pt modelId="{0FF42BDD-8241-40E2-B1FB-9E4229F298C1}" type="pres">
+      <dgm:prSet presAssocID="{609133E6-9E5E-47C9-8173-57BED87F1C05}" presName="horz1" presStyleCnt="0"/>
+      <dgm:spPr/>
+    </dgm:pt>
+    <dgm:pt modelId="{E7E594B7-8FE9-4D0E-8176-391CD879268F}" type="pres">
+      <dgm:prSet presAssocID="{609133E6-9E5E-47C9-8173-57BED87F1C05}" presName="tx1" presStyleLbl="revTx" presStyleIdx="3" presStyleCnt="5"/>
+      <dgm:spPr/>
+    </dgm:pt>
+    <dgm:pt modelId="{234F988C-CCE7-4BDC-BDD3-3C6C386E61D3}" type="pres">
+      <dgm:prSet presAssocID="{609133E6-9E5E-47C9-8173-57BED87F1C05}" presName="vert1" presStyleCnt="0"/>
+      <dgm:spPr/>
+    </dgm:pt>
+    <dgm:pt modelId="{95E1F705-D7C4-45FC-BD2C-8B5889D70389}" type="pres">
+      <dgm:prSet presAssocID="{6CE79F39-E7A1-49CD-B3DD-F04C5ABE0CF5}" presName="thickLine" presStyleLbl="alignNode1" presStyleIdx="4" presStyleCnt="5"/>
+      <dgm:spPr/>
+    </dgm:pt>
+    <dgm:pt modelId="{F4AF73B7-8D84-4272-A937-310E157625A6}" type="pres">
+      <dgm:prSet presAssocID="{6CE79F39-E7A1-49CD-B3DD-F04C5ABE0CF5}" presName="horz1" presStyleCnt="0"/>
+      <dgm:spPr/>
+    </dgm:pt>
+    <dgm:pt modelId="{FF9E70EA-6681-44B1-B752-08304F50A64B}" type="pres">
+      <dgm:prSet presAssocID="{6CE79F39-E7A1-49CD-B3DD-F04C5ABE0CF5}" presName="tx1" presStyleLbl="revTx" presStyleIdx="4" presStyleCnt="5"/>
+      <dgm:spPr/>
+    </dgm:pt>
+    <dgm:pt modelId="{67296D3B-DCA1-443F-A325-CB6ABBE22E03}" type="pres">
+      <dgm:prSet presAssocID="{6CE79F39-E7A1-49CD-B3DD-F04C5ABE0CF5}" presName="vert1" presStyleCnt="0"/>
+      <dgm:spPr/>
+    </dgm:pt>
+  </dgm:ptLst>
+  <dgm:cxnLst>
+    <dgm:cxn modelId="{37CEDD3D-7640-48AC-95AA-E3EF025645A7}" srcId="{1F25A043-5D95-41A9-A4BE-820E2640D6B5}" destId="{6CE79F39-E7A1-49CD-B3DD-F04C5ABE0CF5}" srcOrd="4" destOrd="0" parTransId="{531B4C54-BDAB-47ED-A54C-3026128B1D80}" sibTransId="{F6A842EB-B5B1-4CC4-806E-946BA0FCC933}"/>
+    <dgm:cxn modelId="{D2243A69-478A-4D48-B61A-43796BA89899}" type="presOf" srcId="{1F25A043-5D95-41A9-A4BE-820E2640D6B5}" destId="{18A1F0DD-CE56-45F6-8AEE-1D682B897903}" srcOrd="0" destOrd="0" presId="urn:microsoft.com/office/officeart/2008/layout/LinedList"/>
+    <dgm:cxn modelId="{E77D4C4B-98A6-4173-A3A7-69954BFA5C45}" type="presOf" srcId="{6CE79F39-E7A1-49CD-B3DD-F04C5ABE0CF5}" destId="{FF9E70EA-6681-44B1-B752-08304F50A64B}" srcOrd="0" destOrd="0" presId="urn:microsoft.com/office/officeart/2008/layout/LinedList"/>
+    <dgm:cxn modelId="{86FD156D-93D3-43E5-91A8-869653BD0EED}" type="presOf" srcId="{878760F5-ABB4-4457-9E11-47BFD82D9CD9}" destId="{45B71F99-CF03-42A8-88F9-9A3E5DA7CD48}" srcOrd="0" destOrd="0" presId="urn:microsoft.com/office/officeart/2008/layout/LinedList"/>
+    <dgm:cxn modelId="{69638E79-24E9-47BB-8207-F8F2AB2258DE}" srcId="{1F25A043-5D95-41A9-A4BE-820E2640D6B5}" destId="{609133E6-9E5E-47C9-8173-57BED87F1C05}" srcOrd="3" destOrd="0" parTransId="{67D98AEC-4F78-4955-A901-C8ED90F3AE10}" sibTransId="{E06FCB51-A071-40E4-972C-502D143ED6A9}"/>
+    <dgm:cxn modelId="{5F4DE29A-7B60-44C9-8B47-DBB5123931A5}" srcId="{1F25A043-5D95-41A9-A4BE-820E2640D6B5}" destId="{59B3A0ED-E139-47DF-94FC-31B52580D1A5}" srcOrd="0" destOrd="0" parTransId="{B464A1A4-1126-4B9D-AE22-A6E50163F417}" sibTransId="{B45BBAD5-ACFE-440A-A6BE-C82B54852E2F}"/>
+    <dgm:cxn modelId="{166EB5B0-91C9-4975-8DBC-81B797FC4635}" srcId="{1F25A043-5D95-41A9-A4BE-820E2640D6B5}" destId="{878760F5-ABB4-4457-9E11-47BFD82D9CD9}" srcOrd="2" destOrd="0" parTransId="{B26BEEEB-5976-4126-A408-A2D11050FC17}" sibTransId="{B59AE2A4-F06B-49E5-ABE3-077FB2AAFC1D}"/>
+    <dgm:cxn modelId="{65B2E1E6-230B-47C9-BE5B-95E125C97EF2}" type="presOf" srcId="{59B3A0ED-E139-47DF-94FC-31B52580D1A5}" destId="{C28C786D-D3B3-4258-82F6-48A0479966C6}" srcOrd="0" destOrd="0" presId="urn:microsoft.com/office/officeart/2008/layout/LinedList"/>
+    <dgm:cxn modelId="{DC5811EB-7873-4969-8F14-F99A34364A55}" srcId="{1F25A043-5D95-41A9-A4BE-820E2640D6B5}" destId="{3BA3DE07-8121-45E3-A929-004B8FFFA2E7}" srcOrd="1" destOrd="0" parTransId="{DC2A8315-80ED-4D3C-8CA8-430FA233E432}" sibTransId="{8A7B84A1-7EFF-4F65-B605-BC54AC68FE5A}"/>
+    <dgm:cxn modelId="{9A86E6EB-B1BB-403D-814D-78958C893E64}" type="presOf" srcId="{3BA3DE07-8121-45E3-A929-004B8FFFA2E7}" destId="{F236E1BF-9965-49CD-AA66-4B9549121EC9}" srcOrd="0" destOrd="0" presId="urn:microsoft.com/office/officeart/2008/layout/LinedList"/>
+    <dgm:cxn modelId="{6B6E13F8-169E-4946-B622-36E3B96F8EEB}" type="presOf" srcId="{609133E6-9E5E-47C9-8173-57BED87F1C05}" destId="{E7E594B7-8FE9-4D0E-8176-391CD879268F}" srcOrd="0" destOrd="0" presId="urn:microsoft.com/office/officeart/2008/layout/LinedList"/>
+    <dgm:cxn modelId="{6B0EC5C6-90F7-4AD8-B96B-1D87049FEEF2}" type="presParOf" srcId="{18A1F0DD-CE56-45F6-8AEE-1D682B897903}" destId="{5C13EE23-5F61-4385-9616-E697F336FFBE}" srcOrd="0" destOrd="0" presId="urn:microsoft.com/office/officeart/2008/layout/LinedList"/>
+    <dgm:cxn modelId="{45175054-9A86-47A8-97DE-7178BF3F8E0C}" type="presParOf" srcId="{18A1F0DD-CE56-45F6-8AEE-1D682B897903}" destId="{56D5790C-69D8-404E-BDC7-7C7E9623B158}" srcOrd="1" destOrd="0" presId="urn:microsoft.com/office/officeart/2008/layout/LinedList"/>
+    <dgm:cxn modelId="{3F06A997-1C52-4C19-BA37-98C951D91314}" type="presParOf" srcId="{56D5790C-69D8-404E-BDC7-7C7E9623B158}" destId="{C28C786D-D3B3-4258-82F6-48A0479966C6}" srcOrd="0" destOrd="0" presId="urn:microsoft.com/office/officeart/2008/layout/LinedList"/>
+    <dgm:cxn modelId="{C004A8AC-E89C-4F04-96FA-4EEC37F588C9}" type="presParOf" srcId="{56D5790C-69D8-404E-BDC7-7C7E9623B158}" destId="{7E1651DB-4211-4482-BDCE-A30A34E0518C}" srcOrd="1" destOrd="0" presId="urn:microsoft.com/office/officeart/2008/layout/LinedList"/>
+    <dgm:cxn modelId="{5054B136-B503-438B-B33D-BD7858534F0D}" type="presParOf" srcId="{18A1F0DD-CE56-45F6-8AEE-1D682B897903}" destId="{AC8AE1D5-2057-427B-BA62-AF4E4B735CE8}" srcOrd="2" destOrd="0" presId="urn:microsoft.com/office/officeart/2008/layout/LinedList"/>
+    <dgm:cxn modelId="{50B79A93-E5A2-425F-B0B7-8778926E2B9A}" type="presParOf" srcId="{18A1F0DD-CE56-45F6-8AEE-1D682B897903}" destId="{FF77BEB3-D1CA-489E-8CDC-771E99C6EFBF}" srcOrd="3" destOrd="0" presId="urn:microsoft.com/office/officeart/2008/layout/LinedList"/>
+    <dgm:cxn modelId="{81E4AEA5-5575-4098-B219-1E4C217EB06F}" type="presParOf" srcId="{FF77BEB3-D1CA-489E-8CDC-771E99C6EFBF}" destId="{F236E1BF-9965-49CD-AA66-4B9549121EC9}" srcOrd="0" destOrd="0" presId="urn:microsoft.com/office/officeart/2008/layout/LinedList"/>
+    <dgm:cxn modelId="{5D37F9D9-E465-44EA-A576-63E5E35F2CE8}" type="presParOf" srcId="{FF77BEB3-D1CA-489E-8CDC-771E99C6EFBF}" destId="{70E5CD6D-F592-4DC0-A406-1FF055E28676}" srcOrd="1" destOrd="0" presId="urn:microsoft.com/office/officeart/2008/layout/LinedList"/>
+    <dgm:cxn modelId="{AE8B8420-733D-4686-A965-AF653E2CE9FF}" type="presParOf" srcId="{18A1F0DD-CE56-45F6-8AEE-1D682B897903}" destId="{499BE4E7-020D-43B2-8D01-F413AFCCE8E3}" srcOrd="4" destOrd="0" presId="urn:microsoft.com/office/officeart/2008/layout/LinedList"/>
+    <dgm:cxn modelId="{1FD1F381-F5C1-4CC5-8AC9-E8302C739BF1}" type="presParOf" srcId="{18A1F0DD-CE56-45F6-8AEE-1D682B897903}" destId="{50B4D318-281D-48AB-9068-4A1EE0C6146C}" srcOrd="5" destOrd="0" presId="urn:microsoft.com/office/officeart/2008/layout/LinedList"/>
+    <dgm:cxn modelId="{8837C63C-160E-4A93-BB49-379E1D2F784E}" type="presParOf" srcId="{50B4D318-281D-48AB-9068-4A1EE0C6146C}" destId="{45B71F99-CF03-42A8-88F9-9A3E5DA7CD48}" srcOrd="0" destOrd="0" presId="urn:microsoft.com/office/officeart/2008/layout/LinedList"/>
+    <dgm:cxn modelId="{2B665CA0-5368-4326-9569-D5AEE2E13F9F}" type="presParOf" srcId="{50B4D318-281D-48AB-9068-4A1EE0C6146C}" destId="{2491AEBD-83CB-4C37-9B91-1EB3A766C52E}" srcOrd="1" destOrd="0" presId="urn:microsoft.com/office/officeart/2008/layout/LinedList"/>
+    <dgm:cxn modelId="{3A733D55-87B9-44E4-A3E8-E281C2BC0366}" type="presParOf" srcId="{18A1F0DD-CE56-45F6-8AEE-1D682B897903}" destId="{259BF929-C75D-4DE5-A4C7-48C31E7C06DD}" srcOrd="6" destOrd="0" presId="urn:microsoft.com/office/officeart/2008/layout/LinedList"/>
+    <dgm:cxn modelId="{FD5B5B72-0E33-477F-9DB0-0E495D52260E}" type="presParOf" srcId="{18A1F0DD-CE56-45F6-8AEE-1D682B897903}" destId="{0FF42BDD-8241-40E2-B1FB-9E4229F298C1}" srcOrd="7" destOrd="0" presId="urn:microsoft.com/office/officeart/2008/layout/LinedList"/>
+    <dgm:cxn modelId="{340FA352-8A0E-4BAE-9C57-3C9E3D6F16E1}" type="presParOf" srcId="{0FF42BDD-8241-40E2-B1FB-9E4229F298C1}" destId="{E7E594B7-8FE9-4D0E-8176-391CD879268F}" srcOrd="0" destOrd="0" presId="urn:microsoft.com/office/officeart/2008/layout/LinedList"/>
+    <dgm:cxn modelId="{715A8702-B557-4D1F-90D4-A5F857CD609D}" type="presParOf" srcId="{0FF42BDD-8241-40E2-B1FB-9E4229F298C1}" destId="{234F988C-CCE7-4BDC-BDD3-3C6C386E61D3}" srcOrd="1" destOrd="0" presId="urn:microsoft.com/office/officeart/2008/layout/LinedList"/>
+    <dgm:cxn modelId="{7CC9E32E-05AE-4D09-9AFB-2AB0388BD906}" type="presParOf" srcId="{18A1F0DD-CE56-45F6-8AEE-1D682B897903}" destId="{95E1F705-D7C4-45FC-BD2C-8B5889D70389}" srcOrd="8" destOrd="0" presId="urn:microsoft.com/office/officeart/2008/layout/LinedList"/>
+    <dgm:cxn modelId="{0D42A220-6FCD-4DB7-9243-E350536260E5}" type="presParOf" srcId="{18A1F0DD-CE56-45F6-8AEE-1D682B897903}" destId="{F4AF73B7-8D84-4272-A937-310E157625A6}" srcOrd="9" destOrd="0" presId="urn:microsoft.com/office/officeart/2008/layout/LinedList"/>
+    <dgm:cxn modelId="{06198617-572D-44AB-A115-9A85026FE99E}" type="presParOf" srcId="{F4AF73B7-8D84-4272-A937-310E157625A6}" destId="{FF9E70EA-6681-44B1-B752-08304F50A64B}" srcOrd="0" destOrd="0" presId="urn:microsoft.com/office/officeart/2008/layout/LinedList"/>
+    <dgm:cxn modelId="{E48E6C3E-78B0-409A-A31F-02A89C9FF885}" type="presParOf" srcId="{F4AF73B7-8D84-4272-A937-310E157625A6}" destId="{67296D3B-DCA1-443F-A325-CB6ABBE22E03}" srcOrd="1" destOrd="0" presId="urn:microsoft.com/office/officeart/2008/layout/LinedList"/>
+  </dgm:cxnLst>
+  <dgm:bg/>
+  <dgm:whole/>
+  <dgm:extLst>
+    <a:ext uri="http://schemas.microsoft.com/office/drawing/2008/diagram">
+      <dsp:dataModelExt xmlns:dsp="http://schemas.microsoft.com/office/drawing/2008/diagram" relId="rId6" minVer="http://schemas.openxmlformats.org/drawingml/2006/diagram"/>
+    </a:ext>
+  </dgm:extLst>
+</dgm:dataModel>
+</file>
+
+<file path=ppt/diagrams/drawing1.xml><?xml version="1.0" encoding="utf-8"?>
+<dsp:drawing xmlns:dgm="http://schemas.openxmlformats.org/drawingml/2006/diagram" xmlns:dsp="http://schemas.microsoft.com/office/drawing/2008/diagram" xmlns:a="http://schemas.openxmlformats.org/drawingml/2006/main">
+  <dsp:spTree>
+    <dsp:nvGrpSpPr>
+      <dsp:cNvPr id="0" name=""/>
+      <dsp:cNvGrpSpPr/>
+    </dsp:nvGrpSpPr>
+    <dsp:grpSpPr/>
+    <dsp:sp modelId="{5C13EE23-5F61-4385-9616-E697F336FFBE}">
+      <dsp:nvSpPr>
+        <dsp:cNvPr id="0" name=""/>
+        <dsp:cNvSpPr/>
+      </dsp:nvSpPr>
+      <dsp:spPr>
+        <a:xfrm>
+          <a:off x="0" y="581"/>
+          <a:ext cx="5077071" cy="0"/>
+        </a:xfrm>
+        <a:prstGeom prst="line">
+          <a:avLst/>
+        </a:prstGeom>
+        <a:solidFill>
+          <a:schemeClr val="accent2">
+            <a:hueOff val="0"/>
+            <a:satOff val="0"/>
+            <a:lumOff val="0"/>
+            <a:alphaOff val="0"/>
+          </a:schemeClr>
+        </a:solidFill>
+        <a:ln w="12700" cap="flat" cmpd="sng" algn="ctr">
+          <a:solidFill>
+            <a:schemeClr val="accent2">
+              <a:hueOff val="0"/>
+              <a:satOff val="0"/>
+              <a:lumOff val="0"/>
+              <a:alphaOff val="0"/>
+            </a:schemeClr>
+          </a:solidFill>
+          <a:prstDash val="solid"/>
+          <a:miter lim="800000"/>
+        </a:ln>
+        <a:effectLst/>
+      </dsp:spPr>
+      <dsp:style>
+        <a:lnRef idx="2">
+          <a:scrgbClr r="0" g="0" b="0"/>
+        </a:lnRef>
+        <a:fillRef idx="1">
+          <a:scrgbClr r="0" g="0" b="0"/>
+        </a:fillRef>
+        <a:effectRef idx="0">
+          <a:scrgbClr r="0" g="0" b="0"/>
+        </a:effectRef>
+        <a:fontRef idx="minor">
+          <a:schemeClr val="lt1"/>
+        </a:fontRef>
+      </dsp:style>
+    </dsp:sp>
+    <dsp:sp modelId="{C28C786D-D3B3-4258-82F6-48A0479966C6}">
+      <dsp:nvSpPr>
+        <dsp:cNvPr id="0" name=""/>
+        <dsp:cNvSpPr/>
+      </dsp:nvSpPr>
+      <dsp:spPr>
+        <a:xfrm>
+          <a:off x="0" y="581"/>
+          <a:ext cx="5077071" cy="951941"/>
+        </a:xfrm>
+        <a:prstGeom prst="rect">
+          <a:avLst/>
+        </a:prstGeom>
+        <a:noFill/>
+        <a:ln>
+          <a:noFill/>
+        </a:ln>
+        <a:effectLst/>
+      </dsp:spPr>
+      <dsp:style>
+        <a:lnRef idx="0">
+          <a:scrgbClr r="0" g="0" b="0"/>
+        </a:lnRef>
+        <a:fillRef idx="0">
+          <a:scrgbClr r="0" g="0" b="0"/>
+        </a:fillRef>
+        <a:effectRef idx="0">
+          <a:scrgbClr r="0" g="0" b="0"/>
+        </a:effectRef>
+        <a:fontRef idx="minor"/>
+      </dsp:style>
+      <dsp:txBody>
+        <a:bodyPr spcFirstLastPara="0" vert="horz" wrap="square" lIns="167640" tIns="167640" rIns="167640" bIns="167640" numCol="1" spcCol="1270" anchor="t" anchorCtr="0">
+          <a:noAutofit/>
+        </a:bodyPr>
+        <a:lstStyle/>
+        <a:p>
+          <a:pPr marL="0" lvl="0" indent="0" algn="l" defTabSz="1955800">
+            <a:lnSpc>
+              <a:spcPct val="90000"/>
+            </a:lnSpc>
+            <a:spcBef>
+              <a:spcPct val="0"/>
+            </a:spcBef>
+            <a:spcAft>
+              <a:spcPct val="35000"/>
+            </a:spcAft>
+            <a:buNone/>
+          </a:pPr>
+          <a:r>
+            <a:rPr lang="hr-HR" sz="4400" kern="1200"/>
+            <a:t>CausalImpact</a:t>
+          </a:r>
+          <a:endParaRPr lang="en-US" sz="4400" kern="1200"/>
+        </a:p>
+      </dsp:txBody>
+      <dsp:txXfrm>
+        <a:off x="0" y="581"/>
+        <a:ext cx="5077071" cy="951941"/>
+      </dsp:txXfrm>
+    </dsp:sp>
+    <dsp:sp modelId="{AC8AE1D5-2057-427B-BA62-AF4E4B735CE8}">
+      <dsp:nvSpPr>
+        <dsp:cNvPr id="0" name=""/>
+        <dsp:cNvSpPr/>
+      </dsp:nvSpPr>
+      <dsp:spPr>
+        <a:xfrm>
+          <a:off x="0" y="952522"/>
+          <a:ext cx="5077071" cy="0"/>
+        </a:xfrm>
+        <a:prstGeom prst="line">
+          <a:avLst/>
+        </a:prstGeom>
+        <a:solidFill>
+          <a:schemeClr val="accent3">
+            <a:hueOff val="0"/>
+            <a:satOff val="0"/>
+            <a:lumOff val="0"/>
+            <a:alphaOff val="0"/>
+          </a:schemeClr>
+        </a:solidFill>
+        <a:ln w="12700" cap="flat" cmpd="sng" algn="ctr">
+          <a:solidFill>
+            <a:schemeClr val="accent3">
+              <a:hueOff val="0"/>
+              <a:satOff val="0"/>
+              <a:lumOff val="0"/>
+              <a:alphaOff val="0"/>
+            </a:schemeClr>
+          </a:solidFill>
+          <a:prstDash val="solid"/>
+          <a:miter lim="800000"/>
+        </a:ln>
+        <a:effectLst/>
+      </dsp:spPr>
+      <dsp:style>
+        <a:lnRef idx="2">
+          <a:scrgbClr r="0" g="0" b="0"/>
+        </a:lnRef>
+        <a:fillRef idx="1">
+          <a:scrgbClr r="0" g="0" b="0"/>
+        </a:fillRef>
+        <a:effectRef idx="0">
+          <a:scrgbClr r="0" g="0" b="0"/>
+        </a:effectRef>
+        <a:fontRef idx="minor">
+          <a:schemeClr val="lt1"/>
+        </a:fontRef>
+      </dsp:style>
+    </dsp:sp>
+    <dsp:sp modelId="{F236E1BF-9965-49CD-AA66-4B9549121EC9}">
+      <dsp:nvSpPr>
+        <dsp:cNvPr id="0" name=""/>
+        <dsp:cNvSpPr/>
+      </dsp:nvSpPr>
+      <dsp:spPr>
+        <a:xfrm>
+          <a:off x="0" y="952522"/>
+          <a:ext cx="5077071" cy="951941"/>
+        </a:xfrm>
+        <a:prstGeom prst="rect">
+          <a:avLst/>
+        </a:prstGeom>
+        <a:noFill/>
+        <a:ln>
+          <a:noFill/>
+        </a:ln>
+        <a:effectLst/>
+      </dsp:spPr>
+      <dsp:style>
+        <a:lnRef idx="0">
+          <a:scrgbClr r="0" g="0" b="0"/>
+        </a:lnRef>
+        <a:fillRef idx="0">
+          <a:scrgbClr r="0" g="0" b="0"/>
+        </a:fillRef>
+        <a:effectRef idx="0">
+          <a:scrgbClr r="0" g="0" b="0"/>
+        </a:effectRef>
+        <a:fontRef idx="minor"/>
+      </dsp:style>
+      <dsp:txBody>
+        <a:bodyPr spcFirstLastPara="0" vert="horz" wrap="square" lIns="167640" tIns="167640" rIns="167640" bIns="167640" numCol="1" spcCol="1270" anchor="t" anchorCtr="0">
+          <a:noAutofit/>
+        </a:bodyPr>
+        <a:lstStyle/>
+        <a:p>
+          <a:pPr marL="0" lvl="0" indent="0" algn="l" defTabSz="1955800">
+            <a:lnSpc>
+              <a:spcPct val="90000"/>
+            </a:lnSpc>
+            <a:spcBef>
+              <a:spcPct val="0"/>
+            </a:spcBef>
+            <a:spcAft>
+              <a:spcPct val="35000"/>
+            </a:spcAft>
+            <a:buNone/>
+          </a:pPr>
+          <a:r>
+            <a:rPr lang="hr-HR" sz="4400" kern="1200"/>
+            <a:t>Yfinance</a:t>
+          </a:r>
+          <a:endParaRPr lang="en-US" sz="4400" kern="1200"/>
+        </a:p>
+      </dsp:txBody>
+      <dsp:txXfrm>
+        <a:off x="0" y="952522"/>
+        <a:ext cx="5077071" cy="951941"/>
+      </dsp:txXfrm>
+    </dsp:sp>
+    <dsp:sp modelId="{499BE4E7-020D-43B2-8D01-F413AFCCE8E3}">
+      <dsp:nvSpPr>
+        <dsp:cNvPr id="0" name=""/>
+        <dsp:cNvSpPr/>
+      </dsp:nvSpPr>
+      <dsp:spPr>
+        <a:xfrm>
+          <a:off x="0" y="1904464"/>
+          <a:ext cx="5077071" cy="0"/>
+        </a:xfrm>
+        <a:prstGeom prst="line">
+          <a:avLst/>
+        </a:prstGeom>
+        <a:solidFill>
+          <a:schemeClr val="accent4">
+            <a:hueOff val="0"/>
+            <a:satOff val="0"/>
+            <a:lumOff val="0"/>
+            <a:alphaOff val="0"/>
+          </a:schemeClr>
+        </a:solidFill>
+        <a:ln w="12700" cap="flat" cmpd="sng" algn="ctr">
+          <a:solidFill>
+            <a:schemeClr val="accent4">
+              <a:hueOff val="0"/>
+              <a:satOff val="0"/>
+              <a:lumOff val="0"/>
+              <a:alphaOff val="0"/>
+            </a:schemeClr>
+          </a:solidFill>
+          <a:prstDash val="solid"/>
+          <a:miter lim="800000"/>
+        </a:ln>
+        <a:effectLst/>
+      </dsp:spPr>
+      <dsp:style>
+        <a:lnRef idx="2">
+          <a:scrgbClr r="0" g="0" b="0"/>
+        </a:lnRef>
+        <a:fillRef idx="1">
+          <a:scrgbClr r="0" g="0" b="0"/>
+        </a:fillRef>
+        <a:effectRef idx="0">
+          <a:scrgbClr r="0" g="0" b="0"/>
+        </a:effectRef>
+        <a:fontRef idx="minor">
+          <a:schemeClr val="lt1"/>
+        </a:fontRef>
+      </dsp:style>
+    </dsp:sp>
+    <dsp:sp modelId="{45B71F99-CF03-42A8-88F9-9A3E5DA7CD48}">
+      <dsp:nvSpPr>
+        <dsp:cNvPr id="0" name=""/>
+        <dsp:cNvSpPr/>
+      </dsp:nvSpPr>
+      <dsp:spPr>
+        <a:xfrm>
+          <a:off x="0" y="1904464"/>
+          <a:ext cx="5077071" cy="951941"/>
+        </a:xfrm>
+        <a:prstGeom prst="rect">
+          <a:avLst/>
+        </a:prstGeom>
+        <a:noFill/>
+        <a:ln>
+          <a:noFill/>
+        </a:ln>
+        <a:effectLst/>
+      </dsp:spPr>
+      <dsp:style>
+        <a:lnRef idx="0">
+          <a:scrgbClr r="0" g="0" b="0"/>
+        </a:lnRef>
+        <a:fillRef idx="0">
+          <a:scrgbClr r="0" g="0" b="0"/>
+        </a:fillRef>
+        <a:effectRef idx="0">
+          <a:scrgbClr r="0" g="0" b="0"/>
+        </a:effectRef>
+        <a:fontRef idx="minor"/>
+      </dsp:style>
+      <dsp:txBody>
+        <a:bodyPr spcFirstLastPara="0" vert="horz" wrap="square" lIns="167640" tIns="167640" rIns="167640" bIns="167640" numCol="1" spcCol="1270" anchor="t" anchorCtr="0">
+          <a:noAutofit/>
+        </a:bodyPr>
+        <a:lstStyle/>
+        <a:p>
+          <a:pPr marL="0" lvl="0" indent="0" algn="l" defTabSz="1955800">
+            <a:lnSpc>
+              <a:spcPct val="90000"/>
+            </a:lnSpc>
+            <a:spcBef>
+              <a:spcPct val="0"/>
+            </a:spcBef>
+            <a:spcAft>
+              <a:spcPct val="35000"/>
+            </a:spcAft>
+            <a:buNone/>
+          </a:pPr>
+          <a:r>
+            <a:rPr lang="hr-HR" sz="4400" kern="1200"/>
+            <a:t>Pandas</a:t>
+          </a:r>
+          <a:endParaRPr lang="en-US" sz="4400" kern="1200"/>
+        </a:p>
+      </dsp:txBody>
+      <dsp:txXfrm>
+        <a:off x="0" y="1904464"/>
+        <a:ext cx="5077071" cy="951941"/>
+      </dsp:txXfrm>
+    </dsp:sp>
+    <dsp:sp modelId="{259BF929-C75D-4DE5-A4C7-48C31E7C06DD}">
+      <dsp:nvSpPr>
+        <dsp:cNvPr id="0" name=""/>
+        <dsp:cNvSpPr/>
+      </dsp:nvSpPr>
+      <dsp:spPr>
+        <a:xfrm>
+          <a:off x="0" y="2856406"/>
+          <a:ext cx="5077071" cy="0"/>
+        </a:xfrm>
+        <a:prstGeom prst="line">
+          <a:avLst/>
+        </a:prstGeom>
+        <a:solidFill>
+          <a:schemeClr val="accent5">
+            <a:hueOff val="0"/>
+            <a:satOff val="0"/>
+            <a:lumOff val="0"/>
+            <a:alphaOff val="0"/>
+          </a:schemeClr>
+        </a:solidFill>
+        <a:ln w="12700" cap="flat" cmpd="sng" algn="ctr">
+          <a:solidFill>
+            <a:schemeClr val="accent5">
+              <a:hueOff val="0"/>
+              <a:satOff val="0"/>
+              <a:lumOff val="0"/>
+              <a:alphaOff val="0"/>
+            </a:schemeClr>
+          </a:solidFill>
+          <a:prstDash val="solid"/>
+          <a:miter lim="800000"/>
+        </a:ln>
+        <a:effectLst/>
+      </dsp:spPr>
+      <dsp:style>
+        <a:lnRef idx="2">
+          <a:scrgbClr r="0" g="0" b="0"/>
+        </a:lnRef>
+        <a:fillRef idx="1">
+          <a:scrgbClr r="0" g="0" b="0"/>
+        </a:fillRef>
+        <a:effectRef idx="0">
+          <a:scrgbClr r="0" g="0" b="0"/>
+        </a:effectRef>
+        <a:fontRef idx="minor">
+          <a:schemeClr val="lt1"/>
+        </a:fontRef>
+      </dsp:style>
+    </dsp:sp>
+    <dsp:sp modelId="{E7E594B7-8FE9-4D0E-8176-391CD879268F}">
+      <dsp:nvSpPr>
+        <dsp:cNvPr id="0" name=""/>
+        <dsp:cNvSpPr/>
+      </dsp:nvSpPr>
+      <dsp:spPr>
+        <a:xfrm>
+          <a:off x="0" y="2856406"/>
+          <a:ext cx="5077071" cy="951941"/>
+        </a:xfrm>
+        <a:prstGeom prst="rect">
+          <a:avLst/>
+        </a:prstGeom>
+        <a:noFill/>
+        <a:ln>
+          <a:noFill/>
+        </a:ln>
+        <a:effectLst/>
+      </dsp:spPr>
+      <dsp:style>
+        <a:lnRef idx="0">
+          <a:scrgbClr r="0" g="0" b="0"/>
+        </a:lnRef>
+        <a:fillRef idx="0">
+          <a:scrgbClr r="0" g="0" b="0"/>
+        </a:fillRef>
+        <a:effectRef idx="0">
+          <a:scrgbClr r="0" g="0" b="0"/>
+        </a:effectRef>
+        <a:fontRef idx="minor"/>
+      </dsp:style>
+      <dsp:txBody>
+        <a:bodyPr spcFirstLastPara="0" vert="horz" wrap="square" lIns="167640" tIns="167640" rIns="167640" bIns="167640" numCol="1" spcCol="1270" anchor="t" anchorCtr="0">
+          <a:noAutofit/>
+        </a:bodyPr>
+        <a:lstStyle/>
+        <a:p>
+          <a:pPr marL="0" lvl="0" indent="0" algn="l" defTabSz="1955800">
+            <a:lnSpc>
+              <a:spcPct val="90000"/>
+            </a:lnSpc>
+            <a:spcBef>
+              <a:spcPct val="0"/>
+            </a:spcBef>
+            <a:spcAft>
+              <a:spcPct val="35000"/>
+            </a:spcAft>
+            <a:buNone/>
+          </a:pPr>
+          <a:r>
+            <a:rPr lang="hr-HR" sz="4400" kern="1200"/>
+            <a:t>Seaborn</a:t>
+          </a:r>
+          <a:endParaRPr lang="en-US" sz="4400" kern="1200"/>
+        </a:p>
+      </dsp:txBody>
+      <dsp:txXfrm>
+        <a:off x="0" y="2856406"/>
+        <a:ext cx="5077071" cy="951941"/>
+      </dsp:txXfrm>
+    </dsp:sp>
+    <dsp:sp modelId="{95E1F705-D7C4-45FC-BD2C-8B5889D70389}">
+      <dsp:nvSpPr>
+        <dsp:cNvPr id="0" name=""/>
+        <dsp:cNvSpPr/>
+      </dsp:nvSpPr>
+      <dsp:spPr>
+        <a:xfrm>
+          <a:off x="0" y="3808348"/>
+          <a:ext cx="5077071" cy="0"/>
+        </a:xfrm>
+        <a:prstGeom prst="line">
+          <a:avLst/>
+        </a:prstGeom>
+        <a:solidFill>
+          <a:schemeClr val="accent6">
+            <a:hueOff val="0"/>
+            <a:satOff val="0"/>
+            <a:lumOff val="0"/>
+            <a:alphaOff val="0"/>
+          </a:schemeClr>
+        </a:solidFill>
+        <a:ln w="12700" cap="flat" cmpd="sng" algn="ctr">
+          <a:solidFill>
+            <a:schemeClr val="accent6">
+              <a:hueOff val="0"/>
+              <a:satOff val="0"/>
+              <a:lumOff val="0"/>
+              <a:alphaOff val="0"/>
+            </a:schemeClr>
+          </a:solidFill>
+          <a:prstDash val="solid"/>
+          <a:miter lim="800000"/>
+        </a:ln>
+        <a:effectLst/>
+      </dsp:spPr>
+      <dsp:style>
+        <a:lnRef idx="2">
+          <a:scrgbClr r="0" g="0" b="0"/>
+        </a:lnRef>
+        <a:fillRef idx="1">
+          <a:scrgbClr r="0" g="0" b="0"/>
+        </a:fillRef>
+        <a:effectRef idx="0">
+          <a:scrgbClr r="0" g="0" b="0"/>
+        </a:effectRef>
+        <a:fontRef idx="minor">
+          <a:schemeClr val="lt1"/>
+        </a:fontRef>
+      </dsp:style>
+    </dsp:sp>
+    <dsp:sp modelId="{FF9E70EA-6681-44B1-B752-08304F50A64B}">
+      <dsp:nvSpPr>
+        <dsp:cNvPr id="0" name=""/>
+        <dsp:cNvSpPr/>
+      </dsp:nvSpPr>
+      <dsp:spPr>
+        <a:xfrm>
+          <a:off x="0" y="3808348"/>
+          <a:ext cx="5077071" cy="951941"/>
+        </a:xfrm>
+        <a:prstGeom prst="rect">
+          <a:avLst/>
+        </a:prstGeom>
+        <a:noFill/>
+        <a:ln>
+          <a:noFill/>
+        </a:ln>
+        <a:effectLst/>
+      </dsp:spPr>
+      <dsp:style>
+        <a:lnRef idx="0">
+          <a:scrgbClr r="0" g="0" b="0"/>
+        </a:lnRef>
+        <a:fillRef idx="0">
+          <a:scrgbClr r="0" g="0" b="0"/>
+        </a:fillRef>
+        <a:effectRef idx="0">
+          <a:scrgbClr r="0" g="0" b="0"/>
+        </a:effectRef>
+        <a:fontRef idx="minor"/>
+      </dsp:style>
+      <dsp:txBody>
+        <a:bodyPr spcFirstLastPara="0" vert="horz" wrap="square" lIns="167640" tIns="167640" rIns="167640" bIns="167640" numCol="1" spcCol="1270" anchor="t" anchorCtr="0">
+          <a:noAutofit/>
+        </a:bodyPr>
+        <a:lstStyle/>
+        <a:p>
+          <a:pPr marL="0" lvl="0" indent="0" algn="l" defTabSz="1955800">
+            <a:lnSpc>
+              <a:spcPct val="90000"/>
+            </a:lnSpc>
+            <a:spcBef>
+              <a:spcPct val="0"/>
+            </a:spcBef>
+            <a:spcAft>
+              <a:spcPct val="35000"/>
+            </a:spcAft>
+            <a:buNone/>
+          </a:pPr>
+          <a:r>
+            <a:rPr lang="hr-HR" sz="4400" kern="1200"/>
+            <a:t>Matplotlib</a:t>
+          </a:r>
+          <a:endParaRPr lang="en-US" sz="4400" kern="1200"/>
+        </a:p>
+      </dsp:txBody>
+      <dsp:txXfrm>
+        <a:off x="0" y="3808348"/>
+        <a:ext cx="5077071" cy="951941"/>
+      </dsp:txXfrm>
+    </dsp:sp>
+  </dsp:spTree>
+</dsp:drawing>
+</file>
+
+<file path=ppt/diagrams/layout1.xml><?xml version="1.0" encoding="utf-8"?>
+<dgm:layoutDef xmlns:dgm="http://schemas.openxmlformats.org/drawingml/2006/diagram" xmlns:a="http://schemas.openxmlformats.org/drawingml/2006/main" uniqueId="urn:microsoft.com/office/officeart/2008/layout/LinedList">
+  <dgm:title val=""/>
+  <dgm:desc val=""/>
+  <dgm:catLst>
+    <dgm:cat type="hierarchy" pri="8000"/>
+    <dgm:cat type="list" pri="2500"/>
+  </dgm:catLst>
+  <dgm:sampData>
+    <dgm:dataModel>
+      <dgm:ptLst>
+        <dgm:pt modelId="0" type="doc"/>
+        <dgm:pt modelId="1">
+          <dgm:prSet phldr="1"/>
+        </dgm:pt>
+        <dgm:pt modelId="11">
+          <dgm:prSet phldr="1"/>
+        </dgm:pt>
+        <dgm:pt modelId="12">
+          <dgm:prSet phldr="1"/>
+        </dgm:pt>
+        <dgm:pt modelId="13">
+          <dgm:prSet phldr="1"/>
+        </dgm:pt>
+      </dgm:ptLst>
+      <dgm:cxnLst>
+        <dgm:cxn modelId="2" srcId="0" destId="1" srcOrd="0" destOrd="0"/>
+        <dgm:cxn modelId="3" srcId="1" destId="11" srcOrd="0" destOrd="0"/>
+        <dgm:cxn modelId="4" srcId="1" destId="12" srcOrd="1" destOrd="0"/>
+        <dgm:cxn modelId="5" srcId="1" destId="13" srcOrd="2" destOrd="0"/>
+      </dgm:cxnLst>
+      <dgm:bg/>
+      <dgm:whole/>
+    </dgm:dataModel>
+  </dgm:sampData>
+  <dgm:styleData>
+    <dgm:dataModel>
+      <dgm:ptLst>
+        <dgm:pt modelId="0" type="doc"/>
+        <dgm:pt modelId="1">
+          <dgm:prSet phldr="1"/>
+        </dgm:pt>
+        <dgm:pt modelId="11">
+          <dgm:prSet phldr="1"/>
+        </dgm:pt>
+        <dgm:pt modelId="12">
+          <dgm:prSet phldr="1"/>
+        </dgm:pt>
+      </dgm:ptLst>
+      <dgm:cxnLst>
+        <dgm:cxn modelId="2" srcId="0" destId="1" srcOrd="0" destOrd="0"/>
+        <dgm:cxn modelId="3" srcId="1" destId="11" srcOrd="0" destOrd="0"/>
+        <dgm:cxn modelId="4" srcId="1" destId="12" srcOrd="1" destOrd="0"/>
+      </dgm:cxnLst>
+      <dgm:bg/>
+      <dgm:whole/>
+    </dgm:dataModel>
+  </dgm:styleData>
+  <dgm:clrData>
+    <dgm:dataModel>
+      <dgm:ptLst>
+        <dgm:pt modelId="0" type="doc"/>
+        <dgm:pt modelId="1">
+          <dgm:prSet phldr="1"/>
+        </dgm:pt>
+        <dgm:pt modelId="11">
+          <dgm:prSet phldr="1"/>
+        </dgm:pt>
+        <dgm:pt modelId="12">
+          <dgm:prSet phldr="1"/>
+        </dgm:pt>
+      </dgm:ptLst>
+      <dgm:cxnLst>
+        <dgm:cxn modelId="2" srcId="0" destId="1" srcOrd="0" destOrd="0"/>
+        <dgm:cxn modelId="3" srcId="1" destId="11" srcOrd="0" destOrd="0"/>
+        <dgm:cxn modelId="4" srcId="1" destId="12" srcOrd="1" destOrd="0"/>
+      </dgm:cxnLst>
+      <dgm:bg/>
+      <dgm:whole/>
+    </dgm:dataModel>
+  </dgm:clrData>
+  <dgm:layoutNode name="vert0">
+    <dgm:varLst>
+      <dgm:dir/>
+      <dgm:animOne val="branch"/>
+      <dgm:animLvl val="lvl"/>
+    </dgm:varLst>
+    <dgm:choose name="Name0">
+      <dgm:if name="Name1" func="var" arg="dir" op="equ" val="norm">
+        <dgm:alg type="lin">
+          <dgm:param type="linDir" val="fromT"/>
+          <dgm:param type="nodeHorzAlign" val="l"/>
+        </dgm:alg>
+      </dgm:if>
+      <dgm:else name="Name2">
+        <dgm:alg type="lin">
+          <dgm:param type="linDir" val="fromT"/>
+          <dgm:param type="nodeHorzAlign" val="r"/>
+        </dgm:alg>
+      </dgm:else>
+    </dgm:choose>
+    <dgm:shape xmlns:r="http://schemas.openxmlformats.org/officeDocument/2006/relationships" r:blip="">
+      <dgm:adjLst/>
+    </dgm:shape>
+    <dgm:presOf/>
+    <dgm:constrLst>
+      <dgm:constr type="w" for="ch" forName="horz1" refType="w"/>
+      <dgm:constr type="h" for="ch" forName="horz1" refType="h"/>
+      <dgm:constr type="h" for="des" forName="vert1" refType="h"/>
+      <dgm:constr type="h" for="des" forName="tx1" refType="h"/>
+      <dgm:constr type="h" for="des" forName="horz2" refType="h"/>
+      <dgm:constr type="h" for="des" forName="vert2" refType="h"/>
+      <dgm:constr type="h" for="des" forName="horz3" refType="h"/>
+      <dgm:constr type="h" for="des" forName="vert3" refType="h"/>
+      <dgm:constr type="h" for="des" forName="horz4" refType="h"/>
+      <dgm:constr type="h" for="des" ptType="node" refType="h"/>
+      <dgm:constr type="primFontSz" for="des" forName="tx1" op="equ" val="65"/>
+      <dgm:constr type="primFontSz" for="des" forName="tx2" op="equ" val="65"/>
+      <dgm:constr type="primFontSz" for="des" forName="tx3" op="equ" val="65"/>
+      <dgm:constr type="primFontSz" for="des" forName="tx4" op="equ" val="65"/>
+      <dgm:constr type="w" for="des" forName="thickLine" refType="w"/>
+      <dgm:constr type="h" for="des" forName="thickLine"/>
+      <dgm:constr type="h" for="des" forName="thinLine1"/>
+      <dgm:constr type="h" for="des" forName="thinLine2b"/>
+      <dgm:constr type="h" for="des" forName="thinLine3"/>
+      <dgm:constr type="h" for="des" forName="vertSpace2a" refType="h" fact="0.05"/>
+      <dgm:constr type="h" for="des" forName="vertSpace2b" refType="h" refFor="des" refForName="vertSpace2a"/>
+    </dgm:constrLst>
+    <dgm:forEach name="Name3" axis="ch" ptType="node">
+      <dgm:layoutNode name="thickLine" styleLbl="alignNode1">
+        <dgm:alg type="sp"/>
+        <dgm:shape xmlns:r="http://schemas.openxmlformats.org/officeDocument/2006/relationships" type="line" r:blip="">
+          <dgm:adjLst/>
+        </dgm:shape>
+        <dgm:presOf/>
+      </dgm:layoutNode>
+      <dgm:layoutNode name="horz1">
+        <dgm:choose name="Name4">
+          <dgm:if name="Name5" func="var" arg="dir" op="equ" val="norm">
+            <dgm:alg type="lin">
+              <dgm:param type="linDir" val="fromL"/>
+              <dgm:param type="nodeVertAlign" val="t"/>
+            </dgm:alg>
+          </dgm:if>
+          <dgm:else name="Name6">
+            <dgm:alg type="lin">
+              <dgm:param type="linDir" val="fromR"/>
+              <dgm:param type="nodeVertAlign" val="t"/>
+            </dgm:alg>
+          </dgm:else>
+        </dgm:choose>
+        <dgm:shape xmlns:r="http://schemas.openxmlformats.org/officeDocument/2006/relationships" r:blip="">
+          <dgm:adjLst/>
+        </dgm:shape>
+        <dgm:presOf/>
+        <dgm:choose name="Name7">
+          <dgm:if name="Name8" axis="root des" func="maxDepth" op="equ" val="1">
+            <dgm:constrLst>
+              <dgm:constr type="w" for="ch" forName="tx1" refType="w"/>
+            </dgm:constrLst>
+          </dgm:if>
+          <dgm:if name="Name9" axis="root des" func="maxDepth" op="equ" val="2">
+            <dgm:constrLst>
+              <dgm:constr type="w" for="ch" forName="tx1" refType="w" fact="0.2"/>
+              <dgm:constr type="w" for="des" forName="tx2" refType="w" fact="0.785"/>
+              <dgm:constr type="w" for="des" forName="horzSpace2" refType="w" fact="0.015"/>
+              <dgm:constr type="w" for="des" forName="thinLine2b" refType="w" fact="0.8"/>
+            </dgm:constrLst>
+          </dgm:if>
+          <dgm:if name="Name10" axis="root des" func="maxDepth" op="equ" val="3">
+            <dgm:constrLst>
+              <dgm:constr type="w" for="ch" forName="tx1" refType="w" fact="0.2"/>
+              <dgm:constr type="w" for="des" forName="tx2" refType="w" fact="0.385"/>
+              <dgm:constr type="w" for="des" forName="tx3" refType="w" fact="0.385"/>
+              <dgm:constr type="w" for="des" forName="horzSpace2" refType="w" fact="0.015"/>
+              <dgm:constr type="w" for="des" forName="horzSpace3" refType="w" fact="0.015"/>
+              <dgm:constr type="w" for="des" forName="thinLine2b" refType="w" fact="0.8"/>
+              <dgm:constr type="w" for="des" forName="thinLine3" refType="w" fact="0.385"/>
+            </dgm:constrLst>
+          </dgm:if>
+          <dgm:if name="Name11" axis="root des" func="maxDepth" op="gte" val="4">
+            <dgm:constrLst>
+              <dgm:constr type="w" for="ch" forName="tx1" refType="w" fact="0.2"/>
+              <dgm:constr type="w" for="des" forName="tx2" refType="w" fact="0.2516"/>
+              <dgm:constr type="w" for="des" forName="tx3" refType="w" fact="0.2516"/>
+              <dgm:constr type="w" for="des" forName="tx4" refType="w" fact="0.2516"/>
+              <dgm:constr type="w" for="des" forName="horzSpace2" refType="w" fact="0.015"/>
+              <dgm:constr type="w" for="des" forName="horzSpace3" refType="w" fact="0.015"/>
+              <dgm:constr type="w" for="des" forName="horzSpace4" refType="w" fact="0.015"/>
+              <dgm:constr type="w" for="des" forName="thinLine2b" refType="w" fact="0.8"/>
+              <dgm:constr type="w" for="des" forName="thinLine3" refType="w" fact="0.5332"/>
+            </dgm:constrLst>
+          </dgm:if>
+          <dgm:else name="Name12"/>
+        </dgm:choose>
+        <dgm:layoutNode name="tx1" styleLbl="revTx">
+          <dgm:alg type="tx">
+            <dgm:param type="parTxLTRAlign" val="l"/>
+            <dgm:param type="parTxRTLAlign" val="r"/>
+            <dgm:param type="txAnchorVert" val="t"/>
+          </dgm:alg>
+          <dgm:shape xmlns:r="http://schemas.openxmlformats.org/officeDocument/2006/relationships" type="rect" r:blip="">
+            <dgm:adjLst/>
+          </dgm:shape>
+          <dgm:presOf axis="self"/>
+          <dgm:constrLst>
+            <dgm:constr type="tMarg" refType="primFontSz" fact="0.3"/>
+            <dgm:constr type="bMarg" refType="primFontSz" fact="0.3"/>
+            <dgm:constr type="lMarg" refType="primFontSz" fact="0.3"/>
+            <dgm:constr type="rMarg" refType="primFontSz" fact="0.3"/>
+          </dgm:constrLst>
+          <dgm:ruleLst>
+            <dgm:rule type="primFontSz" val="5" fact="NaN" max="NaN"/>
+          </dgm:ruleLst>
+        </dgm:layoutNode>
+        <dgm:layoutNode name="vert1">
+          <dgm:choose name="Name13">
+            <dgm:if name="Name14" func="var" arg="dir" op="equ" val="norm">
+              <dgm:alg type="lin">
+                <dgm:param type="linDir" val="fromT"/>
+                <dgm:param type="nodeHorzAlign" val="l"/>
+              </dgm:alg>
+            </dgm:if>
+            <dgm:else name="Name15">
+              <dgm:alg type="lin">
+                <dgm:param type="linDir" val="fromT"/>
+                <dgm:param type="nodeHorzAlign" val="r"/>
+              </dgm:alg>
+            </dgm:else>
+          </dgm:choose>
+          <dgm:shape xmlns:r="http://schemas.openxmlformats.org/officeDocument/2006/relationships" r:blip="">
+            <dgm:adjLst/>
+          </dgm:shape>
+          <dgm:presOf/>
+          <dgm:forEach name="Name16" axis="ch" ptType="node">
+            <dgm:choose name="Name17">
+              <dgm:if name="Name18" axis="self" ptType="node" func="pos" op="equ" val="1">
+                <dgm:layoutNode name="vertSpace2a">
+                  <dgm:alg type="sp"/>
+                  <dgm:shape xmlns:r="http://schemas.openxmlformats.org/officeDocument/2006/relationships" r:blip="">
+                    <dgm:adjLst/>
+                  </dgm:shape>
+                  <dgm:presOf/>
+                </dgm:layoutNode>
+              </dgm:if>
+              <dgm:else name="Name19"/>
+            </dgm:choose>
+            <dgm:layoutNode name="horz2">
+              <dgm:choose name="Name20">
+                <dgm:if name="Name21" func="var" arg="dir" op="equ" val="norm">
+                  <dgm:alg type="lin">
+                    <dgm:param type="linDir" val="fromL"/>
+                    <dgm:param type="nodeVertAlign" val="t"/>
+                  </dgm:alg>
+                </dgm:if>
+                <dgm:else name="Name22">
+                  <dgm:alg type="lin">
+                    <dgm:param type="linDir" val="fromR"/>
+                    <dgm:param type="nodeVertAlign" val="t"/>
+                  </dgm:alg>
+                </dgm:else>
+              </dgm:choose>
+              <dgm:shape xmlns:r="http://schemas.openxmlformats.org/officeDocument/2006/relationships" r:blip="">
+                <dgm:adjLst/>
+              </dgm:shape>
+              <dgm:presOf/>
+              <dgm:layoutNode name="horzSpace2">
+                <dgm:alg type="sp"/>
+                <dgm:shape xmlns:r="http://schemas.openxmlformats.org/officeDocument/2006/relationships" r:blip="">
+                  <dgm:adjLst/>
+                </dgm:shape>
+                <dgm:presOf/>
+              </dgm:layoutNode>
+              <dgm:layoutNode name="tx2" styleLbl="revTx">
+                <dgm:alg type="tx">
+                  <dgm:param type="parTxLTRAlign" val="l"/>
+                  <dgm:param type="parTxRTLAlign" val="r"/>
+                  <dgm:param type="txAnchorVert" val="t"/>
+                </dgm:alg>
+                <dgm:shape xmlns:r="http://schemas.openxmlformats.org/officeDocument/2006/relationships" type="rect" r:blip="">
+                  <dgm:adjLst/>
+                </dgm:shape>
+                <dgm:presOf axis="self"/>
+                <dgm:constrLst>
+                  <dgm:constr type="tMarg" refType="primFontSz" fact="0.3"/>
+                  <dgm:constr type="bMarg" refType="primFontSz" fact="0.3"/>
+                  <dgm:constr type="lMarg" refType="primFontSz" fact="0.3"/>
+                  <dgm:constr type="rMarg" refType="primFontSz" fact="0.3"/>
+                </dgm:constrLst>
+                <dgm:ruleLst>
+                  <dgm:rule type="primFontSz" val="5" fact="NaN" max="NaN"/>
+                </dgm:ruleLst>
+              </dgm:layoutNode>
+              <dgm:layoutNode name="vert2">
+                <dgm:choose name="Name23">
+                  <dgm:if name="Name24" func="var" arg="dir" op="equ" val="norm">
+                    <dgm:alg type="lin">
+                      <dgm:param type="linDir" val="fromT"/>
+                      <dgm:param type="nodeHorzAlign" val="l"/>
+                    </dgm:alg>
+                  </dgm:if>
+                  <dgm:else name="Name25">
+                    <dgm:alg type="lin">
+                      <dgm:param type="linDir" val="fromT"/>
+                      <dgm:param type="nodeHorzAlign" val="r"/>
+                    </dgm:alg>
+                  </dgm:else>
+                </dgm:choose>
+                <dgm:shape xmlns:r="http://schemas.openxmlformats.org/officeDocument/2006/relationships" r:blip="">
+                  <dgm:adjLst/>
+                </dgm:shape>
+                <dgm:presOf/>
+                <dgm:forEach name="Name26" axis="ch" ptType="node">
+                  <dgm:layoutNode name="horz3">
+                    <dgm:choose name="Name27">
+                      <dgm:if name="Name28" func="var" arg="dir" op="equ" val="norm">
+                        <dgm:alg type="lin">
+                          <dgm:param type="linDir" val="fromL"/>
+                          <dgm:param type="nodeVertAlign" val="t"/>
+                        </dgm:alg>
+                      </dgm:if>
+                      <dgm:else name="Name29">
+                        <dgm:alg type="lin">
+                          <dgm:param type="linDir" val="fromR"/>
+                          <dgm:param type="nodeVertAlign" val="t"/>
+                        </dgm:alg>
+                      </dgm:else>
+                    </dgm:choose>
+                    <dgm:shape xmlns:r="http://schemas.openxmlformats.org/officeDocument/2006/relationships" r:blip="">
+                      <dgm:adjLst/>
+                    </dgm:shape>
+                    <dgm:presOf/>
+                    <dgm:layoutNode name="horzSpace3">
+                      <dgm:alg type="sp"/>
+                      <dgm:shape xmlns:r="http://schemas.openxmlformats.org/officeDocument/2006/relationships" r:blip="">
+                        <dgm:adjLst/>
+                      </dgm:shape>
+                      <dgm:presOf/>
+                    </dgm:layoutNode>
+                    <dgm:layoutNode name="tx3" styleLbl="revTx">
+                      <dgm:alg type="tx">
+                        <dgm:param type="parTxLTRAlign" val="l"/>
+                        <dgm:param type="parTxRTLAlign" val="r"/>
+                        <dgm:param type="txAnchorVert" val="t"/>
+                      </dgm:alg>
+                      <dgm:shape xmlns:r="http://schemas.openxmlformats.org/officeDocument/2006/relationships" type="rect" r:blip="">
+                        <dgm:adjLst/>
+                      </dgm:shape>
+                      <dgm:presOf axis="self"/>
+                      <dgm:constrLst>
+                        <dgm:constr type="tMarg" refType="primFontSz" fact="0.3"/>
+                        <dgm:constr type="bMarg" refType="primFontSz" fact="0.3"/>
+                        <dgm:constr type="lMarg" refType="primFontSz" fact="0.3"/>
+                        <dgm:constr type="rMarg" refType="primFontSz" fact="0.3"/>
+                      </dgm:constrLst>
+                      <dgm:ruleLst>
+                        <dgm:rule type="primFontSz" val="5" fact="NaN" max="NaN"/>
+                      </dgm:ruleLst>
+                    </dgm:layoutNode>
+                    <dgm:layoutNode name="vert3">
+                      <dgm:choose name="Name30">
+                        <dgm:if name="Name31" func="var" arg="dir" op="equ" val="norm">
+                          <dgm:alg type="lin">
+                            <dgm:param type="linDir" val="fromT"/>
+                            <dgm:param type="nodeHorzAlign" val="l"/>
+                          </dgm:alg>
+                        </dgm:if>
+                        <dgm:else name="Name32">
+                          <dgm:alg type="lin">
+                            <dgm:param type="linDir" val="fromT"/>
+                            <dgm:param type="nodeHorzAlign" val="r"/>
+                          </dgm:alg>
+                        </dgm:else>
+                      </dgm:choose>
+                      <dgm:shape xmlns:r="http://schemas.openxmlformats.org/officeDocument/2006/relationships" r:blip="">
+                        <dgm:adjLst/>
+                      </dgm:shape>
+                      <dgm:presOf/>
+                      <dgm:forEach name="Name33" axis="ch" ptType="node">
+                        <dgm:layoutNode name="horz4">
+                          <dgm:choose name="Name34">
+                            <dgm:if name="Name35" func="var" arg="dir" op="equ" val="norm">
+                              <dgm:alg type="lin">
+                                <dgm:param type="linDir" val="fromL"/>
+                                <dgm:param type="nodeVertAlign" val="t"/>
+                              </dgm:alg>
+                            </dgm:if>
+                            <dgm:else name="Name36">
+                              <dgm:alg type="lin">
+                                <dgm:param type="linDir" val="fromR"/>
+                                <dgm:param type="nodeVertAlign" val="t"/>
+                              </dgm:alg>
+                            </dgm:else>
+                          </dgm:choose>
+                          <dgm:shape xmlns:r="http://schemas.openxmlformats.org/officeDocument/2006/relationships" r:blip="">
+                            <dgm:adjLst/>
+                          </dgm:shape>
+                          <dgm:presOf/>
+                          <dgm:layoutNode name="horzSpace4">
+                            <dgm:alg type="sp"/>
+                            <dgm:shape xmlns:r="http://schemas.openxmlformats.org/officeDocument/2006/relationships" r:blip="">
+                              <dgm:adjLst/>
+                            </dgm:shape>
+                            <dgm:presOf/>
+                          </dgm:layoutNode>
+                          <dgm:layoutNode name="tx4" styleLbl="revTx">
+                            <dgm:varLst>
+                              <dgm:bulletEnabled val="1"/>
+                            </dgm:varLst>
+                            <dgm:alg type="tx">
+                              <dgm:param type="parTxLTRAlign" val="l"/>
+                              <dgm:param type="parTxRTLAlign" val="r"/>
+                              <dgm:param type="txAnchorVert" val="t"/>
+                            </dgm:alg>
+                            <dgm:shape xmlns:r="http://schemas.openxmlformats.org/officeDocument/2006/relationships" type="rect" r:blip="">
+                              <dgm:adjLst/>
+                            </dgm:shape>
+                            <dgm:presOf axis="desOrSelf" ptType="node"/>
+                            <dgm:constrLst>
+                              <dgm:constr type="tMarg" refType="primFontSz" fact="0.3"/>
+                              <dgm:constr type="bMarg" refType="primFontSz" fact="0.3"/>
+                              <dgm:constr type="lMarg" refType="primFontSz" fact="0.3"/>
+                              <dgm:constr type="rMarg" refType="primFontSz" fact="0.3"/>
+                            </dgm:constrLst>
+                            <dgm:ruleLst>
+                              <dgm:rule type="primFontSz" val="5" fact="NaN" max="NaN"/>
+                            </dgm:ruleLst>
+                          </dgm:layoutNode>
+                        </dgm:layoutNode>
+                      </dgm:forEach>
+                    </dgm:layoutNode>
+                  </dgm:layoutNode>
+                  <dgm:forEach name="Name37" axis="followSib" ptType="sibTrans" cnt="1">
+                    <dgm:layoutNode name="thinLine3" styleLbl="callout">
+                      <dgm:alg type="sp"/>
+                      <dgm:shape xmlns:r="http://schemas.openxmlformats.org/officeDocument/2006/relationships" type="line" r:blip="">
+                        <dgm:adjLst/>
+                      </dgm:shape>
+                      <dgm:presOf/>
+                    </dgm:layoutNode>
+                  </dgm:forEach>
+                </dgm:forEach>
+              </dgm:layoutNode>
+            </dgm:layoutNode>
+            <dgm:layoutNode name="thinLine2b" styleLbl="callout">
+              <dgm:alg type="sp"/>
+              <dgm:shape xmlns:r="http://schemas.openxmlformats.org/officeDocument/2006/relationships" type="line" r:blip="">
+                <dgm:adjLst/>
+              </dgm:shape>
+              <dgm:presOf/>
+            </dgm:layoutNode>
+            <dgm:layoutNode name="vertSpace2b">
+              <dgm:alg type="sp"/>
+              <dgm:shape xmlns:r="http://schemas.openxmlformats.org/officeDocument/2006/relationships" r:blip="">
+                <dgm:adjLst/>
+              </dgm:shape>
+              <dgm:presOf/>
+            </dgm:layoutNode>
+          </dgm:forEach>
+        </dgm:layoutNode>
+      </dgm:layoutNode>
+    </dgm:forEach>
+  </dgm:layoutNode>
+</dgm:layoutDef>
+</file>
+
+<file path=ppt/diagrams/quickStyle1.xml><?xml version="1.0" encoding="utf-8"?>
+<dgm:styleDef xmlns:dgm="http://schemas.openxmlformats.org/drawingml/2006/diagram" xmlns:a="http://schemas.openxmlformats.org/drawingml/2006/main" uniqueId="urn:microsoft.com/office/officeart/2005/8/quickstyle/simple1">
+  <dgm:title val=""/>
+  <dgm:desc val=""/>
+  <dgm:catLst>
+    <dgm:cat type="simple" pri="10100"/>
+  </dgm:catLst>
+  <dgm:scene3d>
+    <a:camera prst="orthographicFront"/>
+    <a:lightRig rig="threePt" dir="t"/>
+  </dgm:scene3d>
+  <dgm:styleLbl name="node0">
+    <dgm:scene3d>
+      <a:camera prst="orthographicFront"/>
+      <a:lightRig rig="threePt" dir="t"/>
+    </dgm:scene3d>
+    <dgm:sp3d/>
+    <dgm:txPr/>
+    <dgm:style>
+      <a:lnRef idx="2">
+        <a:scrgbClr r="0" g="0" b="0"/>
+      </a:lnRef>
+      <a:fillRef idx="1">
+        <a:scrgbClr r="0" g="0" b="0"/>
+      </a:fillRef>
+      <a:effectRef idx="0">
+        <a:scrgbClr r="0" g="0" b="0"/>
+      </a:effectRef>
+      <a:fontRef idx="minor">
+        <a:schemeClr val="lt1"/>
+      </a:fontRef>
+    </dgm:style>
+  </dgm:styleLbl>
+  <dgm:styleLbl name="lnNode1">
+    <dgm:scene3d>
+      <a:camera prst="orthographicFront"/>
+      <a:lightRig rig="threePt" dir="t"/>
+    </dgm:scene3d>
+    <dgm:sp3d/>
+    <dgm:txPr/>
+    <dgm:style>
+      <a:lnRef idx="2">
+        <a:scrgbClr r="0" g="0" b="0"/>
+      </a:lnRef>
+      <a:fillRef idx="1">
+        <a:scrgbClr r="0" g="0" b="0"/>
+      </a:fillRef>
+      <a:effectRef idx="0">
+        <a:scrgbClr r="0" g="0" b="0"/>
+      </a:effectRef>
+      <a:fontRef idx="minor">
+        <a:schemeClr val="lt1"/>
+      </a:fontRef>
+    </dgm:style>
+  </dgm:styleLbl>
+  <dgm:styleLbl name="vennNode1">
+    <dgm:scene3d>
+      <a:camera prst="orthographicFront"/>
+      <a:lightRig rig="threePt" dir="t"/>
+    </dgm:scene3d>
+    <dgm:sp3d/>
+    <dgm:txPr/>
+    <dgm:style>
+      <a:lnRef idx="2">
+        <a:scrgbClr r="0" g="0" b="0"/>
+      </a:lnRef>
+      <a:fillRef idx="1">
+        <a:scrgbClr r="0" g="0" b="0"/>
+      </a:fillRef>
+      <a:effectRef idx="0">
+        <a:scrgbClr r="0" g="0" b="0"/>
+      </a:effectRef>
+      <a:fontRef idx="minor">
+        <a:schemeClr val="tx1"/>
+      </a:fontRef>
+    </dgm:style>
+  </dgm:styleLbl>
+  <dgm:styleLbl name="alignNode1">
+    <dgm:scene3d>
+      <a:camera prst="orthographicFront"/>
+      <a:lightRig rig="threePt" dir="t"/>
+    </dgm:scene3d>
+    <dgm:sp3d/>
+    <dgm:txPr/>
+    <dgm:style>
+      <a:lnRef idx="2">
+        <a:scrgbClr r="0" g="0" b="0"/>
+      </a:lnRef>
+      <a:fillRef idx="1">
+        <a:scrgbClr r="0" g="0" b="0"/>
+      </a:fillRef>
+      <a:effectRef idx="0">
+        <a:scrgbClr r="0" g="0" b="0"/>
+      </a:effectRef>
+      <a:fontRef idx="minor">
+        <a:schemeClr val="lt1"/>
+      </a:fontRef>
+    </dgm:style>
+  </dgm:styleLbl>
+  <dgm:styleLbl name="node1">
+    <dgm:scene3d>
+      <a:camera prst="orthographicFront"/>
+      <a:lightRig rig="threePt" dir="t"/>
+    </dgm:scene3d>
+    <dgm:sp3d/>
+    <dgm:txPr/>
+    <dgm:style>
+      <a:lnRef idx="2">
+        <a:scrgbClr r="0" g="0" b="0"/>
+      </a:lnRef>
+      <a:fillRef idx="1">
+        <a:scrgbClr r="0" g="0" b="0"/>
+      </a:fillRef>
+      <a:effectRef idx="0">
+        <a:scrgbClr r="0" g="0" b="0"/>
+      </a:effectRef>
+      <a:fontRef idx="minor">
+        <a:schemeClr val="lt1"/>
+      </a:fontRef>
+    </dgm:style>
+  </dgm:styleLbl>
+  <dgm:styleLbl name="node2">
+    <dgm:scene3d>
+      <a:camera prst="orthographicFront"/>
+      <a:lightRig rig="threePt" dir="t"/>
+    </dgm:scene3d>
+    <dgm:sp3d/>
+    <dgm:txPr/>
+    <dgm:style>
+      <a:lnRef idx="2">
+        <a:scrgbClr r="0" g="0" b="0"/>
+      </a:lnRef>
+      <a:fillRef idx="1">
+        <a:scrgbClr r="0" g="0" b="0"/>
+      </a:fillRef>
+      <a:effectRef idx="0">
+        <a:scrgbClr r="0" g="0" b="0"/>
+      </a:effectRef>
+      <a:fontRef idx="minor">
+        <a:schemeClr val="lt1"/>
+      </a:fontRef>
+    </dgm:style>
+  </dgm:styleLbl>
+  <dgm:styleLbl name="node3">
+    <dgm:scene3d>
+      <a:camera prst="orthographicFront"/>
+      <a:lightRig rig="threePt" dir="t"/>
+    </dgm:scene3d>
+    <dgm:sp3d/>
+    <dgm:txPr/>
+    <dgm:style>
+      <a:lnRef idx="2">
+        <a:scrgbClr r="0" g="0" b="0"/>
+      </a:lnRef>
+      <a:fillRef idx="1">
+        <a:scrgbClr r="0" g="0" b="0"/>
+      </a:fillRef>
+      <a:effectRef idx="0">
+        <a:scrgbClr r="0" g="0" b="0"/>
+      </a:effectRef>
+      <a:fontRef idx="minor">
+        <a:schemeClr val="lt1"/>
+      </a:fontRef>
+    </dgm:style>
+  </dgm:styleLbl>
+  <dgm:styleLbl name="node4">
+    <dgm:scene3d>
+      <a:camera prst="orthographicFront"/>
+      <a:lightRig rig="threePt" dir="t"/>
+    </dgm:scene3d>
+    <dgm:sp3d/>
+    <dgm:txPr/>
+    <dgm:style>
+      <a:lnRef idx="2">
+        <a:scrgbClr r="0" g="0" b="0"/>
+      </a:lnRef>
+      <a:fillRef idx="1">
+        <a:scrgbClr r="0" g="0" b="0"/>
+      </a:fillRef>
+      <a:effectRef idx="0">
+        <a:scrgbClr r="0" g="0" b="0"/>
+      </a:effectRef>
+      <a:fontRef idx="minor">
+        <a:schemeClr val="lt1"/>
+      </a:fontRef>
+    </dgm:style>
+  </dgm:styleLbl>
+  <dgm:styleLbl name="fgImgPlace1">
+    <dgm:scene3d>
+      <a:camera prst="orthographicFront"/>
+      <a:lightRig rig="threePt" dir="t"/>
+    </dgm:scene3d>
+    <dgm:sp3d/>
+    <dgm:txPr/>
+    <dgm:style>
+      <a:lnRef idx="2">
+        <a:scrgbClr r="0" g="0" b="0"/>
+      </a:lnRef>
+      <a:fillRef idx="1">
+        <a:scrgbClr r="0" g="0" b="0"/>
+      </a:fillRef>
+      <a:effectRef idx="0">
+        <a:scrgbClr r="0" g="0" b="0"/>
+      </a:effectRef>
+      <a:fontRef idx="minor"/>
+    </dgm:style>
+  </dgm:styleLbl>
+  <dgm:styleLbl name="alignImgPlace1">
+    <dgm:scene3d>
+      <a:camera prst="orthographicFront"/>
+      <a:lightRig rig="threePt" dir="t"/>
+    </dgm:scene3d>
+    <dgm:sp3d/>
+    <dgm:txPr/>
+    <dgm:style>
+      <a:lnRef idx="2">
+        <a:scrgbClr r="0" g="0" b="0"/>
+      </a:lnRef>
+      <a:fillRef idx="1">
+        <a:scrgbClr r="0" g="0" b="0"/>
+      </a:fillRef>
+      <a:effectRef idx="0">
+        <a:scrgbClr r="0" g="0" b="0"/>
+      </a:effectRef>
+      <a:fontRef idx="minor"/>
+    </dgm:style>
+  </dgm:styleLbl>
+  <dgm:styleLbl name="bgImgPlace1">
+    <dgm:scene3d>
+      <a:camera prst="orthographicFront"/>
+      <a:lightRig rig="threePt" dir="t"/>
+    </dgm:scene3d>
+    <dgm:sp3d/>
+    <dgm:txPr/>
+    <dgm:style>
+      <a:lnRef idx="2">
+        <a:scrgbClr r="0" g="0" b="0"/>
+      </a:lnRef>
+      <a:fillRef idx="1">
+        <a:scrgbClr r="0" g="0" b="0"/>
+      </a:fillRef>
+      <a:effectRef idx="0">
+        <a:scrgbClr r="0" g="0" b="0"/>
+      </a:effectRef>
+      <a:fontRef idx="minor"/>
+    </dgm:style>
+  </dgm:styleLbl>
+  <dgm:styleLbl name="sibTrans2D1">
+    <dgm:scene3d>
+      <a:camera prst="orthographicFront"/>
+      <a:lightRig rig="threePt" dir="t"/>
+    </dgm:scene3d>
+    <dgm:sp3d/>
+    <dgm:txPr/>
+    <dgm:style>
+      <a:lnRef idx="0">
+        <a:scrgbClr r="0" g="0" b="0"/>
+      </a:lnRef>
+      <a:fillRef idx="1">
+        <a:scrgbClr r="0" g="0" b="0"/>
+      </a:fillRef>
+      <a:effectRef idx="0">
+        <a:scrgbClr r="0" g="0" b="0"/>
+      </a:effectRef>
+      <a:fontRef idx="minor">
+        <a:schemeClr val="lt1"/>
+      </a:fontRef>
+    </dgm:style>
+  </dgm:styleLbl>
+  <dgm:styleLbl name="fgSibTrans2D1">
+    <dgm:scene3d>
+      <a:camera prst="orthographicFront"/>
+      <a:lightRig rig="threePt" dir="t"/>
+    </dgm:scene3d>
+    <dgm:sp3d/>
+    <dgm:txPr/>
+    <dgm:style>
+      <a:lnRef idx="0">
+        <a:scrgbClr r="0" g="0" b="0"/>
+      </a:lnRef>
+      <a:fillRef idx="1">
+        <a:scrgbClr r="0" g="0" b="0"/>
+      </a:fillRef>
+      <a:effectRef idx="0">
+        <a:scrgbClr r="0" g="0" b="0"/>
+      </a:effectRef>
+      <a:fontRef idx="minor">
+        <a:schemeClr val="lt1"/>
+      </a:fontRef>
+    </dgm:style>
+  </dgm:styleLbl>
+  <dgm:styleLbl name="bgSibTrans2D1">
+    <dgm:scene3d>
+      <a:camera prst="orthographicFront"/>
+      <a:lightRig rig="threePt" dir="t"/>
+    </dgm:scene3d>
+    <dgm:sp3d/>
+    <dgm:txPr/>
+    <dgm:style>
+      <a:lnRef idx="0">
+        <a:scrgbClr r="0" g="0" b="0"/>
+      </a:lnRef>
+      <a:fillRef idx="1">
+        <a:scrgbClr r="0" g="0" b="0"/>
+      </a:fillRef>
+      <a:effectRef idx="0">
+        <a:scrgbClr r="0" g="0" b="0"/>
+      </a:effectRef>
+      <a:fontRef idx="minor">
+        <a:schemeClr val="lt1"/>
+      </a:fontRef>
+    </dgm:style>
+  </dgm:styleLbl>
+  <dgm:styleLbl name="sibTrans1D1">
+    <dgm:scene3d>
+      <a:camera prst="orthographicFront"/>
+      <a:lightRig rig="threePt" dir="t"/>
+    </dgm:scene3d>
+    <dgm:sp3d/>
+    <dgm:txPr/>
+    <dgm:style>
+      <a:lnRef idx="1">
+        <a:scrgbClr r="0" g="0" b="0"/>
+      </a:lnRef>
+      <a:fillRef idx="0">
+        <a:scrgbClr r="0" g="0" b="0"/>
+      </a:fillRef>
+      <a:effectRef idx="0">
+        <a:scrgbClr r="0" g="0" b="0"/>
+      </a:effectRef>
+      <a:fontRef idx="minor"/>
+    </dgm:style>
+  </dgm:styleLbl>
+  <dgm:styleLbl name="callout">
+    <dgm:scene3d>
+      <a:camera prst="orthographicFront"/>
+      <a:lightRig rig="threePt" dir="t"/>
+    </dgm:scene3d>
+    <dgm:sp3d/>
+    <dgm:txPr/>
+    <dgm:style>
+      <a:lnRef idx="2">
+        <a:scrgbClr r="0" g="0" b="0"/>
+      </a:lnRef>
+      <a:fillRef idx="1">
+        <a:scrgbClr r="0" g="0" b="0"/>
+      </a:fillRef>
+      <a:effectRef idx="0">
+        <a:scrgbClr r="0" g="0" b="0"/>
+      </a:effectRef>
+      <a:fontRef idx="minor"/>
+    </dgm:style>
+  </dgm:styleLbl>
+  <dgm:styleLbl name="asst0">
+    <dgm:scene3d>
+      <a:camera prst="orthographicFront"/>
+      <a:lightRig rig="threePt" dir="t"/>
+    </dgm:scene3d>
+    <dgm:sp3d/>
+    <dgm:txPr/>
+    <dgm:style>
+      <a:lnRef idx="2">
+        <a:scrgbClr r="0" g="0" b="0"/>
+      </a:lnRef>
+      <a:fillRef idx="1">
+        <a:scrgbClr r="0" g="0" b="0"/>
+      </a:fillRef>
+      <a:effectRef idx="0">
+        <a:scrgbClr r="0" g="0" b="0"/>
+      </a:effectRef>
+      <a:fontRef idx="minor">
+        <a:schemeClr val="lt1"/>
+      </a:fontRef>
+    </dgm:style>
+  </dgm:styleLbl>
+  <dgm:styleLbl name="asst1">
+    <dgm:scene3d>
+      <a:camera prst="orthographicFront"/>
+      <a:lightRig rig="threePt" dir="t"/>
+    </dgm:scene3d>
+    <dgm:sp3d/>
+    <dgm:txPr/>
+    <dgm:style>
+      <a:lnRef idx="2">
+        <a:scrgbClr r="0" g="0" b="0"/>
+      </a:lnRef>
+      <a:fillRef idx="1">
+        <a:scrgbClr r="0" g="0" b="0"/>
+      </a:fillRef>
+      <a:effectRef idx="0">
+        <a:scrgbClr r="0" g="0" b="0"/>
+      </a:effectRef>
+      <a:fontRef idx="minor">
+        <a:schemeClr val="lt1"/>
+      </a:fontRef>
+    </dgm:style>
+  </dgm:styleLbl>
+  <dgm:styleLbl name="asst2">
+    <dgm:scene3d>
+      <a:camera prst="orthographicFront"/>
+      <a:lightRig rig="threePt" dir="t"/>
+    </dgm:scene3d>
+    <dgm:sp3d/>
+    <dgm:txPr/>
+    <dgm:style>
+      <a:lnRef idx="2">
+        <a:scrgbClr r="0" g="0" b="0"/>
+      </a:lnRef>
+      <a:fillRef idx="1">
+        <a:scrgbClr r="0" g="0" b="0"/>
+      </a:fillRef>
+      <a:effectRef idx="0">
+        <a:scrgbClr r="0" g="0" b="0"/>
+      </a:effectRef>
+      <a:fontRef idx="minor">
+        <a:schemeClr val="lt1"/>
+      </a:fontRef>
+    </dgm:style>
+  </dgm:styleLbl>
+  <dgm:styleLbl name="asst3">
+    <dgm:scene3d>
+      <a:camera prst="orthographicFront"/>
+      <a:lightRig rig="threePt" dir="t"/>
+    </dgm:scene3d>
+    <dgm:sp3d/>
+    <dgm:txPr/>
+    <dgm:style>
+      <a:lnRef idx="2">
+        <a:scrgbClr r="0" g="0" b="0"/>
+      </a:lnRef>
+      <a:fillRef idx="1">
+        <a:scrgbClr r="0" g="0" b="0"/>
+      </a:fillRef>
+      <a:effectRef idx="0">
+        <a:scrgbClr r="0" g="0" b="0"/>
+      </a:effectRef>
+      <a:fontRef idx="minor">
+        <a:schemeClr val="lt1"/>
+      </a:fontRef>
+    </dgm:style>
+  </dgm:styleLbl>
+  <dgm:styleLbl name="asst4">
+    <dgm:scene3d>
+      <a:camera prst="orthographicFront"/>
+      <a:lightRig rig="threePt" dir="t"/>
+    </dgm:scene3d>
+    <dgm:sp3d/>
+    <dgm:txPr/>
+    <dgm:style>
+      <a:lnRef idx="2">
+        <a:scrgbClr r="0" g="0" b="0"/>
+      </a:lnRef>
+      <a:fillRef idx="1">
+        <a:scrgbClr r="0" g="0" b="0"/>
+      </a:fillRef>
+      <a:effectRef idx="0">
+        <a:scrgbClr r="0" g="0" b="0"/>
+      </a:effectRef>
+      <a:fontRef idx="minor">
+        <a:schemeClr val="lt1"/>
+      </a:fontRef>
+    </dgm:style>
+  </dgm:styleLbl>
+  <dgm:styleLbl name="parChTrans2D1">
+    <dgm:scene3d>
+      <a:camera prst="orthographicFront"/>
+      <a:lightRig rig="threePt" dir="t"/>
+    </dgm:scene3d>
+    <dgm:sp3d/>
+    <dgm:txPr/>
+    <dgm:style>
+      <a:lnRef idx="2">
+        <a:scrgbClr r="0" g="0" b="0"/>
+      </a:lnRef>
+      <a:fillRef idx="1">
+        <a:scrgbClr r="0" g="0" b="0"/>
+      </a:fillRef>
+      <a:effectRef idx="0">
+        <a:scrgbClr r="0" g="0" b="0"/>
+      </a:effectRef>
+      <a:fontRef idx="minor">
+        <a:schemeClr val="lt1"/>
+      </a:fontRef>
+    </dgm:style>
+  </dgm:styleLbl>
+  <dgm:styleLbl name="parChTrans2D2">
+    <dgm:scene3d>
+      <a:camera prst="orthographicFront"/>
+      <a:lightRig rig="threePt" dir="t"/>
+    </dgm:scene3d>
+    <dgm:sp3d/>
+    <dgm:txPr/>
+    <dgm:style>
+      <a:lnRef idx="2">
+        <a:scrgbClr r="0" g="0" b="0"/>
+      </a:lnRef>
+      <a:fillRef idx="1">
+        <a:scrgbClr r="0" g="0" b="0"/>
+      </a:fillRef>
+      <a:effectRef idx="0">
+        <a:scrgbClr r="0" g="0" b="0"/>
+      </a:effectRef>
+      <a:fontRef idx="minor">
+        <a:schemeClr val="lt1"/>
+      </a:fontRef>
+    </dgm:style>
+  </dgm:styleLbl>
+  <dgm:styleLbl name="parChTrans2D3">
+    <dgm:scene3d>
+      <a:camera prst="orthographicFront"/>
+      <a:lightRig rig="threePt" dir="t"/>
+    </dgm:scene3d>
+    <dgm:sp3d/>
+    <dgm:txPr/>
+    <dgm:style>
+      <a:lnRef idx="2">
+        <a:scrgbClr r="0" g="0" b="0"/>
+      </a:lnRef>
+      <a:fillRef idx="1">
+        <a:scrgbClr r="0" g="0" b="0"/>
+      </a:fillRef>
+      <a:effectRef idx="0">
+        <a:scrgbClr r="0" g="0" b="0"/>
+      </a:effectRef>
+      <a:fontRef idx="minor">
+        <a:schemeClr val="lt1"/>
+      </a:fontRef>
+    </dgm:style>
+  </dgm:styleLbl>
+  <dgm:styleLbl name="parChTrans2D4">
+    <dgm:scene3d>
+      <a:camera prst="orthographicFront"/>
+      <a:lightRig rig="threePt" dir="t"/>
+    </dgm:scene3d>
+    <dgm:sp3d/>
+    <dgm:txPr/>
+    <dgm:style>
+      <a:lnRef idx="2">
+        <a:scrgbClr r="0" g="0" b="0"/>
+      </a:lnRef>
+      <a:fillRef idx="1">
+        <a:scrgbClr r="0" g="0" b="0"/>
+      </a:fillRef>
+      <a:effectRef idx="0">
+        <a:scrgbClr r="0" g="0" b="0"/>
+      </a:effectRef>
+      <a:fontRef idx="minor">
+        <a:schemeClr val="lt1"/>
+      </a:fontRef>
+    </dgm:style>
+  </dgm:styleLbl>
+  <dgm:styleLbl name="parChTrans1D1">
+    <dgm:scene3d>
+      <a:camera prst="orthographicFront"/>
+      <a:lightRig rig="threePt" dir="t"/>
+    </dgm:scene3d>
+    <dgm:sp3d/>
+    <dgm:txPr/>
+    <dgm:style>
+      <a:lnRef idx="2">
+        <a:scrgbClr r="0" g="0" b="0"/>
+      </a:lnRef>
+      <a:fillRef idx="0">
+        <a:scrgbClr r="0" g="0" b="0"/>
+      </a:fillRef>
+      <a:effectRef idx="0">
+        <a:scrgbClr r="0" g="0" b="0"/>
+      </a:effectRef>
+      <a:fontRef idx="minor"/>
+    </dgm:style>
+  </dgm:styleLbl>
+  <dgm:styleLbl name="parChTrans1D2">
+    <dgm:scene3d>
+      <a:camera prst="orthographicFront"/>
+      <a:lightRig rig="threePt" dir="t"/>
+    </dgm:scene3d>
+    <dgm:sp3d/>
+    <dgm:txPr/>
+    <dgm:style>
+      <a:lnRef idx="2">
+        <a:scrgbClr r="0" g="0" b="0"/>
+      </a:lnRef>
+      <a:fillRef idx="0">
+        <a:scrgbClr r="0" g="0" b="0"/>
+      </a:fillRef>
+      <a:effectRef idx="0">
+        <a:scrgbClr r="0" g="0" b="0"/>
+      </a:effectRef>
+      <a:fontRef idx="minor"/>
+    </dgm:style>
+  </dgm:styleLbl>
+  <dgm:styleLbl name="parChTrans1D3">
+    <dgm:scene3d>
+      <a:camera prst="orthographicFront"/>
+      <a:lightRig rig="threePt" dir="t"/>
+    </dgm:scene3d>
+    <dgm:sp3d/>
+    <dgm:txPr/>
+    <dgm:style>
+      <a:lnRef idx="2">
+        <a:scrgbClr r="0" g="0" b="0"/>
+      </a:lnRef>
+      <a:fillRef idx="0">
+        <a:scrgbClr r="0" g="0" b="0"/>
+      </a:fillRef>
+      <a:effectRef idx="0">
+        <a:scrgbClr r="0" g="0" b="0"/>
+      </a:effectRef>
+      <a:fontRef idx="minor"/>
+    </dgm:style>
+  </dgm:styleLbl>
+  <dgm:styleLbl name="parChTrans1D4">
+    <dgm:scene3d>
+      <a:camera prst="orthographicFront"/>
+      <a:lightRig rig="threePt" dir="t"/>
+    </dgm:scene3d>
+    <dgm:sp3d/>
+    <dgm:txPr/>
+    <dgm:style>
+      <a:lnRef idx="2">
+        <a:scrgbClr r="0" g="0" b="0"/>
+      </a:lnRef>
+      <a:fillRef idx="0">
+        <a:scrgbClr r="0" g="0" b="0"/>
+      </a:fillRef>
+      <a:effectRef idx="0">
+        <a:scrgbClr r="0" g="0" b="0"/>
+      </a:effectRef>
+      <a:fontRef idx="minor"/>
+    </dgm:style>
+  </dgm:styleLbl>
+  <dgm:styleLbl name="fgAcc1">
+    <dgm:scene3d>
+      <a:camera prst="orthographicFront"/>
+      <a:lightRig rig="threePt" dir="t"/>
+    </dgm:scene3d>
+    <dgm:sp3d/>
+    <dgm:txPr/>
+    <dgm:style>
+      <a:lnRef idx="2">
+        <a:scrgbClr r="0" g="0" b="0"/>
+      </a:lnRef>
+      <a:fillRef idx="1">
+        <a:scrgbClr r="0" g="0" b="0"/>
+      </a:fillRef>
+      <a:effectRef idx="0">
+        <a:scrgbClr r="0" g="0" b="0"/>
+      </a:effectRef>
+      <a:fontRef idx="minor"/>
+    </dgm:style>
+  </dgm:styleLbl>
+  <dgm:styleLbl name="conFgAcc1">
+    <dgm:scene3d>
+      <a:camera prst="orthographicFront"/>
+      <a:lightRig rig="threePt" dir="t"/>
+    </dgm:scene3d>
+    <dgm:sp3d/>
+    <dgm:txPr/>
+    <dgm:style>
+      <a:lnRef idx="2">
+        <a:scrgbClr r="0" g="0" b="0"/>
+      </a:lnRef>
+      <a:fillRef idx="1">
+        <a:scrgbClr r="0" g="0" b="0"/>
+      </a:fillRef>
+      <a:effectRef idx="0">
+        <a:scrgbClr r="0" g="0" b="0"/>
+      </a:effectRef>
+      <a:fontRef idx="minor"/>
+    </dgm:style>
+  </dgm:styleLbl>
+  <dgm:styleLbl name="alignAcc1">
+    <dgm:scene3d>
+      <a:camera prst="orthographicFront"/>
+      <a:lightRig rig="threePt" dir="t"/>
+    </dgm:scene3d>
+    <dgm:sp3d/>
+    <dgm:txPr/>
+    <dgm:style>
+      <a:lnRef idx="2">
+        <a:scrgbClr r="0" g="0" b="0"/>
+      </a:lnRef>
+      <a:fillRef idx="1">
+        <a:scrgbClr r="0" g="0" b="0"/>
+      </a:fillRef>
+      <a:effectRef idx="0">
+        <a:scrgbClr r="0" g="0" b="0"/>
+      </a:effectRef>
+      <a:fontRef idx="minor"/>
+    </dgm:style>
+  </dgm:styleLbl>
+  <dgm:styleLbl name="trAlignAcc1">
+    <dgm:scene3d>
+      <a:camera prst="orthographicFront"/>
+      <a:lightRig rig="threePt" dir="t"/>
+    </dgm:scene3d>
+    <dgm:sp3d/>
+    <dgm:txPr/>
+    <dgm:style>
+      <a:lnRef idx="1">
+        <a:scrgbClr r="0" g="0" b="0"/>
+      </a:lnRef>
+      <a:fillRef idx="1">
+        <a:scrgbClr r="0" g="0" b="0"/>
+      </a:fillRef>
+      <a:effectRef idx="0">
+        <a:scrgbClr r="0" g="0" b="0"/>
+      </a:effectRef>
+      <a:fontRef idx="minor"/>
+    </dgm:style>
+  </dgm:styleLbl>
+  <dgm:styleLbl name="bgAcc1">
+    <dgm:scene3d>
+      <a:camera prst="orthographicFront"/>
+      <a:lightRig rig="threePt" dir="t"/>
+    </dgm:scene3d>
+    <dgm:sp3d/>
+    <dgm:txPr/>
+    <dgm:style>
+      <a:lnRef idx="2">
+        <a:scrgbClr r="0" g="0" b="0"/>
+      </a:lnRef>
+      <a:fillRef idx="1">
+        <a:scrgbClr r="0" g="0" b="0"/>
+      </a:fillRef>
+      <a:effectRef idx="0">
+        <a:scrgbClr r="0" g="0" b="0"/>
+      </a:effectRef>
+      <a:fontRef idx="minor"/>
+    </dgm:style>
+  </dgm:styleLbl>
+  <dgm:styleLbl name="solidFgAcc1">
+    <dgm:scene3d>
+      <a:camera prst="orthographicFront"/>
+      <a:lightRig rig="threePt" dir="t"/>
+    </dgm:scene3d>
+    <dgm:sp3d/>
+    <dgm:txPr/>
+    <dgm:style>
+      <a:lnRef idx="2">
+        <a:scrgbClr r="0" g="0" b="0"/>
+      </a:lnRef>
+      <a:fillRef idx="1">
+        <a:scrgbClr r="0" g="0" b="0"/>
+      </a:fillRef>
+      <a:effectRef idx="0">
+        <a:scrgbClr r="0" g="0" b="0"/>
+      </a:effectRef>
+      <a:fontRef idx="minor"/>
+    </dgm:style>
+  </dgm:styleLbl>
+  <dgm:styleLbl name="solidAlignAcc1">
+    <dgm:scene3d>
+      <a:camera prst="orthographicFront"/>
+      <a:lightRig rig="threePt" dir="t"/>
+    </dgm:scene3d>
+    <dgm:sp3d/>
+    <dgm:txPr/>
+    <dgm:style>
+      <a:lnRef idx="2">
+        <a:scrgbClr r="0" g="0" b="0"/>
+      </a:lnRef>
+      <a:fillRef idx="1">
+        <a:scrgbClr r="0" g="0" b="0"/>
+      </a:fillRef>
+      <a:effectRef idx="0">
+        <a:scrgbClr r="0" g="0" b="0"/>
+      </a:effectRef>
+      <a:fontRef idx="minor"/>
+    </dgm:style>
+  </dgm:styleLbl>
+  <dgm:styleLbl name="solidBgAcc1">
+    <dgm:scene3d>
+      <a:camera prst="orthographicFront"/>
+      <a:lightRig rig="threePt" dir="t"/>
+    </dgm:scene3d>
+    <dgm:sp3d/>
+    <dgm:txPr/>
+    <dgm:style>
+      <a:lnRef idx="2">
+        <a:scrgbClr r="0" g="0" b="0"/>
+      </a:lnRef>
+      <a:fillRef idx="1">
+        <a:scrgbClr r="0" g="0" b="0"/>
+      </a:fillRef>
+      <a:effectRef idx="0">
+        <a:scrgbClr r="0" g="0" b="0"/>
+      </a:effectRef>
+      <a:fontRef idx="minor"/>
+    </dgm:style>
+  </dgm:styleLbl>
+  <dgm:styleLbl name="fgAccFollowNode1">
+    <dgm:scene3d>
+      <a:camera prst="orthographicFront"/>
+      <a:lightRig rig="threePt" dir="t"/>
+    </dgm:scene3d>
+    <dgm:sp3d/>
+    <dgm:txPr/>
+    <dgm:style>
+      <a:lnRef idx="2">
+        <a:scrgbClr r="0" g="0" b="0"/>
+      </a:lnRef>
+      <a:fillRef idx="1">
+        <a:scrgbClr r="0" g="0" b="0"/>
+      </a:fillRef>
+      <a:effectRef idx="0">
+        <a:scrgbClr r="0" g="0" b="0"/>
+      </a:effectRef>
+      <a:fontRef idx="minor"/>
+    </dgm:style>
+  </dgm:styleLbl>
+  <dgm:styleLbl name="alignAccFollowNode1">
+    <dgm:scene3d>
+      <a:camera prst="orthographicFront"/>
+      <a:lightRig rig="threePt" dir="t"/>
+    </dgm:scene3d>
+    <dgm:sp3d/>
+    <dgm:txPr/>
+    <dgm:style>
+      <a:lnRef idx="2">
+        <a:scrgbClr r="0" g="0" b="0"/>
+      </a:lnRef>
+      <a:fillRef idx="1">
+        <a:scrgbClr r="0" g="0" b="0"/>
+      </a:fillRef>
+      <a:effectRef idx="0">
+        <a:scrgbClr r="0" g="0" b="0"/>
+      </a:effectRef>
+      <a:fontRef idx="minor"/>
+    </dgm:style>
+  </dgm:styleLbl>
+  <dgm:styleLbl name="bgAccFollowNode1">
+    <dgm:scene3d>
+      <a:camera prst="orthographicFront"/>
+      <a:lightRig rig="threePt" dir="t"/>
+    </dgm:scene3d>
+    <dgm:sp3d/>
+    <dgm:txPr/>
+    <dgm:style>
+      <a:lnRef idx="2">
+        <a:scrgbClr r="0" g="0" b="0"/>
+      </a:lnRef>
+      <a:fillRef idx="1">
+        <a:scrgbClr r="0" g="0" b="0"/>
+      </a:fillRef>
+      <a:effectRef idx="0">
+        <a:scrgbClr r="0" g="0" b="0"/>
+      </a:effectRef>
+      <a:fontRef idx="minor"/>
+    </dgm:style>
+  </dgm:styleLbl>
+  <dgm:styleLbl name="fgAcc0">
+    <dgm:scene3d>
+      <a:camera prst="orthographicFront"/>
+      <a:lightRig rig="threePt" dir="t"/>
+    </dgm:scene3d>
+    <dgm:sp3d/>
+    <dgm:txPr/>
+    <dgm:style>
+      <a:lnRef idx="2">
+        <a:scrgbClr r="0" g="0" b="0"/>
+      </a:lnRef>
+      <a:fillRef idx="1">
+        <a:scrgbClr r="0" g="0" b="0"/>
+      </a:fillRef>
+      <a:effectRef idx="0">
+        <a:scrgbClr r="0" g="0" b="0"/>
+      </a:effectRef>
+      <a:fontRef idx="minor"/>
+    </dgm:style>
+  </dgm:styleLbl>
+  <dgm:styleLbl name="fgAcc2">
+    <dgm:scene3d>
+      <a:camera prst="orthographicFront"/>
+      <a:lightRig rig="threePt" dir="t"/>
+    </dgm:scene3d>
+    <dgm:sp3d/>
+    <dgm:txPr/>
+    <dgm:style>
+      <a:lnRef idx="2">
+        <a:scrgbClr r="0" g="0" b="0"/>
+      </a:lnRef>
+      <a:fillRef idx="1">
+        <a:scrgbClr r="0" g="0" b="0"/>
+      </a:fillRef>
+      <a:effectRef idx="0">
+        <a:scrgbClr r="0" g="0" b="0"/>
+      </a:effectRef>
+      <a:fontRef idx="minor"/>
+    </dgm:style>
+  </dgm:styleLbl>
+  <dgm:styleLbl name="fgAcc3">
+    <dgm:scene3d>
+      <a:camera prst="orthographicFront"/>
+      <a:lightRig rig="threePt" dir="t"/>
+    </dgm:scene3d>
+    <dgm:sp3d/>
+    <dgm:txPr/>
+    <dgm:style>
+      <a:lnRef idx="2">
+        <a:scrgbClr r="0" g="0" b="0"/>
+      </a:lnRef>
+      <a:fillRef idx="1">
+        <a:scrgbClr r="0" g="0" b="0"/>
+      </a:fillRef>
+      <a:effectRef idx="0">
+        <a:scrgbClr r="0" g="0" b="0"/>
+      </a:effectRef>
+      <a:fontRef idx="minor"/>
+    </dgm:style>
+  </dgm:styleLbl>
+  <dgm:styleLbl name="fgAcc4">
+    <dgm:scene3d>
+      <a:camera prst="orthographicFront"/>
+      <a:lightRig rig="threePt" dir="t"/>
+    </dgm:scene3d>
+    <dgm:sp3d/>
+    <dgm:txPr/>
+    <dgm:style>
+      <a:lnRef idx="2">
+        <a:scrgbClr r="0" g="0" b="0"/>
+      </a:lnRef>
+      <a:fillRef idx="1">
+        <a:scrgbClr r="0" g="0" b="0"/>
+      </a:fillRef>
+      <a:effectRef idx="0">
+        <a:scrgbClr r="0" g="0" b="0"/>
+      </a:effectRef>
+      <a:fontRef idx="minor"/>
+    </dgm:style>
+  </dgm:styleLbl>
+  <dgm:styleLbl name="bgShp">
+    <dgm:scene3d>
+      <a:camera prst="orthographicFront"/>
+      <a:lightRig rig="threePt" dir="t"/>
+    </dgm:scene3d>
+    <dgm:sp3d/>
+    <dgm:txPr/>
+    <dgm:style>
+      <a:lnRef idx="0">
+        <a:scrgbClr r="0" g="0" b="0"/>
+      </a:lnRef>
+      <a:fillRef idx="1">
+        <a:scrgbClr r="0" g="0" b="0"/>
+      </a:fillRef>
+      <a:effectRef idx="0">
+        <a:scrgbClr r="0" g="0" b="0"/>
+      </a:effectRef>
+      <a:fontRef idx="minor"/>
+    </dgm:style>
+  </dgm:styleLbl>
+  <dgm:styleLbl name="dkBgShp">
+    <dgm:scene3d>
+      <a:camera prst="orthographicFront"/>
+      <a:lightRig rig="threePt" dir="t"/>
+    </dgm:scene3d>
+    <dgm:sp3d/>
+    <dgm:txPr/>
+    <dgm:style>
+      <a:lnRef idx="0">
+        <a:scrgbClr r="0" g="0" b="0"/>
+      </a:lnRef>
+      <a:fillRef idx="1">
+        <a:scrgbClr r="0" g="0" b="0"/>
+      </a:fillRef>
+      <a:effectRef idx="0">
+        <a:scrgbClr r="0" g="0" b="0"/>
+      </a:effectRef>
+      <a:fontRef idx="minor"/>
+    </dgm:style>
+  </dgm:styleLbl>
+  <dgm:styleLbl name="trBgShp">
+    <dgm:scene3d>
+      <a:camera prst="orthographicFront"/>
+      <a:lightRig rig="threePt" dir="t"/>
+    </dgm:scene3d>
+    <dgm:sp3d/>
+    <dgm:txPr/>
+    <dgm:style>
+      <a:lnRef idx="0">
+        <a:scrgbClr r="0" g="0" b="0"/>
+      </a:lnRef>
+      <a:fillRef idx="1">
+        <a:scrgbClr r="0" g="0" b="0"/>
+      </a:fillRef>
+      <a:effectRef idx="0">
+        <a:scrgbClr r="0" g="0" b="0"/>
+      </a:effectRef>
+      <a:fontRef idx="minor"/>
+    </dgm:style>
+  </dgm:styleLbl>
+  <dgm:styleLbl name="fgShp">
+    <dgm:scene3d>
+      <a:camera prst="orthographicFront"/>
+      <a:lightRig rig="threePt" dir="t"/>
+    </dgm:scene3d>
+    <dgm:sp3d/>
+    <dgm:txPr/>
+    <dgm:style>
+      <a:lnRef idx="2">
+        <a:scrgbClr r="0" g="0" b="0"/>
+      </a:lnRef>
+      <a:fillRef idx="1">
+        <a:scrgbClr r="0" g="0" b="0"/>
+      </a:fillRef>
+      <a:effectRef idx="0">
+        <a:scrgbClr r="0" g="0" b="0"/>
+      </a:effectRef>
+      <a:fontRef idx="minor"/>
+    </dgm:style>
+  </dgm:styleLbl>
+  <dgm:styleLbl name="revTx">
+    <dgm:scene3d>
+      <a:camera prst="orthographicFront"/>
+      <a:lightRig rig="threePt" dir="t"/>
+    </dgm:scene3d>
+    <dgm:sp3d/>
+    <dgm:txPr/>
+    <dgm:style>
+      <a:lnRef idx="0">
+        <a:scrgbClr r="0" g="0" b="0"/>
+      </a:lnRef>
+      <a:fillRef idx="0">
+        <a:scrgbClr r="0" g="0" b="0"/>
+      </a:fillRef>
+      <a:effectRef idx="0">
+        <a:scrgbClr r="0" g="0" b="0"/>
+      </a:effectRef>
+      <a:fontRef idx="minor"/>
+    </dgm:style>
+  </dgm:styleLbl>
+</dgm:styleDef>
 </file>
 
 <file path=ppt/slideLayouts/slideLayout1.xml><?xml version="1.0" encoding="utf-8"?>
@@ -3324,6 +6648,14 @@
 <file path=ppt/slides/slide1.xml><?xml version="1.0" encoding="utf-8"?>
 <p:sld xmlns:a="http://schemas.openxmlformats.org/drawingml/2006/main" xmlns:r="http://schemas.openxmlformats.org/officeDocument/2006/relationships" xmlns:p="http://schemas.openxmlformats.org/presentationml/2006/main">
   <p:cSld>
+    <p:bg>
+      <p:bgPr>
+        <a:solidFill>
+          <a:schemeClr val="bg1"/>
+        </a:solidFill>
+        <a:effectLst/>
+      </p:bgPr>
+    </p:bg>
     <p:spTree>
       <p:nvGrpSpPr>
         <p:cNvPr id="1" name=""/>
@@ -3338,6 +6670,457 @@
           <a:chExt cx="0" cy="0"/>
         </a:xfrm>
       </p:grpSpPr>
+      <p:sp useBgFill="1">
+        <p:nvSpPr>
+          <p:cNvPr id="8" name="Rectangle 7">
+            <a:extLst>
+              <a:ext uri="{FF2B5EF4-FFF2-40B4-BE49-F238E27FC236}">
+                <a16:creationId xmlns:a16="http://schemas.microsoft.com/office/drawing/2014/main" id="{FFD48BC7-DC40-47DE-87EE-9F4B6ECB9ABB}"/>
+              </a:ext>
+              <a:ext uri="{C183D7F6-B498-43B3-948B-1728B52AA6E4}">
+                <adec:decorative xmlns:adec="http://schemas.microsoft.com/office/drawing/2017/decorative" val="1"/>
+              </a:ext>
+            </a:extLst>
+          </p:cNvPr>
+          <p:cNvSpPr>
+            <a:spLocks noGrp="1" noRot="1" noChangeAspect="1" noMove="1" noResize="1" noEditPoints="1" noAdjustHandles="1" noChangeArrowheads="1" noChangeShapeType="1" noTextEdit="1"/>
+          </p:cNvSpPr>
+          <p:nvPr>
+            <p:extLst>
+              <p:ext uri="{386F3935-93C4-4BCD-93E2-E3B085C9AB24}">
+                <p16:designElem xmlns:p16="http://schemas.microsoft.com/office/powerpoint/2015/main" val="1"/>
+              </p:ext>
+            </p:extLst>
+          </p:nvPr>
+        </p:nvSpPr>
+        <p:spPr>
+          <a:xfrm>
+            <a:off x="0" y="0"/>
+            <a:ext cx="12192000" cy="6858000"/>
+          </a:xfrm>
+          <a:prstGeom prst="rect">
+            <a:avLst/>
+          </a:prstGeom>
+          <a:ln>
+            <a:noFill/>
+          </a:ln>
+        </p:spPr>
+        <p:style>
+          <a:lnRef idx="2">
+            <a:schemeClr val="accent1">
+              <a:shade val="50000"/>
+            </a:schemeClr>
+          </a:lnRef>
+          <a:fillRef idx="1">
+            <a:schemeClr val="accent1"/>
+          </a:fillRef>
+          <a:effectRef idx="0">
+            <a:schemeClr val="accent1"/>
+          </a:effectRef>
+          <a:fontRef idx="minor">
+            <a:schemeClr val="lt1"/>
+          </a:fontRef>
+        </p:style>
+        <p:txBody>
+          <a:bodyPr rtlCol="0" anchor="ctr"/>
+          <a:lstStyle/>
+          <a:p>
+            <a:pPr algn="ctr"/>
+            <a:endParaRPr lang="en-US"/>
+          </a:p>
+        </p:txBody>
+      </p:sp>
+      <p:sp useBgFill="1">
+        <p:nvSpPr>
+          <p:cNvPr id="10" name="Freeform: Shape 9">
+            <a:extLst>
+              <a:ext uri="{FF2B5EF4-FFF2-40B4-BE49-F238E27FC236}">
+                <a16:creationId xmlns:a16="http://schemas.microsoft.com/office/drawing/2014/main" id="{E502BBC7-2C76-46F3-BC24-5985BC13DB88}"/>
+              </a:ext>
+              <a:ext uri="{C183D7F6-B498-43B3-948B-1728B52AA6E4}">
+                <adec:decorative xmlns:adec="http://schemas.microsoft.com/office/drawing/2017/decorative" val="1"/>
+              </a:ext>
+            </a:extLst>
+          </p:cNvPr>
+          <p:cNvSpPr>
+            <a:spLocks noGrp="1" noRot="1" noChangeAspect="1" noMove="1" noResize="1" noEditPoints="1" noAdjustHandles="1" noChangeArrowheads="1" noChangeShapeType="1" noTextEdit="1"/>
+          </p:cNvSpPr>
+          <p:nvPr>
+            <p:extLst>
+              <p:ext uri="{386F3935-93C4-4BCD-93E2-E3B085C9AB24}">
+                <p16:designElem xmlns:p16="http://schemas.microsoft.com/office/powerpoint/2015/main" val="1"/>
+              </p:ext>
+            </p:extLst>
+          </p:nvPr>
+        </p:nvSpPr>
+        <p:spPr>
+          <a:xfrm>
+            <a:off x="1114425" y="0"/>
+            <a:ext cx="9963150" cy="6858000"/>
+          </a:xfrm>
+          <a:custGeom>
+            <a:avLst/>
+            <a:gdLst>
+              <a:gd name="connsiteX0" fmla="*/ 1595771 w 9963150"/>
+              <a:gd name="connsiteY0" fmla="*/ 0 h 6858000"/>
+              <a:gd name="connsiteX1" fmla="*/ 8367379 w 9963150"/>
+              <a:gd name="connsiteY1" fmla="*/ 0 h 6858000"/>
+              <a:gd name="connsiteX2" fmla="*/ 8504080 w 9963150"/>
+              <a:gd name="connsiteY2" fmla="*/ 130333 h 6858000"/>
+              <a:gd name="connsiteX3" fmla="*/ 9963150 w 9963150"/>
+              <a:gd name="connsiteY3" fmla="*/ 3652838 h 6858000"/>
+              <a:gd name="connsiteX4" fmla="*/ 8825600 w 9963150"/>
+              <a:gd name="connsiteY4" fmla="*/ 6821583 h 6858000"/>
+              <a:gd name="connsiteX5" fmla="*/ 8794055 w 9963150"/>
+              <a:gd name="connsiteY5" fmla="*/ 6858000 h 6858000"/>
+              <a:gd name="connsiteX6" fmla="*/ 1169096 w 9963150"/>
+              <a:gd name="connsiteY6" fmla="*/ 6858000 h 6858000"/>
+              <a:gd name="connsiteX7" fmla="*/ 1137550 w 9963150"/>
+              <a:gd name="connsiteY7" fmla="*/ 6821583 h 6858000"/>
+              <a:gd name="connsiteX8" fmla="*/ 0 w 9963150"/>
+              <a:gd name="connsiteY8" fmla="*/ 3652838 h 6858000"/>
+              <a:gd name="connsiteX9" fmla="*/ 1459070 w 9963150"/>
+              <a:gd name="connsiteY9" fmla="*/ 130333 h 6858000"/>
+            </a:gdLst>
+            <a:ahLst/>
+            <a:cxnLst>
+              <a:cxn ang="0">
+                <a:pos x="connsiteX0" y="connsiteY0"/>
+              </a:cxn>
+              <a:cxn ang="0">
+                <a:pos x="connsiteX1" y="connsiteY1"/>
+              </a:cxn>
+              <a:cxn ang="0">
+                <a:pos x="connsiteX2" y="connsiteY2"/>
+              </a:cxn>
+              <a:cxn ang="0">
+                <a:pos x="connsiteX3" y="connsiteY3"/>
+              </a:cxn>
+              <a:cxn ang="0">
+                <a:pos x="connsiteX4" y="connsiteY4"/>
+              </a:cxn>
+              <a:cxn ang="0">
+                <a:pos x="connsiteX5" y="connsiteY5"/>
+              </a:cxn>
+              <a:cxn ang="0">
+                <a:pos x="connsiteX6" y="connsiteY6"/>
+              </a:cxn>
+              <a:cxn ang="0">
+                <a:pos x="connsiteX7" y="connsiteY7"/>
+              </a:cxn>
+              <a:cxn ang="0">
+                <a:pos x="connsiteX8" y="connsiteY8"/>
+              </a:cxn>
+              <a:cxn ang="0">
+                <a:pos x="connsiteX9" y="connsiteY9"/>
+              </a:cxn>
+            </a:cxnLst>
+            <a:rect l="l" t="t" r="r" b="b"/>
+            <a:pathLst>
+              <a:path w="9963150" h="6858000">
+                <a:moveTo>
+                  <a:pt x="1595771" y="0"/>
+                </a:moveTo>
+                <a:lnTo>
+                  <a:pt x="8367379" y="0"/>
+                </a:lnTo>
+                <a:lnTo>
+                  <a:pt x="8504080" y="130333"/>
+                </a:lnTo>
+                <a:cubicBezTo>
+                  <a:pt x="9405568" y="1031820"/>
+                  <a:pt x="9963150" y="2277214"/>
+                  <a:pt x="9963150" y="3652838"/>
+                </a:cubicBezTo>
+                <a:cubicBezTo>
+                  <a:pt x="9963150" y="4856509"/>
+                  <a:pt x="9536251" y="5960473"/>
+                  <a:pt x="8825600" y="6821583"/>
+                </a:cubicBezTo>
+                <a:lnTo>
+                  <a:pt x="8794055" y="6858000"/>
+                </a:lnTo>
+                <a:lnTo>
+                  <a:pt x="1169096" y="6858000"/>
+                </a:lnTo>
+                <a:lnTo>
+                  <a:pt x="1137550" y="6821583"/>
+                </a:lnTo>
+                <a:cubicBezTo>
+                  <a:pt x="426899" y="5960473"/>
+                  <a:pt x="0" y="4856509"/>
+                  <a:pt x="0" y="3652838"/>
+                </a:cubicBezTo>
+                <a:cubicBezTo>
+                  <a:pt x="0" y="2277214"/>
+                  <a:pt x="557582" y="1031820"/>
+                  <a:pt x="1459070" y="130333"/>
+                </a:cubicBezTo>
+                <a:close/>
+              </a:path>
+            </a:pathLst>
+          </a:custGeom>
+          <a:ln w="9525">
+            <a:solidFill>
+              <a:srgbClr val="EFEFEF"/>
+            </a:solidFill>
+          </a:ln>
+          <a:effectLst>
+            <a:outerShdw blurRad="139700" sx="102000" sy="102000" algn="ctr" rotWithShape="0">
+              <a:schemeClr val="bg1">
+                <a:lumMod val="85000"/>
+                <a:alpha val="38000"/>
+              </a:schemeClr>
+            </a:outerShdw>
+          </a:effectLst>
+        </p:spPr>
+        <p:style>
+          <a:lnRef idx="2">
+            <a:schemeClr val="accent1">
+              <a:shade val="50000"/>
+            </a:schemeClr>
+          </a:lnRef>
+          <a:fillRef idx="1">
+            <a:schemeClr val="accent1"/>
+          </a:fillRef>
+          <a:effectRef idx="0">
+            <a:schemeClr val="accent1"/>
+          </a:effectRef>
+          <a:fontRef idx="minor">
+            <a:schemeClr val="lt1"/>
+          </a:fontRef>
+        </p:style>
+        <p:txBody>
+          <a:bodyPr wrap="square" rtlCol="0" anchor="ctr">
+            <a:noAutofit/>
+          </a:bodyPr>
+          <a:lstStyle/>
+          <a:p>
+            <a:pPr marL="0" marR="0" lvl="0" indent="0" algn="ctr" defTabSz="914400" rtl="0" eaLnBrk="1" fontAlgn="auto" latinLnBrk="0" hangingPunct="1">
+              <a:lnSpc>
+                <a:spcPct val="100000"/>
+              </a:lnSpc>
+              <a:spcBef>
+                <a:spcPts val="0"/>
+              </a:spcBef>
+              <a:spcAft>
+                <a:spcPts val="0"/>
+              </a:spcAft>
+              <a:buClrTx/>
+              <a:buSzTx/>
+              <a:buFontTx/>
+              <a:buNone/>
+              <a:tabLst/>
+              <a:defRPr/>
+            </a:pPr>
+            <a:endParaRPr kumimoji="0" lang="en-US" sz="1800" b="0" i="0" u="none" strike="noStrike" kern="1200" cap="none" spc="0" normalizeH="0" baseline="0" noProof="0">
+              <a:ln>
+                <a:noFill/>
+              </a:ln>
+              <a:solidFill>
+                <a:prstClr val="white"/>
+              </a:solidFill>
+              <a:effectLst/>
+              <a:uLnTx/>
+              <a:uFillTx/>
+              <a:latin typeface="Calibri" panose="020F0502020204030204"/>
+              <a:ea typeface="+mn-ea"/>
+              <a:cs typeface="+mn-cs"/>
+            </a:endParaRPr>
+          </a:p>
+        </p:txBody>
+      </p:sp>
+      <p:sp useBgFill="1">
+        <p:nvSpPr>
+          <p:cNvPr id="12" name="Freeform: Shape 11">
+            <a:extLst>
+              <a:ext uri="{FF2B5EF4-FFF2-40B4-BE49-F238E27FC236}">
+                <a16:creationId xmlns:a16="http://schemas.microsoft.com/office/drawing/2014/main" id="{C7F28D52-2A5F-4D23-81AE-7CB8B591C7AF}"/>
+              </a:ext>
+              <a:ext uri="{C183D7F6-B498-43B3-948B-1728B52AA6E4}">
+                <adec:decorative xmlns:adec="http://schemas.microsoft.com/office/drawing/2017/decorative" val="1"/>
+              </a:ext>
+            </a:extLst>
+          </p:cNvPr>
+          <p:cNvSpPr>
+            <a:spLocks noGrp="1" noRot="1" noChangeAspect="1" noMove="1" noResize="1" noEditPoints="1" noAdjustHandles="1" noChangeArrowheads="1" noChangeShapeType="1" noTextEdit="1"/>
+          </p:cNvSpPr>
+          <p:nvPr>
+            <p:extLst>
+              <p:ext uri="{386F3935-93C4-4BCD-93E2-E3B085C9AB24}">
+                <p16:designElem xmlns:p16="http://schemas.microsoft.com/office/powerpoint/2015/main" val="1"/>
+              </p:ext>
+            </p:extLst>
+          </p:nvPr>
+        </p:nvSpPr>
+        <p:spPr>
+          <a:xfrm>
+            <a:off x="1121664" y="0"/>
+            <a:ext cx="9948672" cy="6858000"/>
+          </a:xfrm>
+          <a:custGeom>
+            <a:avLst/>
+            <a:gdLst>
+              <a:gd name="connsiteX0" fmla="*/ 1595771 w 9963150"/>
+              <a:gd name="connsiteY0" fmla="*/ 0 h 6858000"/>
+              <a:gd name="connsiteX1" fmla="*/ 8367379 w 9963150"/>
+              <a:gd name="connsiteY1" fmla="*/ 0 h 6858000"/>
+              <a:gd name="connsiteX2" fmla="*/ 8504080 w 9963150"/>
+              <a:gd name="connsiteY2" fmla="*/ 130333 h 6858000"/>
+              <a:gd name="connsiteX3" fmla="*/ 9963150 w 9963150"/>
+              <a:gd name="connsiteY3" fmla="*/ 3652838 h 6858000"/>
+              <a:gd name="connsiteX4" fmla="*/ 8825600 w 9963150"/>
+              <a:gd name="connsiteY4" fmla="*/ 6821583 h 6858000"/>
+              <a:gd name="connsiteX5" fmla="*/ 8794055 w 9963150"/>
+              <a:gd name="connsiteY5" fmla="*/ 6858000 h 6858000"/>
+              <a:gd name="connsiteX6" fmla="*/ 1169096 w 9963150"/>
+              <a:gd name="connsiteY6" fmla="*/ 6858000 h 6858000"/>
+              <a:gd name="connsiteX7" fmla="*/ 1137550 w 9963150"/>
+              <a:gd name="connsiteY7" fmla="*/ 6821583 h 6858000"/>
+              <a:gd name="connsiteX8" fmla="*/ 0 w 9963150"/>
+              <a:gd name="connsiteY8" fmla="*/ 3652838 h 6858000"/>
+              <a:gd name="connsiteX9" fmla="*/ 1459070 w 9963150"/>
+              <a:gd name="connsiteY9" fmla="*/ 130333 h 6858000"/>
+            </a:gdLst>
+            <a:ahLst/>
+            <a:cxnLst>
+              <a:cxn ang="0">
+                <a:pos x="connsiteX0" y="connsiteY0"/>
+              </a:cxn>
+              <a:cxn ang="0">
+                <a:pos x="connsiteX1" y="connsiteY1"/>
+              </a:cxn>
+              <a:cxn ang="0">
+                <a:pos x="connsiteX2" y="connsiteY2"/>
+              </a:cxn>
+              <a:cxn ang="0">
+                <a:pos x="connsiteX3" y="connsiteY3"/>
+              </a:cxn>
+              <a:cxn ang="0">
+                <a:pos x="connsiteX4" y="connsiteY4"/>
+              </a:cxn>
+              <a:cxn ang="0">
+                <a:pos x="connsiteX5" y="connsiteY5"/>
+              </a:cxn>
+              <a:cxn ang="0">
+                <a:pos x="connsiteX6" y="connsiteY6"/>
+              </a:cxn>
+              <a:cxn ang="0">
+                <a:pos x="connsiteX7" y="connsiteY7"/>
+              </a:cxn>
+              <a:cxn ang="0">
+                <a:pos x="connsiteX8" y="connsiteY8"/>
+              </a:cxn>
+              <a:cxn ang="0">
+                <a:pos x="connsiteX9" y="connsiteY9"/>
+              </a:cxn>
+            </a:cxnLst>
+            <a:rect l="l" t="t" r="r" b="b"/>
+            <a:pathLst>
+              <a:path w="9963150" h="6858000">
+                <a:moveTo>
+                  <a:pt x="1595771" y="0"/>
+                </a:moveTo>
+                <a:lnTo>
+                  <a:pt x="8367379" y="0"/>
+                </a:lnTo>
+                <a:lnTo>
+                  <a:pt x="8504080" y="130333"/>
+                </a:lnTo>
+                <a:cubicBezTo>
+                  <a:pt x="9405568" y="1031820"/>
+                  <a:pt x="9963150" y="2277214"/>
+                  <a:pt x="9963150" y="3652838"/>
+                </a:cubicBezTo>
+                <a:cubicBezTo>
+                  <a:pt x="9963150" y="4856509"/>
+                  <a:pt x="9536251" y="5960473"/>
+                  <a:pt x="8825600" y="6821583"/>
+                </a:cubicBezTo>
+                <a:lnTo>
+                  <a:pt x="8794055" y="6858000"/>
+                </a:lnTo>
+                <a:lnTo>
+                  <a:pt x="1169096" y="6858000"/>
+                </a:lnTo>
+                <a:lnTo>
+                  <a:pt x="1137550" y="6821583"/>
+                </a:lnTo>
+                <a:cubicBezTo>
+                  <a:pt x="426899" y="5960473"/>
+                  <a:pt x="0" y="4856509"/>
+                  <a:pt x="0" y="3652838"/>
+                </a:cubicBezTo>
+                <a:cubicBezTo>
+                  <a:pt x="0" y="2277214"/>
+                  <a:pt x="557582" y="1031820"/>
+                  <a:pt x="1459070" y="130333"/>
+                </a:cubicBezTo>
+                <a:close/>
+              </a:path>
+            </a:pathLst>
+          </a:custGeom>
+          <a:ln w="9525">
+            <a:noFill/>
+          </a:ln>
+          <a:effectLst/>
+        </p:spPr>
+        <p:style>
+          <a:lnRef idx="2">
+            <a:schemeClr val="accent1">
+              <a:shade val="50000"/>
+            </a:schemeClr>
+          </a:lnRef>
+          <a:fillRef idx="1">
+            <a:schemeClr val="accent1"/>
+          </a:fillRef>
+          <a:effectRef idx="0">
+            <a:schemeClr val="accent1"/>
+          </a:effectRef>
+          <a:fontRef idx="minor">
+            <a:schemeClr val="lt1"/>
+          </a:fontRef>
+        </p:style>
+        <p:txBody>
+          <a:bodyPr wrap="square" rtlCol="0" anchor="ctr">
+            <a:noAutofit/>
+          </a:bodyPr>
+          <a:lstStyle/>
+          <a:p>
+            <a:pPr marL="0" marR="0" lvl="0" indent="0" algn="ctr" defTabSz="914400" rtl="0" eaLnBrk="1" fontAlgn="auto" latinLnBrk="0" hangingPunct="1">
+              <a:lnSpc>
+                <a:spcPct val="100000"/>
+              </a:lnSpc>
+              <a:spcBef>
+                <a:spcPts val="0"/>
+              </a:spcBef>
+              <a:spcAft>
+                <a:spcPts val="0"/>
+              </a:spcAft>
+              <a:buClrTx/>
+              <a:buSzTx/>
+              <a:buFontTx/>
+              <a:buNone/>
+              <a:tabLst/>
+              <a:defRPr/>
+            </a:pPr>
+            <a:endParaRPr kumimoji="0" lang="en-US" sz="1800" b="0" i="0" u="none" strike="noStrike" kern="1200" cap="none" spc="0" normalizeH="0" baseline="0" noProof="0">
+              <a:ln>
+                <a:noFill/>
+              </a:ln>
+              <a:solidFill>
+                <a:prstClr val="white"/>
+              </a:solidFill>
+              <a:effectLst/>
+              <a:uLnTx/>
+              <a:uFillTx/>
+              <a:latin typeface="Calibri" panose="020F0502020204030204"/>
+              <a:ea typeface="+mn-ea"/>
+              <a:cs typeface="+mn-cs"/>
+            </a:endParaRPr>
+          </a:p>
+        </p:txBody>
+      </p:sp>
       <p:sp>
         <p:nvSpPr>
           <p:cNvPr id="2" name="Title 1">
@@ -3354,16 +7137,23 @@
             <p:ph type="ctrTitle"/>
           </p:nvPr>
         </p:nvSpPr>
-        <p:spPr/>
+        <p:spPr>
+          <a:xfrm>
+            <a:off x="1524003" y="1999615"/>
+            <a:ext cx="9144000" cy="2764028"/>
+          </a:xfrm>
+        </p:spPr>
         <p:txBody>
-          <a:bodyPr/>
+          <a:bodyPr anchor="ctr">
+            <a:normAutofit/>
+          </a:bodyPr>
           <a:lstStyle/>
           <a:p>
             <a:r>
-              <a:rPr lang="hr-HR" dirty="0"/>
+              <a:rPr lang="hr-HR" sz="7200"/>
               <a:t>Causal Impact</a:t>
             </a:r>
-            <a:endParaRPr lang="en-US" dirty="0"/>
+            <a:endParaRPr lang="en-US" sz="7200"/>
           </a:p>
         </p:txBody>
       </p:sp>
@@ -3383,16 +7173,115 @@
             <p:ph type="subTitle" idx="1"/>
           </p:nvPr>
         </p:nvSpPr>
-        <p:spPr/>
+        <p:spPr>
+          <a:xfrm>
+            <a:off x="1966912" y="5645150"/>
+            <a:ext cx="8258176" cy="631825"/>
+          </a:xfrm>
+        </p:spPr>
         <p:txBody>
-          <a:bodyPr/>
+          <a:bodyPr anchor="ctr">
+            <a:normAutofit/>
+          </a:bodyPr>
           <a:lstStyle/>
           <a:p>
             <a:r>
-              <a:rPr lang="hr-HR" dirty="0"/>
+              <a:rPr lang="hr-HR" sz="2800"/>
               <a:t>Josip Ćurković</a:t>
             </a:r>
-            <a:endParaRPr lang="en-US" dirty="0"/>
+            <a:endParaRPr lang="en-US" sz="2800"/>
+          </a:p>
+        </p:txBody>
+      </p:sp>
+      <p:sp>
+        <p:nvSpPr>
+          <p:cNvPr id="14" name="Rectangle 13">
+            <a:extLst>
+              <a:ext uri="{FF2B5EF4-FFF2-40B4-BE49-F238E27FC236}">
+                <a16:creationId xmlns:a16="http://schemas.microsoft.com/office/drawing/2014/main" id="{3629484E-3792-4B3D-89AD-7C8A1ED0E0D4}"/>
+              </a:ext>
+              <a:ext uri="{C183D7F6-B498-43B3-948B-1728B52AA6E4}">
+                <adec:decorative xmlns:adec="http://schemas.microsoft.com/office/drawing/2017/decorative" val="1"/>
+              </a:ext>
+            </a:extLst>
+          </p:cNvPr>
+          <p:cNvSpPr>
+            <a:spLocks noGrp="1" noRot="1" noChangeAspect="1" noMove="1" noResize="1" noEditPoints="1" noAdjustHandles="1" noChangeArrowheads="1" noChangeShapeType="1" noTextEdit="1"/>
+          </p:cNvSpPr>
+          <p:nvPr>
+            <p:extLst>
+              <p:ext uri="{386F3935-93C4-4BCD-93E2-E3B085C9AB24}">
+                <p16:designElem xmlns:p16="http://schemas.microsoft.com/office/powerpoint/2015/main" val="1"/>
+              </p:ext>
+            </p:extLst>
+          </p:nvPr>
+        </p:nvSpPr>
+        <p:spPr>
+          <a:xfrm>
+            <a:off x="3718560" y="5524786"/>
+            <a:ext cx="4754880" cy="27432"/>
+          </a:xfrm>
+          <a:prstGeom prst="rect">
+            <a:avLst/>
+          </a:prstGeom>
+          <a:solidFill>
+            <a:schemeClr val="accent2"/>
+          </a:solidFill>
+          <a:ln>
+            <a:noFill/>
+          </a:ln>
+        </p:spPr>
+        <p:style>
+          <a:lnRef idx="2">
+            <a:schemeClr val="accent1">
+              <a:shade val="50000"/>
+            </a:schemeClr>
+          </a:lnRef>
+          <a:fillRef idx="1">
+            <a:schemeClr val="accent1"/>
+          </a:fillRef>
+          <a:effectRef idx="0">
+            <a:schemeClr val="accent1"/>
+          </a:effectRef>
+          <a:fontRef idx="minor">
+            <a:schemeClr val="lt1"/>
+          </a:fontRef>
+        </p:style>
+        <p:txBody>
+          <a:bodyPr rtlCol="0" anchor="ctr"/>
+          <a:lstStyle/>
+          <a:p>
+            <a:pPr marL="0" marR="0" lvl="0" indent="0" algn="ctr" defTabSz="914400" rtl="0" eaLnBrk="1" fontAlgn="auto" latinLnBrk="0" hangingPunct="1">
+              <a:lnSpc>
+                <a:spcPct val="100000"/>
+              </a:lnSpc>
+              <a:spcBef>
+                <a:spcPts val="0"/>
+              </a:spcBef>
+              <a:spcAft>
+                <a:spcPts val="0"/>
+              </a:spcAft>
+              <a:buClrTx/>
+              <a:buSzTx/>
+              <a:buFontTx/>
+              <a:buNone/>
+              <a:tabLst/>
+              <a:defRPr/>
+            </a:pPr>
+            <a:endParaRPr kumimoji="0" lang="en-US" sz="1800" b="0" i="0" u="none" strike="noStrike" kern="1200" cap="none" spc="0" normalizeH="0" baseline="0" noProof="0">
+              <a:ln>
+                <a:noFill/>
+              </a:ln>
+              <a:solidFill>
+                <a:prstClr val="white"/>
+              </a:solidFill>
+              <a:effectLst/>
+              <a:uLnTx/>
+              <a:uFillTx/>
+              <a:latin typeface="Calibri" panose="020F0502020204030204"/>
+              <a:ea typeface="+mn-ea"/>
+              <a:cs typeface="+mn-cs"/>
+            </a:endParaRPr>
           </a:p>
         </p:txBody>
       </p:sp>
@@ -6316,6 +10205,14 @@
 <file path=ppt/slides/slide2.xml><?xml version="1.0" encoding="utf-8"?>
 <p:sld xmlns:a="http://schemas.openxmlformats.org/drawingml/2006/main" xmlns:r="http://schemas.openxmlformats.org/officeDocument/2006/relationships" xmlns:p="http://schemas.openxmlformats.org/presentationml/2006/main">
   <p:cSld>
+    <p:bg>
+      <p:bgPr>
+        <a:solidFill>
+          <a:schemeClr val="bg1"/>
+        </a:solidFill>
+        <a:effectLst/>
+      </p:bgPr>
+    </p:bg>
     <p:spTree>
       <p:nvGrpSpPr>
         <p:cNvPr id="1" name=""/>
@@ -6330,6 +10227,382 @@
           <a:chExt cx="0" cy="0"/>
         </a:xfrm>
       </p:grpSpPr>
+      <p:sp useBgFill="1">
+        <p:nvSpPr>
+          <p:cNvPr id="8" name="Rectangle 7">
+            <a:extLst>
+              <a:ext uri="{FF2B5EF4-FFF2-40B4-BE49-F238E27FC236}">
+                <a16:creationId xmlns:a16="http://schemas.microsoft.com/office/drawing/2014/main" id="{081EA652-8C6A-4E69-BEB9-170809474553}"/>
+              </a:ext>
+              <a:ext uri="{C183D7F6-B498-43B3-948B-1728B52AA6E4}">
+                <adec:decorative xmlns:adec="http://schemas.microsoft.com/office/drawing/2017/decorative" val="1"/>
+              </a:ext>
+            </a:extLst>
+          </p:cNvPr>
+          <p:cNvSpPr>
+            <a:spLocks noGrp="1" noRot="1" noChangeAspect="1" noMove="1" noResize="1" noEditPoints="1" noAdjustHandles="1" noChangeArrowheads="1" noChangeShapeType="1" noTextEdit="1"/>
+          </p:cNvSpPr>
+          <p:nvPr>
+            <p:extLst>
+              <p:ext uri="{386F3935-93C4-4BCD-93E2-E3B085C9AB24}">
+                <p16:designElem xmlns:p16="http://schemas.microsoft.com/office/powerpoint/2015/main" val="1"/>
+              </p:ext>
+            </p:extLst>
+          </p:nvPr>
+        </p:nvSpPr>
+        <p:spPr>
+          <a:xfrm>
+            <a:off x="0" y="0"/>
+            <a:ext cx="12192000" cy="6858000"/>
+          </a:xfrm>
+          <a:prstGeom prst="rect">
+            <a:avLst/>
+          </a:prstGeom>
+          <a:ln>
+            <a:noFill/>
+          </a:ln>
+        </p:spPr>
+        <p:style>
+          <a:lnRef idx="2">
+            <a:schemeClr val="accent1">
+              <a:shade val="50000"/>
+            </a:schemeClr>
+          </a:lnRef>
+          <a:fillRef idx="1">
+            <a:schemeClr val="accent1"/>
+          </a:fillRef>
+          <a:effectRef idx="0">
+            <a:schemeClr val="accent1"/>
+          </a:effectRef>
+          <a:fontRef idx="minor">
+            <a:schemeClr val="lt1"/>
+          </a:fontRef>
+        </p:style>
+        <p:txBody>
+          <a:bodyPr rtlCol="0" anchor="ctr"/>
+          <a:lstStyle/>
+          <a:p>
+            <a:pPr algn="ctr"/>
+            <a:endParaRPr lang="en-US"/>
+          </a:p>
+        </p:txBody>
+      </p:sp>
+      <p:sp>
+        <p:nvSpPr>
+          <p:cNvPr id="10" name="Freeform: Shape 9">
+            <a:extLst>
+              <a:ext uri="{FF2B5EF4-FFF2-40B4-BE49-F238E27FC236}">
+                <a16:creationId xmlns:a16="http://schemas.microsoft.com/office/drawing/2014/main" id="{A4026A73-1F7F-49F2-B319-8CA3B3D53269}"/>
+              </a:ext>
+              <a:ext uri="{C183D7F6-B498-43B3-948B-1728B52AA6E4}">
+                <adec:decorative xmlns:adec="http://schemas.microsoft.com/office/drawing/2017/decorative" val="1"/>
+              </a:ext>
+            </a:extLst>
+          </p:cNvPr>
+          <p:cNvSpPr>
+            <a:spLocks noGrp="1" noRot="1" noChangeAspect="1" noMove="1" noResize="1" noEditPoints="1" noAdjustHandles="1" noChangeArrowheads="1" noChangeShapeType="1" noTextEdit="1"/>
+          </p:cNvSpPr>
+          <p:nvPr>
+            <p:extLst>
+              <p:ext uri="{386F3935-93C4-4BCD-93E2-E3B085C9AB24}">
+                <p16:designElem xmlns:p16="http://schemas.microsoft.com/office/powerpoint/2015/main" val="1"/>
+              </p:ext>
+            </p:extLst>
+          </p:nvPr>
+        </p:nvSpPr>
+        <p:spPr>
+          <a:xfrm>
+            <a:off x="321732" y="321733"/>
+            <a:ext cx="11546828" cy="6214534"/>
+          </a:xfrm>
+          <a:custGeom>
+            <a:avLst/>
+            <a:gdLst>
+              <a:gd name="connsiteX0" fmla="*/ 0 w 11546828"/>
+              <a:gd name="connsiteY0" fmla="*/ 0 h 6214534"/>
+              <a:gd name="connsiteX1" fmla="*/ 7965430 w 11546828"/>
+              <a:gd name="connsiteY1" fmla="*/ 0 h 6214534"/>
+              <a:gd name="connsiteX2" fmla="*/ 7965430 w 11546828"/>
+              <a:gd name="connsiteY2" fmla="*/ 1786 h 6214534"/>
+              <a:gd name="connsiteX3" fmla="*/ 11546828 w 11546828"/>
+              <a:gd name="connsiteY3" fmla="*/ 1786 h 6214534"/>
+              <a:gd name="connsiteX4" fmla="*/ 11546828 w 11546828"/>
+              <a:gd name="connsiteY4" fmla="*/ 2866740 h 6214534"/>
+              <a:gd name="connsiteX5" fmla="*/ 11225095 w 11546828"/>
+              <a:gd name="connsiteY5" fmla="*/ 3179536 h 6214534"/>
+              <a:gd name="connsiteX6" fmla="*/ 11225095 w 11546828"/>
+              <a:gd name="connsiteY6" fmla="*/ 301542 h 6214534"/>
+              <a:gd name="connsiteX7" fmla="*/ 320042 w 11546828"/>
+              <a:gd name="connsiteY7" fmla="*/ 301542 h 6214534"/>
+              <a:gd name="connsiteX8" fmla="*/ 320042 w 11546828"/>
+              <a:gd name="connsiteY8" fmla="*/ 5909424 h 6214534"/>
+              <a:gd name="connsiteX9" fmla="*/ 8417210 w 11546828"/>
+              <a:gd name="connsiteY9" fmla="*/ 5909424 h 6214534"/>
+              <a:gd name="connsiteX10" fmla="*/ 8103383 w 11546828"/>
+              <a:gd name="connsiteY10" fmla="*/ 6214534 h 6214534"/>
+              <a:gd name="connsiteX11" fmla="*/ 7222929 w 11546828"/>
+              <a:gd name="connsiteY11" fmla="*/ 6214534 h 6214534"/>
+              <a:gd name="connsiteX12" fmla="*/ 7222929 w 11546828"/>
+              <a:gd name="connsiteY12" fmla="*/ 6212748 h 6214534"/>
+              <a:gd name="connsiteX13" fmla="*/ 0 w 11546828"/>
+              <a:gd name="connsiteY13" fmla="*/ 6212748 h 6214534"/>
+            </a:gdLst>
+            <a:ahLst/>
+            <a:cxnLst>
+              <a:cxn ang="0">
+                <a:pos x="connsiteX0" y="connsiteY0"/>
+              </a:cxn>
+              <a:cxn ang="0">
+                <a:pos x="connsiteX1" y="connsiteY1"/>
+              </a:cxn>
+              <a:cxn ang="0">
+                <a:pos x="connsiteX2" y="connsiteY2"/>
+              </a:cxn>
+              <a:cxn ang="0">
+                <a:pos x="connsiteX3" y="connsiteY3"/>
+              </a:cxn>
+              <a:cxn ang="0">
+                <a:pos x="connsiteX4" y="connsiteY4"/>
+              </a:cxn>
+              <a:cxn ang="0">
+                <a:pos x="connsiteX5" y="connsiteY5"/>
+              </a:cxn>
+              <a:cxn ang="0">
+                <a:pos x="connsiteX6" y="connsiteY6"/>
+              </a:cxn>
+              <a:cxn ang="0">
+                <a:pos x="connsiteX7" y="connsiteY7"/>
+              </a:cxn>
+              <a:cxn ang="0">
+                <a:pos x="connsiteX8" y="connsiteY8"/>
+              </a:cxn>
+              <a:cxn ang="0">
+                <a:pos x="connsiteX9" y="connsiteY9"/>
+              </a:cxn>
+              <a:cxn ang="0">
+                <a:pos x="connsiteX10" y="connsiteY10"/>
+              </a:cxn>
+              <a:cxn ang="0">
+                <a:pos x="connsiteX11" y="connsiteY11"/>
+              </a:cxn>
+              <a:cxn ang="0">
+                <a:pos x="connsiteX12" y="connsiteY12"/>
+              </a:cxn>
+              <a:cxn ang="0">
+                <a:pos x="connsiteX13" y="connsiteY13"/>
+              </a:cxn>
+            </a:cxnLst>
+            <a:rect l="l" t="t" r="r" b="b"/>
+            <a:pathLst>
+              <a:path w="11546828" h="6214534">
+                <a:moveTo>
+                  <a:pt x="0" y="0"/>
+                </a:moveTo>
+                <a:lnTo>
+                  <a:pt x="7965430" y="0"/>
+                </a:lnTo>
+                <a:lnTo>
+                  <a:pt x="7965430" y="1786"/>
+                </a:lnTo>
+                <a:lnTo>
+                  <a:pt x="11546828" y="1786"/>
+                </a:lnTo>
+                <a:lnTo>
+                  <a:pt x="11546828" y="2866740"/>
+                </a:lnTo>
+                <a:lnTo>
+                  <a:pt x="11225095" y="3179536"/>
+                </a:lnTo>
+                <a:lnTo>
+                  <a:pt x="11225095" y="301542"/>
+                </a:lnTo>
+                <a:lnTo>
+                  <a:pt x="320042" y="301542"/>
+                </a:lnTo>
+                <a:lnTo>
+                  <a:pt x="320042" y="5909424"/>
+                </a:lnTo>
+                <a:lnTo>
+                  <a:pt x="8417210" y="5909424"/>
+                </a:lnTo>
+                <a:lnTo>
+                  <a:pt x="8103383" y="6214534"/>
+                </a:lnTo>
+                <a:lnTo>
+                  <a:pt x="7222929" y="6214534"/>
+                </a:lnTo>
+                <a:lnTo>
+                  <a:pt x="7222929" y="6212748"/>
+                </a:lnTo>
+                <a:lnTo>
+                  <a:pt x="0" y="6212748"/>
+                </a:lnTo>
+                <a:close/>
+              </a:path>
+            </a:pathLst>
+          </a:custGeom>
+          <a:solidFill>
+            <a:schemeClr val="tx1">
+              <a:lumMod val="50000"/>
+              <a:lumOff val="50000"/>
+              <a:alpha val="25000"/>
+            </a:schemeClr>
+          </a:solidFill>
+          <a:ln>
+            <a:noFill/>
+          </a:ln>
+        </p:spPr>
+        <p:style>
+          <a:lnRef idx="2">
+            <a:schemeClr val="accent1">
+              <a:shade val="50000"/>
+            </a:schemeClr>
+          </a:lnRef>
+          <a:fillRef idx="1">
+            <a:schemeClr val="accent1"/>
+          </a:fillRef>
+          <a:effectRef idx="0">
+            <a:schemeClr val="accent1"/>
+          </a:effectRef>
+          <a:fontRef idx="minor">
+            <a:schemeClr val="lt1"/>
+          </a:fontRef>
+        </p:style>
+        <p:txBody>
+          <a:bodyPr wrap="square" rtlCol="0" anchor="ctr">
+            <a:noAutofit/>
+          </a:bodyPr>
+          <a:lstStyle/>
+          <a:p>
+            <a:pPr algn="ctr"/>
+            <a:endParaRPr lang="en-US"/>
+          </a:p>
+        </p:txBody>
+      </p:sp>
+      <p:sp>
+        <p:nvSpPr>
+          <p:cNvPr id="12" name="Right Triangle 11">
+            <a:extLst>
+              <a:ext uri="{FF2B5EF4-FFF2-40B4-BE49-F238E27FC236}">
+                <a16:creationId xmlns:a16="http://schemas.microsoft.com/office/drawing/2014/main" id="{5298780A-33B9-4EA2-8F67-DE68AD62841B}"/>
+              </a:ext>
+              <a:ext uri="{C183D7F6-B498-43B3-948B-1728B52AA6E4}">
+                <adec:decorative xmlns:adec="http://schemas.microsoft.com/office/drawing/2017/decorative" val="1"/>
+              </a:ext>
+            </a:extLst>
+          </p:cNvPr>
+          <p:cNvSpPr>
+            <a:spLocks noGrp="1" noRot="1" noChangeAspect="1" noMove="1" noResize="1" noEditPoints="1" noAdjustHandles="1" noChangeArrowheads="1" noChangeShapeType="1" noTextEdit="1"/>
+          </p:cNvSpPr>
+          <p:nvPr>
+            <p:extLst>
+              <p:ext uri="{386F3935-93C4-4BCD-93E2-E3B085C9AB24}">
+                <p16:designElem xmlns:p16="http://schemas.microsoft.com/office/powerpoint/2015/main" val="1"/>
+              </p:ext>
+            </p:extLst>
+          </p:nvPr>
+        </p:nvSpPr>
+        <p:spPr>
+          <a:xfrm flipH="1">
+            <a:off x="8576720" y="3335867"/>
+            <a:ext cx="3291840" cy="3200400"/>
+          </a:xfrm>
+          <a:prstGeom prst="rtTriangle">
+            <a:avLst/>
+          </a:prstGeom>
+          <a:solidFill>
+            <a:schemeClr val="accent4"/>
+          </a:solidFill>
+          <a:ln>
+            <a:noFill/>
+          </a:ln>
+        </p:spPr>
+        <p:style>
+          <a:lnRef idx="2">
+            <a:schemeClr val="accent1">
+              <a:shade val="50000"/>
+            </a:schemeClr>
+          </a:lnRef>
+          <a:fillRef idx="1">
+            <a:schemeClr val="accent1"/>
+          </a:fillRef>
+          <a:effectRef idx="0">
+            <a:schemeClr val="accent1"/>
+          </a:effectRef>
+          <a:fontRef idx="minor">
+            <a:schemeClr val="lt1"/>
+          </a:fontRef>
+        </p:style>
+        <p:txBody>
+          <a:bodyPr rtlCol="0" anchor="ctr"/>
+          <a:lstStyle/>
+          <a:p>
+            <a:pPr algn="ctr"/>
+            <a:endParaRPr lang="en-US" dirty="0"/>
+          </a:p>
+        </p:txBody>
+      </p:sp>
+      <p:sp>
+        <p:nvSpPr>
+          <p:cNvPr id="14" name="Rectangle 13">
+            <a:extLst>
+              <a:ext uri="{FF2B5EF4-FFF2-40B4-BE49-F238E27FC236}">
+                <a16:creationId xmlns:a16="http://schemas.microsoft.com/office/drawing/2014/main" id="{7F488E8B-4E1E-4402-8935-D4E6C02615C7}"/>
+              </a:ext>
+              <a:ext uri="{C183D7F6-B498-43B3-948B-1728B52AA6E4}">
+                <adec:decorative xmlns:adec="http://schemas.microsoft.com/office/drawing/2017/decorative" val="1"/>
+              </a:ext>
+            </a:extLst>
+          </p:cNvPr>
+          <p:cNvSpPr>
+            <a:spLocks noGrp="1" noRot="1" noChangeAspect="1" noMove="1" noResize="1" noEditPoints="1" noAdjustHandles="1" noChangeArrowheads="1" noChangeShapeType="1" noTextEdit="1"/>
+          </p:cNvSpPr>
+          <p:nvPr>
+            <p:extLst>
+              <p:ext uri="{386F3935-93C4-4BCD-93E2-E3B085C9AB24}">
+                <p16:designElem xmlns:p16="http://schemas.microsoft.com/office/powerpoint/2015/main" val="1"/>
+              </p:ext>
+            </p:extLst>
+          </p:nvPr>
+        </p:nvSpPr>
+        <p:spPr>
+          <a:xfrm>
+            <a:off x="641774" y="623275"/>
+            <a:ext cx="10905053" cy="5607882"/>
+          </a:xfrm>
+          <a:prstGeom prst="rect">
+            <a:avLst/>
+          </a:prstGeom>
+          <a:noFill/>
+          <a:ln w="19050">
+            <a:noFill/>
+          </a:ln>
+        </p:spPr>
+        <p:style>
+          <a:lnRef idx="2">
+            <a:schemeClr val="accent1">
+              <a:shade val="50000"/>
+            </a:schemeClr>
+          </a:lnRef>
+          <a:fillRef idx="1">
+            <a:schemeClr val="accent1"/>
+          </a:fillRef>
+          <a:effectRef idx="0">
+            <a:schemeClr val="accent1"/>
+          </a:effectRef>
+          <a:fontRef idx="minor">
+            <a:schemeClr val="lt1"/>
+          </a:fontRef>
+        </p:style>
+        <p:txBody>
+          <a:bodyPr rtlCol="0" anchor="ctr"/>
+          <a:lstStyle/>
+          <a:p>
+            <a:pPr algn="ctr"/>
+            <a:endParaRPr lang="en-US"/>
+          </a:p>
+        </p:txBody>
+      </p:sp>
       <p:sp>
         <p:nvSpPr>
           <p:cNvPr id="2" name="Title 1">
@@ -6346,19 +10619,82 @@
             <p:ph type="title"/>
           </p:nvPr>
         </p:nvSpPr>
-        <p:spPr/>
+        <p:spPr>
+          <a:xfrm>
+            <a:off x="1006900" y="1188637"/>
+            <a:ext cx="3141430" cy="4480726"/>
+          </a:xfrm>
+        </p:spPr>
         <p:txBody>
-          <a:bodyPr/>
+          <a:bodyPr>
+            <a:normAutofit/>
+          </a:bodyPr>
           <a:lstStyle/>
           <a:p>
+            <a:pPr algn="r"/>
             <a:r>
-              <a:rPr lang="hr-HR" dirty="0"/>
+              <a:rPr lang="hr-HR" sz="6600"/>
               <a:t>Table of contents</a:t>
             </a:r>
-            <a:endParaRPr lang="en-US" dirty="0"/>
+            <a:endParaRPr lang="en-US" sz="6600"/>
           </a:p>
         </p:txBody>
       </p:sp>
+      <p:cxnSp>
+        <p:nvCxnSpPr>
+          <p:cNvPr id="16" name="Straight Connector 15">
+            <a:extLst>
+              <a:ext uri="{FF2B5EF4-FFF2-40B4-BE49-F238E27FC236}">
+                <a16:creationId xmlns:a16="http://schemas.microsoft.com/office/drawing/2014/main" id="{23AAC9B5-8015-485C-ACF9-A750390E9A56}"/>
+              </a:ext>
+              <a:ext uri="{C183D7F6-B498-43B3-948B-1728B52AA6E4}">
+                <adec:decorative xmlns:adec="http://schemas.microsoft.com/office/drawing/2017/decorative" val="1"/>
+              </a:ext>
+            </a:extLst>
+          </p:cNvPr>
+          <p:cNvCxnSpPr>
+            <a:cxnSpLocks noGrp="1" noRot="1" noChangeAspect="1" noMove="1" noResize="1" noEditPoints="1" noAdjustHandles="1" noChangeArrowheads="1" noChangeShapeType="1"/>
+          </p:cNvCxnSpPr>
+          <p:nvPr>
+            <p:extLst>
+              <p:ext uri="{386F3935-93C4-4BCD-93E2-E3B085C9AB24}">
+                <p16:designElem xmlns:p16="http://schemas.microsoft.com/office/powerpoint/2015/main" val="1"/>
+              </p:ext>
+            </p:extLst>
+          </p:nvPr>
+        </p:nvCxnSpPr>
+        <p:spPr>
+          <a:xfrm>
+            <a:off x="4654296" y="1852863"/>
+            <a:ext cx="0" cy="3236495"/>
+          </a:xfrm>
+          <a:prstGeom prst="line">
+            <a:avLst/>
+          </a:prstGeom>
+          <a:ln w="19050" cap="sq">
+            <a:solidFill>
+              <a:schemeClr val="tx1">
+                <a:lumMod val="75000"/>
+                <a:lumOff val="25000"/>
+              </a:schemeClr>
+            </a:solidFill>
+          </a:ln>
+        </p:spPr>
+        <p:style>
+          <a:lnRef idx="1">
+            <a:schemeClr val="accent1"/>
+          </a:lnRef>
+          <a:fillRef idx="0">
+            <a:schemeClr val="accent1"/>
+          </a:fillRef>
+          <a:effectRef idx="0">
+            <a:schemeClr val="accent1"/>
+          </a:effectRef>
+          <a:fontRef idx="minor">
+            <a:schemeClr val="tx1"/>
+          </a:fontRef>
+        </p:style>
+      </p:cxnSp>
       <p:sp>
         <p:nvSpPr>
           <p:cNvPr id="3" name="Content Placeholder 2">
@@ -6375,49 +10711,56 @@
             <p:ph idx="1"/>
           </p:nvPr>
         </p:nvSpPr>
-        <p:spPr/>
+        <p:spPr>
+          <a:xfrm>
+            <a:off x="5138928" y="1338729"/>
+            <a:ext cx="4795584" cy="4180542"/>
+          </a:xfrm>
+        </p:spPr>
         <p:txBody>
-          <a:bodyPr/>
+          <a:bodyPr anchor="ctr">
+            <a:normAutofit/>
+          </a:bodyPr>
           <a:lstStyle/>
           <a:p>
             <a:r>
-              <a:rPr lang="hr-HR" dirty="0"/>
+              <a:rPr lang="hr-HR" sz="2400"/>
               <a:t>What is the goal of this project?</a:t>
             </a:r>
           </a:p>
           <a:p>
             <a:r>
-              <a:rPr lang="hr-HR" dirty="0"/>
+              <a:rPr lang="hr-HR" sz="2400"/>
               <a:t>What is causal impact?</a:t>
             </a:r>
           </a:p>
           <a:p>
             <a:r>
-              <a:rPr lang="hr-HR" dirty="0"/>
+              <a:rPr lang="hr-HR" sz="2400"/>
               <a:t>Packages and data sets</a:t>
             </a:r>
           </a:p>
           <a:p>
             <a:r>
-              <a:rPr lang="hr-HR" dirty="0"/>
+              <a:rPr lang="hr-HR" sz="2400"/>
               <a:t>Causal impact on an artificial data set</a:t>
             </a:r>
           </a:p>
           <a:p>
             <a:r>
-              <a:rPr lang="hr-HR" dirty="0"/>
+              <a:rPr lang="hr-HR" sz="2400"/>
               <a:t>Causal impact on a real world data set</a:t>
             </a:r>
           </a:p>
           <a:p>
             <a:r>
-              <a:rPr lang="hr-HR" dirty="0"/>
+              <a:rPr lang="hr-HR" sz="2400"/>
               <a:t>Conclusion</a:t>
             </a:r>
           </a:p>
           <a:p>
             <a:r>
-              <a:rPr lang="hr-HR" dirty="0"/>
+              <a:rPr lang="hr-HR" sz="2400"/>
               <a:t>References</a:t>
             </a:r>
           </a:p>
@@ -6439,6 +10782,14 @@
 <file path=ppt/slides/slide3.xml><?xml version="1.0" encoding="utf-8"?>
 <p:sld xmlns:a="http://schemas.openxmlformats.org/drawingml/2006/main" xmlns:r="http://schemas.openxmlformats.org/officeDocument/2006/relationships" xmlns:p="http://schemas.openxmlformats.org/presentationml/2006/main">
   <p:cSld>
+    <p:bg>
+      <p:bgPr>
+        <a:solidFill>
+          <a:schemeClr val="bg1"/>
+        </a:solidFill>
+        <a:effectLst/>
+      </p:bgPr>
+    </p:bg>
     <p:spTree>
       <p:nvGrpSpPr>
         <p:cNvPr id="1" name=""/>
@@ -6453,6 +10804,382 @@
           <a:chExt cx="0" cy="0"/>
         </a:xfrm>
       </p:grpSpPr>
+      <p:sp useBgFill="1">
+        <p:nvSpPr>
+          <p:cNvPr id="8" name="Rectangle 7">
+            <a:extLst>
+              <a:ext uri="{FF2B5EF4-FFF2-40B4-BE49-F238E27FC236}">
+                <a16:creationId xmlns:a16="http://schemas.microsoft.com/office/drawing/2014/main" id="{081EA652-8C6A-4E69-BEB9-170809474553}"/>
+              </a:ext>
+              <a:ext uri="{C183D7F6-B498-43B3-948B-1728B52AA6E4}">
+                <adec:decorative xmlns:adec="http://schemas.microsoft.com/office/drawing/2017/decorative" val="1"/>
+              </a:ext>
+            </a:extLst>
+          </p:cNvPr>
+          <p:cNvSpPr>
+            <a:spLocks noGrp="1" noRot="1" noChangeAspect="1" noMove="1" noResize="1" noEditPoints="1" noAdjustHandles="1" noChangeArrowheads="1" noChangeShapeType="1" noTextEdit="1"/>
+          </p:cNvSpPr>
+          <p:nvPr>
+            <p:extLst>
+              <p:ext uri="{386F3935-93C4-4BCD-93E2-E3B085C9AB24}">
+                <p16:designElem xmlns:p16="http://schemas.microsoft.com/office/powerpoint/2015/main" val="1"/>
+              </p:ext>
+            </p:extLst>
+          </p:nvPr>
+        </p:nvSpPr>
+        <p:spPr>
+          <a:xfrm>
+            <a:off x="0" y="0"/>
+            <a:ext cx="12192000" cy="6858000"/>
+          </a:xfrm>
+          <a:prstGeom prst="rect">
+            <a:avLst/>
+          </a:prstGeom>
+          <a:ln>
+            <a:noFill/>
+          </a:ln>
+        </p:spPr>
+        <p:style>
+          <a:lnRef idx="2">
+            <a:schemeClr val="accent1">
+              <a:shade val="50000"/>
+            </a:schemeClr>
+          </a:lnRef>
+          <a:fillRef idx="1">
+            <a:schemeClr val="accent1"/>
+          </a:fillRef>
+          <a:effectRef idx="0">
+            <a:schemeClr val="accent1"/>
+          </a:effectRef>
+          <a:fontRef idx="minor">
+            <a:schemeClr val="lt1"/>
+          </a:fontRef>
+        </p:style>
+        <p:txBody>
+          <a:bodyPr rtlCol="0" anchor="ctr"/>
+          <a:lstStyle/>
+          <a:p>
+            <a:pPr algn="ctr"/>
+            <a:endParaRPr lang="en-US"/>
+          </a:p>
+        </p:txBody>
+      </p:sp>
+      <p:sp>
+        <p:nvSpPr>
+          <p:cNvPr id="10" name="Freeform: Shape 9">
+            <a:extLst>
+              <a:ext uri="{FF2B5EF4-FFF2-40B4-BE49-F238E27FC236}">
+                <a16:creationId xmlns:a16="http://schemas.microsoft.com/office/drawing/2014/main" id="{A4026A73-1F7F-49F2-B319-8CA3B3D53269}"/>
+              </a:ext>
+              <a:ext uri="{C183D7F6-B498-43B3-948B-1728B52AA6E4}">
+                <adec:decorative xmlns:adec="http://schemas.microsoft.com/office/drawing/2017/decorative" val="1"/>
+              </a:ext>
+            </a:extLst>
+          </p:cNvPr>
+          <p:cNvSpPr>
+            <a:spLocks noGrp="1" noRot="1" noChangeAspect="1" noMove="1" noResize="1" noEditPoints="1" noAdjustHandles="1" noChangeArrowheads="1" noChangeShapeType="1" noTextEdit="1"/>
+          </p:cNvSpPr>
+          <p:nvPr>
+            <p:extLst>
+              <p:ext uri="{386F3935-93C4-4BCD-93E2-E3B085C9AB24}">
+                <p16:designElem xmlns:p16="http://schemas.microsoft.com/office/powerpoint/2015/main" val="1"/>
+              </p:ext>
+            </p:extLst>
+          </p:nvPr>
+        </p:nvSpPr>
+        <p:spPr>
+          <a:xfrm>
+            <a:off x="321732" y="321733"/>
+            <a:ext cx="11546828" cy="6214534"/>
+          </a:xfrm>
+          <a:custGeom>
+            <a:avLst/>
+            <a:gdLst>
+              <a:gd name="connsiteX0" fmla="*/ 0 w 11546828"/>
+              <a:gd name="connsiteY0" fmla="*/ 0 h 6214534"/>
+              <a:gd name="connsiteX1" fmla="*/ 7965430 w 11546828"/>
+              <a:gd name="connsiteY1" fmla="*/ 0 h 6214534"/>
+              <a:gd name="connsiteX2" fmla="*/ 7965430 w 11546828"/>
+              <a:gd name="connsiteY2" fmla="*/ 1786 h 6214534"/>
+              <a:gd name="connsiteX3" fmla="*/ 11546828 w 11546828"/>
+              <a:gd name="connsiteY3" fmla="*/ 1786 h 6214534"/>
+              <a:gd name="connsiteX4" fmla="*/ 11546828 w 11546828"/>
+              <a:gd name="connsiteY4" fmla="*/ 2866740 h 6214534"/>
+              <a:gd name="connsiteX5" fmla="*/ 11225095 w 11546828"/>
+              <a:gd name="connsiteY5" fmla="*/ 3179536 h 6214534"/>
+              <a:gd name="connsiteX6" fmla="*/ 11225095 w 11546828"/>
+              <a:gd name="connsiteY6" fmla="*/ 301542 h 6214534"/>
+              <a:gd name="connsiteX7" fmla="*/ 320042 w 11546828"/>
+              <a:gd name="connsiteY7" fmla="*/ 301542 h 6214534"/>
+              <a:gd name="connsiteX8" fmla="*/ 320042 w 11546828"/>
+              <a:gd name="connsiteY8" fmla="*/ 5909424 h 6214534"/>
+              <a:gd name="connsiteX9" fmla="*/ 8417210 w 11546828"/>
+              <a:gd name="connsiteY9" fmla="*/ 5909424 h 6214534"/>
+              <a:gd name="connsiteX10" fmla="*/ 8103383 w 11546828"/>
+              <a:gd name="connsiteY10" fmla="*/ 6214534 h 6214534"/>
+              <a:gd name="connsiteX11" fmla="*/ 7222929 w 11546828"/>
+              <a:gd name="connsiteY11" fmla="*/ 6214534 h 6214534"/>
+              <a:gd name="connsiteX12" fmla="*/ 7222929 w 11546828"/>
+              <a:gd name="connsiteY12" fmla="*/ 6212748 h 6214534"/>
+              <a:gd name="connsiteX13" fmla="*/ 0 w 11546828"/>
+              <a:gd name="connsiteY13" fmla="*/ 6212748 h 6214534"/>
+            </a:gdLst>
+            <a:ahLst/>
+            <a:cxnLst>
+              <a:cxn ang="0">
+                <a:pos x="connsiteX0" y="connsiteY0"/>
+              </a:cxn>
+              <a:cxn ang="0">
+                <a:pos x="connsiteX1" y="connsiteY1"/>
+              </a:cxn>
+              <a:cxn ang="0">
+                <a:pos x="connsiteX2" y="connsiteY2"/>
+              </a:cxn>
+              <a:cxn ang="0">
+                <a:pos x="connsiteX3" y="connsiteY3"/>
+              </a:cxn>
+              <a:cxn ang="0">
+                <a:pos x="connsiteX4" y="connsiteY4"/>
+              </a:cxn>
+              <a:cxn ang="0">
+                <a:pos x="connsiteX5" y="connsiteY5"/>
+              </a:cxn>
+              <a:cxn ang="0">
+                <a:pos x="connsiteX6" y="connsiteY6"/>
+              </a:cxn>
+              <a:cxn ang="0">
+                <a:pos x="connsiteX7" y="connsiteY7"/>
+              </a:cxn>
+              <a:cxn ang="0">
+                <a:pos x="connsiteX8" y="connsiteY8"/>
+              </a:cxn>
+              <a:cxn ang="0">
+                <a:pos x="connsiteX9" y="connsiteY9"/>
+              </a:cxn>
+              <a:cxn ang="0">
+                <a:pos x="connsiteX10" y="connsiteY10"/>
+              </a:cxn>
+              <a:cxn ang="0">
+                <a:pos x="connsiteX11" y="connsiteY11"/>
+              </a:cxn>
+              <a:cxn ang="0">
+                <a:pos x="connsiteX12" y="connsiteY12"/>
+              </a:cxn>
+              <a:cxn ang="0">
+                <a:pos x="connsiteX13" y="connsiteY13"/>
+              </a:cxn>
+            </a:cxnLst>
+            <a:rect l="l" t="t" r="r" b="b"/>
+            <a:pathLst>
+              <a:path w="11546828" h="6214534">
+                <a:moveTo>
+                  <a:pt x="0" y="0"/>
+                </a:moveTo>
+                <a:lnTo>
+                  <a:pt x="7965430" y="0"/>
+                </a:lnTo>
+                <a:lnTo>
+                  <a:pt x="7965430" y="1786"/>
+                </a:lnTo>
+                <a:lnTo>
+                  <a:pt x="11546828" y="1786"/>
+                </a:lnTo>
+                <a:lnTo>
+                  <a:pt x="11546828" y="2866740"/>
+                </a:lnTo>
+                <a:lnTo>
+                  <a:pt x="11225095" y="3179536"/>
+                </a:lnTo>
+                <a:lnTo>
+                  <a:pt x="11225095" y="301542"/>
+                </a:lnTo>
+                <a:lnTo>
+                  <a:pt x="320042" y="301542"/>
+                </a:lnTo>
+                <a:lnTo>
+                  <a:pt x="320042" y="5909424"/>
+                </a:lnTo>
+                <a:lnTo>
+                  <a:pt x="8417210" y="5909424"/>
+                </a:lnTo>
+                <a:lnTo>
+                  <a:pt x="8103383" y="6214534"/>
+                </a:lnTo>
+                <a:lnTo>
+                  <a:pt x="7222929" y="6214534"/>
+                </a:lnTo>
+                <a:lnTo>
+                  <a:pt x="7222929" y="6212748"/>
+                </a:lnTo>
+                <a:lnTo>
+                  <a:pt x="0" y="6212748"/>
+                </a:lnTo>
+                <a:close/>
+              </a:path>
+            </a:pathLst>
+          </a:custGeom>
+          <a:solidFill>
+            <a:schemeClr val="tx1">
+              <a:lumMod val="50000"/>
+              <a:lumOff val="50000"/>
+              <a:alpha val="25000"/>
+            </a:schemeClr>
+          </a:solidFill>
+          <a:ln>
+            <a:noFill/>
+          </a:ln>
+        </p:spPr>
+        <p:style>
+          <a:lnRef idx="2">
+            <a:schemeClr val="accent1">
+              <a:shade val="50000"/>
+            </a:schemeClr>
+          </a:lnRef>
+          <a:fillRef idx="1">
+            <a:schemeClr val="accent1"/>
+          </a:fillRef>
+          <a:effectRef idx="0">
+            <a:schemeClr val="accent1"/>
+          </a:effectRef>
+          <a:fontRef idx="minor">
+            <a:schemeClr val="lt1"/>
+          </a:fontRef>
+        </p:style>
+        <p:txBody>
+          <a:bodyPr wrap="square" rtlCol="0" anchor="ctr">
+            <a:noAutofit/>
+          </a:bodyPr>
+          <a:lstStyle/>
+          <a:p>
+            <a:pPr algn="ctr"/>
+            <a:endParaRPr lang="en-US"/>
+          </a:p>
+        </p:txBody>
+      </p:sp>
+      <p:sp>
+        <p:nvSpPr>
+          <p:cNvPr id="12" name="Right Triangle 11">
+            <a:extLst>
+              <a:ext uri="{FF2B5EF4-FFF2-40B4-BE49-F238E27FC236}">
+                <a16:creationId xmlns:a16="http://schemas.microsoft.com/office/drawing/2014/main" id="{5298780A-33B9-4EA2-8F67-DE68AD62841B}"/>
+              </a:ext>
+              <a:ext uri="{C183D7F6-B498-43B3-948B-1728B52AA6E4}">
+                <adec:decorative xmlns:adec="http://schemas.microsoft.com/office/drawing/2017/decorative" val="1"/>
+              </a:ext>
+            </a:extLst>
+          </p:cNvPr>
+          <p:cNvSpPr>
+            <a:spLocks noGrp="1" noRot="1" noChangeAspect="1" noMove="1" noResize="1" noEditPoints="1" noAdjustHandles="1" noChangeArrowheads="1" noChangeShapeType="1" noTextEdit="1"/>
+          </p:cNvSpPr>
+          <p:nvPr>
+            <p:extLst>
+              <p:ext uri="{386F3935-93C4-4BCD-93E2-E3B085C9AB24}">
+                <p16:designElem xmlns:p16="http://schemas.microsoft.com/office/powerpoint/2015/main" val="1"/>
+              </p:ext>
+            </p:extLst>
+          </p:nvPr>
+        </p:nvSpPr>
+        <p:spPr>
+          <a:xfrm flipH="1">
+            <a:off x="8576720" y="3335867"/>
+            <a:ext cx="3291840" cy="3200400"/>
+          </a:xfrm>
+          <a:prstGeom prst="rtTriangle">
+            <a:avLst/>
+          </a:prstGeom>
+          <a:solidFill>
+            <a:schemeClr val="accent4"/>
+          </a:solidFill>
+          <a:ln>
+            <a:noFill/>
+          </a:ln>
+        </p:spPr>
+        <p:style>
+          <a:lnRef idx="2">
+            <a:schemeClr val="accent1">
+              <a:shade val="50000"/>
+            </a:schemeClr>
+          </a:lnRef>
+          <a:fillRef idx="1">
+            <a:schemeClr val="accent1"/>
+          </a:fillRef>
+          <a:effectRef idx="0">
+            <a:schemeClr val="accent1"/>
+          </a:effectRef>
+          <a:fontRef idx="minor">
+            <a:schemeClr val="lt1"/>
+          </a:fontRef>
+        </p:style>
+        <p:txBody>
+          <a:bodyPr rtlCol="0" anchor="ctr"/>
+          <a:lstStyle/>
+          <a:p>
+            <a:pPr algn="ctr"/>
+            <a:endParaRPr lang="en-US" dirty="0"/>
+          </a:p>
+        </p:txBody>
+      </p:sp>
+      <p:sp>
+        <p:nvSpPr>
+          <p:cNvPr id="14" name="Rectangle 13">
+            <a:extLst>
+              <a:ext uri="{FF2B5EF4-FFF2-40B4-BE49-F238E27FC236}">
+                <a16:creationId xmlns:a16="http://schemas.microsoft.com/office/drawing/2014/main" id="{7F488E8B-4E1E-4402-8935-D4E6C02615C7}"/>
+              </a:ext>
+              <a:ext uri="{C183D7F6-B498-43B3-948B-1728B52AA6E4}">
+                <adec:decorative xmlns:adec="http://schemas.microsoft.com/office/drawing/2017/decorative" val="1"/>
+              </a:ext>
+            </a:extLst>
+          </p:cNvPr>
+          <p:cNvSpPr>
+            <a:spLocks noGrp="1" noRot="1" noChangeAspect="1" noMove="1" noResize="1" noEditPoints="1" noAdjustHandles="1" noChangeArrowheads="1" noChangeShapeType="1" noTextEdit="1"/>
+          </p:cNvSpPr>
+          <p:nvPr>
+            <p:extLst>
+              <p:ext uri="{386F3935-93C4-4BCD-93E2-E3B085C9AB24}">
+                <p16:designElem xmlns:p16="http://schemas.microsoft.com/office/powerpoint/2015/main" val="1"/>
+              </p:ext>
+            </p:extLst>
+          </p:nvPr>
+        </p:nvSpPr>
+        <p:spPr>
+          <a:xfrm>
+            <a:off x="641774" y="623275"/>
+            <a:ext cx="10905053" cy="5607882"/>
+          </a:xfrm>
+          <a:prstGeom prst="rect">
+            <a:avLst/>
+          </a:prstGeom>
+          <a:noFill/>
+          <a:ln w="19050">
+            <a:noFill/>
+          </a:ln>
+        </p:spPr>
+        <p:style>
+          <a:lnRef idx="2">
+            <a:schemeClr val="accent1">
+              <a:shade val="50000"/>
+            </a:schemeClr>
+          </a:lnRef>
+          <a:fillRef idx="1">
+            <a:schemeClr val="accent1"/>
+          </a:fillRef>
+          <a:effectRef idx="0">
+            <a:schemeClr val="accent1"/>
+          </a:effectRef>
+          <a:fontRef idx="minor">
+            <a:schemeClr val="lt1"/>
+          </a:fontRef>
+        </p:style>
+        <p:txBody>
+          <a:bodyPr rtlCol="0" anchor="ctr"/>
+          <a:lstStyle/>
+          <a:p>
+            <a:pPr algn="ctr"/>
+            <a:endParaRPr lang="en-US"/>
+          </a:p>
+        </p:txBody>
+      </p:sp>
       <p:sp>
         <p:nvSpPr>
           <p:cNvPr id="2" name="Title 1">
@@ -6469,19 +11196,82 @@
             <p:ph type="title"/>
           </p:nvPr>
         </p:nvSpPr>
-        <p:spPr/>
+        <p:spPr>
+          <a:xfrm>
+            <a:off x="1006900" y="1188637"/>
+            <a:ext cx="3141430" cy="4480726"/>
+          </a:xfrm>
+        </p:spPr>
         <p:txBody>
-          <a:bodyPr/>
+          <a:bodyPr>
+            <a:normAutofit/>
+          </a:bodyPr>
           <a:lstStyle/>
           <a:p>
+            <a:pPr algn="r"/>
             <a:r>
-              <a:rPr lang="hr-HR" dirty="0"/>
+              <a:rPr lang="hr-HR" sz="6600"/>
               <a:t>What is the goal of this project</a:t>
             </a:r>
-            <a:endParaRPr lang="en-US" dirty="0"/>
+            <a:endParaRPr lang="en-US" sz="6600"/>
           </a:p>
         </p:txBody>
       </p:sp>
+      <p:cxnSp>
+        <p:nvCxnSpPr>
+          <p:cNvPr id="16" name="Straight Connector 15">
+            <a:extLst>
+              <a:ext uri="{FF2B5EF4-FFF2-40B4-BE49-F238E27FC236}">
+                <a16:creationId xmlns:a16="http://schemas.microsoft.com/office/drawing/2014/main" id="{23AAC9B5-8015-485C-ACF9-A750390E9A56}"/>
+              </a:ext>
+              <a:ext uri="{C183D7F6-B498-43B3-948B-1728B52AA6E4}">
+                <adec:decorative xmlns:adec="http://schemas.microsoft.com/office/drawing/2017/decorative" val="1"/>
+              </a:ext>
+            </a:extLst>
+          </p:cNvPr>
+          <p:cNvCxnSpPr>
+            <a:cxnSpLocks noGrp="1" noRot="1" noChangeAspect="1" noMove="1" noResize="1" noEditPoints="1" noAdjustHandles="1" noChangeArrowheads="1" noChangeShapeType="1"/>
+          </p:cNvCxnSpPr>
+          <p:nvPr>
+            <p:extLst>
+              <p:ext uri="{386F3935-93C4-4BCD-93E2-E3B085C9AB24}">
+                <p16:designElem xmlns:p16="http://schemas.microsoft.com/office/powerpoint/2015/main" val="1"/>
+              </p:ext>
+            </p:extLst>
+          </p:nvPr>
+        </p:nvCxnSpPr>
+        <p:spPr>
+          <a:xfrm>
+            <a:off x="4654296" y="1852863"/>
+            <a:ext cx="0" cy="3236495"/>
+          </a:xfrm>
+          <a:prstGeom prst="line">
+            <a:avLst/>
+          </a:prstGeom>
+          <a:ln w="19050" cap="sq">
+            <a:solidFill>
+              <a:schemeClr val="tx1">
+                <a:lumMod val="75000"/>
+                <a:lumOff val="25000"/>
+              </a:schemeClr>
+            </a:solidFill>
+          </a:ln>
+        </p:spPr>
+        <p:style>
+          <a:lnRef idx="1">
+            <a:schemeClr val="accent1"/>
+          </a:lnRef>
+          <a:fillRef idx="0">
+            <a:schemeClr val="accent1"/>
+          </a:fillRef>
+          <a:effectRef idx="0">
+            <a:schemeClr val="accent1"/>
+          </a:effectRef>
+          <a:fontRef idx="minor">
+            <a:schemeClr val="tx1"/>
+          </a:fontRef>
+        </p:style>
+      </p:cxnSp>
       <p:sp>
         <p:nvSpPr>
           <p:cNvPr id="3" name="Content Placeholder 2">
@@ -6498,24 +11288,31 @@
             <p:ph idx="1"/>
           </p:nvPr>
         </p:nvSpPr>
-        <p:spPr/>
+        <p:spPr>
+          <a:xfrm>
+            <a:off x="5138928" y="1338729"/>
+            <a:ext cx="4795584" cy="4180542"/>
+          </a:xfrm>
+        </p:spPr>
         <p:txBody>
-          <a:bodyPr/>
+          <a:bodyPr anchor="ctr">
+            <a:normAutofit/>
+          </a:bodyPr>
           <a:lstStyle/>
           <a:p>
             <a:r>
-              <a:rPr lang="hr-HR" dirty="0"/>
+              <a:rPr lang="hr-HR" sz="2400" dirty="0"/>
               <a:t>To show the causal impact of Elon Musk purchasing Twitter on the Tesla stock.</a:t>
             </a:r>
           </a:p>
           <a:p>
             <a:r>
-              <a:rPr lang="hr-HR" dirty="0"/>
+              <a:rPr lang="hr-HR" sz="2400" dirty="0"/>
               <a:t>Using the Causal impact package.</a:t>
             </a:r>
           </a:p>
           <a:p>
-            <a:endParaRPr lang="en-US" dirty="0"/>
+            <a:endParaRPr lang="en-US" sz="2400" dirty="0"/>
           </a:p>
         </p:txBody>
       </p:sp>
@@ -6535,6 +11332,14 @@
 <file path=ppt/slides/slide4.xml><?xml version="1.0" encoding="utf-8"?>
 <p:sld xmlns:a="http://schemas.openxmlformats.org/drawingml/2006/main" xmlns:r="http://schemas.openxmlformats.org/officeDocument/2006/relationships" xmlns:p="http://schemas.openxmlformats.org/presentationml/2006/main">
   <p:cSld>
+    <p:bg>
+      <p:bgPr>
+        <a:solidFill>
+          <a:schemeClr val="bg1"/>
+        </a:solidFill>
+        <a:effectLst/>
+      </p:bgPr>
+    </p:bg>
     <p:spTree>
       <p:nvGrpSpPr>
         <p:cNvPr id="1" name=""/>
@@ -6549,6 +11354,382 @@
           <a:chExt cx="0" cy="0"/>
         </a:xfrm>
       </p:grpSpPr>
+      <p:sp useBgFill="1">
+        <p:nvSpPr>
+          <p:cNvPr id="8" name="Rectangle 7">
+            <a:extLst>
+              <a:ext uri="{FF2B5EF4-FFF2-40B4-BE49-F238E27FC236}">
+                <a16:creationId xmlns:a16="http://schemas.microsoft.com/office/drawing/2014/main" id="{081EA652-8C6A-4E69-BEB9-170809474553}"/>
+              </a:ext>
+              <a:ext uri="{C183D7F6-B498-43B3-948B-1728B52AA6E4}">
+                <adec:decorative xmlns:adec="http://schemas.microsoft.com/office/drawing/2017/decorative" val="1"/>
+              </a:ext>
+            </a:extLst>
+          </p:cNvPr>
+          <p:cNvSpPr>
+            <a:spLocks noGrp="1" noRot="1" noChangeAspect="1" noMove="1" noResize="1" noEditPoints="1" noAdjustHandles="1" noChangeArrowheads="1" noChangeShapeType="1" noTextEdit="1"/>
+          </p:cNvSpPr>
+          <p:nvPr>
+            <p:extLst>
+              <p:ext uri="{386F3935-93C4-4BCD-93E2-E3B085C9AB24}">
+                <p16:designElem xmlns:p16="http://schemas.microsoft.com/office/powerpoint/2015/main" val="1"/>
+              </p:ext>
+            </p:extLst>
+          </p:nvPr>
+        </p:nvSpPr>
+        <p:spPr>
+          <a:xfrm>
+            <a:off x="0" y="0"/>
+            <a:ext cx="12192000" cy="6858000"/>
+          </a:xfrm>
+          <a:prstGeom prst="rect">
+            <a:avLst/>
+          </a:prstGeom>
+          <a:ln>
+            <a:noFill/>
+          </a:ln>
+        </p:spPr>
+        <p:style>
+          <a:lnRef idx="2">
+            <a:schemeClr val="accent1">
+              <a:shade val="50000"/>
+            </a:schemeClr>
+          </a:lnRef>
+          <a:fillRef idx="1">
+            <a:schemeClr val="accent1"/>
+          </a:fillRef>
+          <a:effectRef idx="0">
+            <a:schemeClr val="accent1"/>
+          </a:effectRef>
+          <a:fontRef idx="minor">
+            <a:schemeClr val="lt1"/>
+          </a:fontRef>
+        </p:style>
+        <p:txBody>
+          <a:bodyPr rtlCol="0" anchor="ctr"/>
+          <a:lstStyle/>
+          <a:p>
+            <a:pPr algn="ctr"/>
+            <a:endParaRPr lang="en-US"/>
+          </a:p>
+        </p:txBody>
+      </p:sp>
+      <p:sp>
+        <p:nvSpPr>
+          <p:cNvPr id="10" name="Freeform: Shape 9">
+            <a:extLst>
+              <a:ext uri="{FF2B5EF4-FFF2-40B4-BE49-F238E27FC236}">
+                <a16:creationId xmlns:a16="http://schemas.microsoft.com/office/drawing/2014/main" id="{A4026A73-1F7F-49F2-B319-8CA3B3D53269}"/>
+              </a:ext>
+              <a:ext uri="{C183D7F6-B498-43B3-948B-1728B52AA6E4}">
+                <adec:decorative xmlns:adec="http://schemas.microsoft.com/office/drawing/2017/decorative" val="1"/>
+              </a:ext>
+            </a:extLst>
+          </p:cNvPr>
+          <p:cNvSpPr>
+            <a:spLocks noGrp="1" noRot="1" noChangeAspect="1" noMove="1" noResize="1" noEditPoints="1" noAdjustHandles="1" noChangeArrowheads="1" noChangeShapeType="1" noTextEdit="1"/>
+          </p:cNvSpPr>
+          <p:nvPr>
+            <p:extLst>
+              <p:ext uri="{386F3935-93C4-4BCD-93E2-E3B085C9AB24}">
+                <p16:designElem xmlns:p16="http://schemas.microsoft.com/office/powerpoint/2015/main" val="1"/>
+              </p:ext>
+            </p:extLst>
+          </p:nvPr>
+        </p:nvSpPr>
+        <p:spPr>
+          <a:xfrm>
+            <a:off x="321732" y="321733"/>
+            <a:ext cx="11546828" cy="6214534"/>
+          </a:xfrm>
+          <a:custGeom>
+            <a:avLst/>
+            <a:gdLst>
+              <a:gd name="connsiteX0" fmla="*/ 0 w 11546828"/>
+              <a:gd name="connsiteY0" fmla="*/ 0 h 6214534"/>
+              <a:gd name="connsiteX1" fmla="*/ 7965430 w 11546828"/>
+              <a:gd name="connsiteY1" fmla="*/ 0 h 6214534"/>
+              <a:gd name="connsiteX2" fmla="*/ 7965430 w 11546828"/>
+              <a:gd name="connsiteY2" fmla="*/ 1786 h 6214534"/>
+              <a:gd name="connsiteX3" fmla="*/ 11546828 w 11546828"/>
+              <a:gd name="connsiteY3" fmla="*/ 1786 h 6214534"/>
+              <a:gd name="connsiteX4" fmla="*/ 11546828 w 11546828"/>
+              <a:gd name="connsiteY4" fmla="*/ 2866740 h 6214534"/>
+              <a:gd name="connsiteX5" fmla="*/ 11225095 w 11546828"/>
+              <a:gd name="connsiteY5" fmla="*/ 3179536 h 6214534"/>
+              <a:gd name="connsiteX6" fmla="*/ 11225095 w 11546828"/>
+              <a:gd name="connsiteY6" fmla="*/ 301542 h 6214534"/>
+              <a:gd name="connsiteX7" fmla="*/ 320042 w 11546828"/>
+              <a:gd name="connsiteY7" fmla="*/ 301542 h 6214534"/>
+              <a:gd name="connsiteX8" fmla="*/ 320042 w 11546828"/>
+              <a:gd name="connsiteY8" fmla="*/ 5909424 h 6214534"/>
+              <a:gd name="connsiteX9" fmla="*/ 8417210 w 11546828"/>
+              <a:gd name="connsiteY9" fmla="*/ 5909424 h 6214534"/>
+              <a:gd name="connsiteX10" fmla="*/ 8103383 w 11546828"/>
+              <a:gd name="connsiteY10" fmla="*/ 6214534 h 6214534"/>
+              <a:gd name="connsiteX11" fmla="*/ 7222929 w 11546828"/>
+              <a:gd name="connsiteY11" fmla="*/ 6214534 h 6214534"/>
+              <a:gd name="connsiteX12" fmla="*/ 7222929 w 11546828"/>
+              <a:gd name="connsiteY12" fmla="*/ 6212748 h 6214534"/>
+              <a:gd name="connsiteX13" fmla="*/ 0 w 11546828"/>
+              <a:gd name="connsiteY13" fmla="*/ 6212748 h 6214534"/>
+            </a:gdLst>
+            <a:ahLst/>
+            <a:cxnLst>
+              <a:cxn ang="0">
+                <a:pos x="connsiteX0" y="connsiteY0"/>
+              </a:cxn>
+              <a:cxn ang="0">
+                <a:pos x="connsiteX1" y="connsiteY1"/>
+              </a:cxn>
+              <a:cxn ang="0">
+                <a:pos x="connsiteX2" y="connsiteY2"/>
+              </a:cxn>
+              <a:cxn ang="0">
+                <a:pos x="connsiteX3" y="connsiteY3"/>
+              </a:cxn>
+              <a:cxn ang="0">
+                <a:pos x="connsiteX4" y="connsiteY4"/>
+              </a:cxn>
+              <a:cxn ang="0">
+                <a:pos x="connsiteX5" y="connsiteY5"/>
+              </a:cxn>
+              <a:cxn ang="0">
+                <a:pos x="connsiteX6" y="connsiteY6"/>
+              </a:cxn>
+              <a:cxn ang="0">
+                <a:pos x="connsiteX7" y="connsiteY7"/>
+              </a:cxn>
+              <a:cxn ang="0">
+                <a:pos x="connsiteX8" y="connsiteY8"/>
+              </a:cxn>
+              <a:cxn ang="0">
+                <a:pos x="connsiteX9" y="connsiteY9"/>
+              </a:cxn>
+              <a:cxn ang="0">
+                <a:pos x="connsiteX10" y="connsiteY10"/>
+              </a:cxn>
+              <a:cxn ang="0">
+                <a:pos x="connsiteX11" y="connsiteY11"/>
+              </a:cxn>
+              <a:cxn ang="0">
+                <a:pos x="connsiteX12" y="connsiteY12"/>
+              </a:cxn>
+              <a:cxn ang="0">
+                <a:pos x="connsiteX13" y="connsiteY13"/>
+              </a:cxn>
+            </a:cxnLst>
+            <a:rect l="l" t="t" r="r" b="b"/>
+            <a:pathLst>
+              <a:path w="11546828" h="6214534">
+                <a:moveTo>
+                  <a:pt x="0" y="0"/>
+                </a:moveTo>
+                <a:lnTo>
+                  <a:pt x="7965430" y="0"/>
+                </a:lnTo>
+                <a:lnTo>
+                  <a:pt x="7965430" y="1786"/>
+                </a:lnTo>
+                <a:lnTo>
+                  <a:pt x="11546828" y="1786"/>
+                </a:lnTo>
+                <a:lnTo>
+                  <a:pt x="11546828" y="2866740"/>
+                </a:lnTo>
+                <a:lnTo>
+                  <a:pt x="11225095" y="3179536"/>
+                </a:lnTo>
+                <a:lnTo>
+                  <a:pt x="11225095" y="301542"/>
+                </a:lnTo>
+                <a:lnTo>
+                  <a:pt x="320042" y="301542"/>
+                </a:lnTo>
+                <a:lnTo>
+                  <a:pt x="320042" y="5909424"/>
+                </a:lnTo>
+                <a:lnTo>
+                  <a:pt x="8417210" y="5909424"/>
+                </a:lnTo>
+                <a:lnTo>
+                  <a:pt x="8103383" y="6214534"/>
+                </a:lnTo>
+                <a:lnTo>
+                  <a:pt x="7222929" y="6214534"/>
+                </a:lnTo>
+                <a:lnTo>
+                  <a:pt x="7222929" y="6212748"/>
+                </a:lnTo>
+                <a:lnTo>
+                  <a:pt x="0" y="6212748"/>
+                </a:lnTo>
+                <a:close/>
+              </a:path>
+            </a:pathLst>
+          </a:custGeom>
+          <a:solidFill>
+            <a:schemeClr val="tx1">
+              <a:lumMod val="50000"/>
+              <a:lumOff val="50000"/>
+              <a:alpha val="25000"/>
+            </a:schemeClr>
+          </a:solidFill>
+          <a:ln>
+            <a:noFill/>
+          </a:ln>
+        </p:spPr>
+        <p:style>
+          <a:lnRef idx="2">
+            <a:schemeClr val="accent1">
+              <a:shade val="50000"/>
+            </a:schemeClr>
+          </a:lnRef>
+          <a:fillRef idx="1">
+            <a:schemeClr val="accent1"/>
+          </a:fillRef>
+          <a:effectRef idx="0">
+            <a:schemeClr val="accent1"/>
+          </a:effectRef>
+          <a:fontRef idx="minor">
+            <a:schemeClr val="lt1"/>
+          </a:fontRef>
+        </p:style>
+        <p:txBody>
+          <a:bodyPr wrap="square" rtlCol="0" anchor="ctr">
+            <a:noAutofit/>
+          </a:bodyPr>
+          <a:lstStyle/>
+          <a:p>
+            <a:pPr algn="ctr"/>
+            <a:endParaRPr lang="en-US"/>
+          </a:p>
+        </p:txBody>
+      </p:sp>
+      <p:sp>
+        <p:nvSpPr>
+          <p:cNvPr id="12" name="Right Triangle 11">
+            <a:extLst>
+              <a:ext uri="{FF2B5EF4-FFF2-40B4-BE49-F238E27FC236}">
+                <a16:creationId xmlns:a16="http://schemas.microsoft.com/office/drawing/2014/main" id="{5298780A-33B9-4EA2-8F67-DE68AD62841B}"/>
+              </a:ext>
+              <a:ext uri="{C183D7F6-B498-43B3-948B-1728B52AA6E4}">
+                <adec:decorative xmlns:adec="http://schemas.microsoft.com/office/drawing/2017/decorative" val="1"/>
+              </a:ext>
+            </a:extLst>
+          </p:cNvPr>
+          <p:cNvSpPr>
+            <a:spLocks noGrp="1" noRot="1" noChangeAspect="1" noMove="1" noResize="1" noEditPoints="1" noAdjustHandles="1" noChangeArrowheads="1" noChangeShapeType="1" noTextEdit="1"/>
+          </p:cNvSpPr>
+          <p:nvPr>
+            <p:extLst>
+              <p:ext uri="{386F3935-93C4-4BCD-93E2-E3B085C9AB24}">
+                <p16:designElem xmlns:p16="http://schemas.microsoft.com/office/powerpoint/2015/main" val="1"/>
+              </p:ext>
+            </p:extLst>
+          </p:nvPr>
+        </p:nvSpPr>
+        <p:spPr>
+          <a:xfrm flipH="1">
+            <a:off x="8576720" y="3335867"/>
+            <a:ext cx="3291840" cy="3200400"/>
+          </a:xfrm>
+          <a:prstGeom prst="rtTriangle">
+            <a:avLst/>
+          </a:prstGeom>
+          <a:solidFill>
+            <a:schemeClr val="accent4"/>
+          </a:solidFill>
+          <a:ln>
+            <a:noFill/>
+          </a:ln>
+        </p:spPr>
+        <p:style>
+          <a:lnRef idx="2">
+            <a:schemeClr val="accent1">
+              <a:shade val="50000"/>
+            </a:schemeClr>
+          </a:lnRef>
+          <a:fillRef idx="1">
+            <a:schemeClr val="accent1"/>
+          </a:fillRef>
+          <a:effectRef idx="0">
+            <a:schemeClr val="accent1"/>
+          </a:effectRef>
+          <a:fontRef idx="minor">
+            <a:schemeClr val="lt1"/>
+          </a:fontRef>
+        </p:style>
+        <p:txBody>
+          <a:bodyPr rtlCol="0" anchor="ctr"/>
+          <a:lstStyle/>
+          <a:p>
+            <a:pPr algn="ctr"/>
+            <a:endParaRPr lang="en-US" dirty="0"/>
+          </a:p>
+        </p:txBody>
+      </p:sp>
+      <p:sp>
+        <p:nvSpPr>
+          <p:cNvPr id="14" name="Rectangle 13">
+            <a:extLst>
+              <a:ext uri="{FF2B5EF4-FFF2-40B4-BE49-F238E27FC236}">
+                <a16:creationId xmlns:a16="http://schemas.microsoft.com/office/drawing/2014/main" id="{7F488E8B-4E1E-4402-8935-D4E6C02615C7}"/>
+              </a:ext>
+              <a:ext uri="{C183D7F6-B498-43B3-948B-1728B52AA6E4}">
+                <adec:decorative xmlns:adec="http://schemas.microsoft.com/office/drawing/2017/decorative" val="1"/>
+              </a:ext>
+            </a:extLst>
+          </p:cNvPr>
+          <p:cNvSpPr>
+            <a:spLocks noGrp="1" noRot="1" noChangeAspect="1" noMove="1" noResize="1" noEditPoints="1" noAdjustHandles="1" noChangeArrowheads="1" noChangeShapeType="1" noTextEdit="1"/>
+          </p:cNvSpPr>
+          <p:nvPr>
+            <p:extLst>
+              <p:ext uri="{386F3935-93C4-4BCD-93E2-E3B085C9AB24}">
+                <p16:designElem xmlns:p16="http://schemas.microsoft.com/office/powerpoint/2015/main" val="1"/>
+              </p:ext>
+            </p:extLst>
+          </p:nvPr>
+        </p:nvSpPr>
+        <p:spPr>
+          <a:xfrm>
+            <a:off x="641774" y="623275"/>
+            <a:ext cx="10905053" cy="5607882"/>
+          </a:xfrm>
+          <a:prstGeom prst="rect">
+            <a:avLst/>
+          </a:prstGeom>
+          <a:noFill/>
+          <a:ln w="19050">
+            <a:noFill/>
+          </a:ln>
+        </p:spPr>
+        <p:style>
+          <a:lnRef idx="2">
+            <a:schemeClr val="accent1">
+              <a:shade val="50000"/>
+            </a:schemeClr>
+          </a:lnRef>
+          <a:fillRef idx="1">
+            <a:schemeClr val="accent1"/>
+          </a:fillRef>
+          <a:effectRef idx="0">
+            <a:schemeClr val="accent1"/>
+          </a:effectRef>
+          <a:fontRef idx="minor">
+            <a:schemeClr val="lt1"/>
+          </a:fontRef>
+        </p:style>
+        <p:txBody>
+          <a:bodyPr rtlCol="0" anchor="ctr"/>
+          <a:lstStyle/>
+          <a:p>
+            <a:pPr algn="ctr"/>
+            <a:endParaRPr lang="en-US"/>
+          </a:p>
+        </p:txBody>
+      </p:sp>
       <p:sp>
         <p:nvSpPr>
           <p:cNvPr id="2" name="Title 1">
@@ -6565,19 +11746,82 @@
             <p:ph type="title"/>
           </p:nvPr>
         </p:nvSpPr>
-        <p:spPr/>
+        <p:spPr>
+          <a:xfrm>
+            <a:off x="1006900" y="1188637"/>
+            <a:ext cx="3141430" cy="4480726"/>
+          </a:xfrm>
+        </p:spPr>
         <p:txBody>
-          <a:bodyPr/>
+          <a:bodyPr>
+            <a:normAutofit/>
+          </a:bodyPr>
           <a:lstStyle/>
           <a:p>
+            <a:pPr algn="r"/>
             <a:r>
-              <a:rPr lang="hr-HR" dirty="0"/>
+              <a:rPr lang="hr-HR" sz="6600"/>
               <a:t>What is causal impact?</a:t>
             </a:r>
-            <a:endParaRPr lang="en-US" dirty="0"/>
+            <a:endParaRPr lang="en-US" sz="6600"/>
           </a:p>
         </p:txBody>
       </p:sp>
+      <p:cxnSp>
+        <p:nvCxnSpPr>
+          <p:cNvPr id="16" name="Straight Connector 15">
+            <a:extLst>
+              <a:ext uri="{FF2B5EF4-FFF2-40B4-BE49-F238E27FC236}">
+                <a16:creationId xmlns:a16="http://schemas.microsoft.com/office/drawing/2014/main" id="{23AAC9B5-8015-485C-ACF9-A750390E9A56}"/>
+              </a:ext>
+              <a:ext uri="{C183D7F6-B498-43B3-948B-1728B52AA6E4}">
+                <adec:decorative xmlns:adec="http://schemas.microsoft.com/office/drawing/2017/decorative" val="1"/>
+              </a:ext>
+            </a:extLst>
+          </p:cNvPr>
+          <p:cNvCxnSpPr>
+            <a:cxnSpLocks noGrp="1" noRot="1" noChangeAspect="1" noMove="1" noResize="1" noEditPoints="1" noAdjustHandles="1" noChangeArrowheads="1" noChangeShapeType="1"/>
+          </p:cNvCxnSpPr>
+          <p:nvPr>
+            <p:extLst>
+              <p:ext uri="{386F3935-93C4-4BCD-93E2-E3B085C9AB24}">
+                <p16:designElem xmlns:p16="http://schemas.microsoft.com/office/powerpoint/2015/main" val="1"/>
+              </p:ext>
+            </p:extLst>
+          </p:nvPr>
+        </p:nvCxnSpPr>
+        <p:spPr>
+          <a:xfrm>
+            <a:off x="4654296" y="1852863"/>
+            <a:ext cx="0" cy="3236495"/>
+          </a:xfrm>
+          <a:prstGeom prst="line">
+            <a:avLst/>
+          </a:prstGeom>
+          <a:ln w="19050" cap="sq">
+            <a:solidFill>
+              <a:schemeClr val="tx1">
+                <a:lumMod val="75000"/>
+                <a:lumOff val="25000"/>
+              </a:schemeClr>
+            </a:solidFill>
+          </a:ln>
+        </p:spPr>
+        <p:style>
+          <a:lnRef idx="1">
+            <a:schemeClr val="accent1"/>
+          </a:lnRef>
+          <a:fillRef idx="0">
+            <a:schemeClr val="accent1"/>
+          </a:fillRef>
+          <a:effectRef idx="0">
+            <a:schemeClr val="accent1"/>
+          </a:effectRef>
+          <a:fontRef idx="minor">
+            <a:schemeClr val="tx1"/>
+          </a:fontRef>
+        </p:style>
+      </p:cxnSp>
       <p:sp>
         <p:nvSpPr>
           <p:cNvPr id="3" name="Content Placeholder 2">
@@ -6594,34 +11838,41 @@
             <p:ph idx="1"/>
           </p:nvPr>
         </p:nvSpPr>
-        <p:spPr/>
+        <p:spPr>
+          <a:xfrm>
+            <a:off x="5138928" y="1338729"/>
+            <a:ext cx="4795584" cy="4180542"/>
+          </a:xfrm>
+        </p:spPr>
         <p:txBody>
-          <a:bodyPr/>
+          <a:bodyPr anchor="ctr">
+            <a:normAutofit/>
+          </a:bodyPr>
           <a:lstStyle/>
           <a:p>
             <a:r>
-              <a:rPr lang="hr-HR" dirty="0"/>
+              <a:rPr lang="hr-HR" sz="2400"/>
               <a:t>Made by Google</a:t>
             </a:r>
           </a:p>
           <a:p>
             <a:r>
-              <a:rPr lang="hr-HR" dirty="0"/>
+              <a:rPr lang="hr-HR" sz="2400"/>
               <a:t>Used to create a Bayesian structural time series model</a:t>
             </a:r>
           </a:p>
           <a:p>
             <a:r>
-              <a:rPr lang="hr-HR" dirty="0"/>
+              <a:rPr lang="hr-HR" sz="2400"/>
               <a:t>Based on one or multiple control groups.</a:t>
             </a:r>
           </a:p>
           <a:p>
             <a:r>
-              <a:rPr lang="hr-HR" dirty="0"/>
+              <a:rPr lang="hr-HR" sz="2400"/>
               <a:t>Used to estimate how an intervention affects a time series.</a:t>
             </a:r>
-            <a:endParaRPr lang="en-US" dirty="0"/>
+            <a:endParaRPr lang="en-US" sz="2400"/>
           </a:p>
         </p:txBody>
       </p:sp>
@@ -6641,6 +11892,14 @@
 <file path=ppt/slides/slide5.xml><?xml version="1.0" encoding="utf-8"?>
 <p:sld xmlns:a="http://schemas.openxmlformats.org/drawingml/2006/main" xmlns:r="http://schemas.openxmlformats.org/officeDocument/2006/relationships" xmlns:p="http://schemas.openxmlformats.org/presentationml/2006/main">
   <p:cSld>
+    <p:bg>
+      <p:bgPr>
+        <a:solidFill>
+          <a:schemeClr val="bg1"/>
+        </a:solidFill>
+        <a:effectLst/>
+      </p:bgPr>
+    </p:bg>
     <p:spTree>
       <p:nvGrpSpPr>
         <p:cNvPr id="1" name=""/>
@@ -6655,6 +11914,66 @@
           <a:chExt cx="0" cy="0"/>
         </a:xfrm>
       </p:grpSpPr>
+      <p:sp useBgFill="1">
+        <p:nvSpPr>
+          <p:cNvPr id="9" name="Rectangle 8">
+            <a:extLst>
+              <a:ext uri="{FF2B5EF4-FFF2-40B4-BE49-F238E27FC236}">
+                <a16:creationId xmlns:a16="http://schemas.microsoft.com/office/drawing/2014/main" id="{081EA652-8C6A-4E69-BEB9-170809474553}"/>
+              </a:ext>
+              <a:ext uri="{C183D7F6-B498-43B3-948B-1728B52AA6E4}">
+                <adec:decorative xmlns:adec="http://schemas.microsoft.com/office/drawing/2017/decorative" val="1"/>
+              </a:ext>
+            </a:extLst>
+          </p:cNvPr>
+          <p:cNvSpPr>
+            <a:spLocks noGrp="1" noRot="1" noChangeAspect="1" noMove="1" noResize="1" noEditPoints="1" noAdjustHandles="1" noChangeArrowheads="1" noChangeShapeType="1" noTextEdit="1"/>
+          </p:cNvSpPr>
+          <p:nvPr>
+            <p:extLst>
+              <p:ext uri="{386F3935-93C4-4BCD-93E2-E3B085C9AB24}">
+                <p16:designElem xmlns:p16="http://schemas.microsoft.com/office/powerpoint/2015/main" val="1"/>
+              </p:ext>
+            </p:extLst>
+          </p:nvPr>
+        </p:nvSpPr>
+        <p:spPr>
+          <a:xfrm>
+            <a:off x="0" y="0"/>
+            <a:ext cx="12192000" cy="6858000"/>
+          </a:xfrm>
+          <a:prstGeom prst="rect">
+            <a:avLst/>
+          </a:prstGeom>
+          <a:ln>
+            <a:noFill/>
+          </a:ln>
+        </p:spPr>
+        <p:style>
+          <a:lnRef idx="2">
+            <a:schemeClr val="accent1">
+              <a:shade val="50000"/>
+            </a:schemeClr>
+          </a:lnRef>
+          <a:fillRef idx="1">
+            <a:schemeClr val="accent1"/>
+          </a:fillRef>
+          <a:effectRef idx="0">
+            <a:schemeClr val="accent1"/>
+          </a:effectRef>
+          <a:fontRef idx="minor">
+            <a:schemeClr val="lt1"/>
+          </a:fontRef>
+        </p:style>
+        <p:txBody>
+          <a:bodyPr rtlCol="0" anchor="ctr"/>
+          <a:lstStyle/>
+          <a:p>
+            <a:pPr algn="ctr"/>
+            <a:endParaRPr lang="en-US"/>
+          </a:p>
+        </p:txBody>
+      </p:sp>
       <p:sp>
         <p:nvSpPr>
           <p:cNvPr id="2" name="Title 1">
@@ -6671,72 +11990,379 @@
             <p:ph type="title"/>
           </p:nvPr>
         </p:nvSpPr>
-        <p:spPr/>
+        <p:spPr>
+          <a:xfrm>
+            <a:off x="1006900" y="1188637"/>
+            <a:ext cx="3060848" cy="4480726"/>
+          </a:xfrm>
+        </p:spPr>
         <p:txBody>
-          <a:bodyPr/>
+          <a:bodyPr>
+            <a:normAutofit/>
+          </a:bodyPr>
           <a:lstStyle/>
           <a:p>
+            <a:pPr algn="r"/>
             <a:r>
-              <a:rPr lang="hr-HR" dirty="0"/>
+              <a:rPr lang="hr-HR" sz="6100"/>
               <a:t>Packages and data sets</a:t>
             </a:r>
-            <a:endParaRPr lang="en-US" dirty="0"/>
+            <a:endParaRPr lang="en-US" sz="6100"/>
           </a:p>
         </p:txBody>
       </p:sp>
       <p:sp>
         <p:nvSpPr>
-          <p:cNvPr id="3" name="Content Placeholder 2">
+          <p:cNvPr id="11" name="Freeform: Shape 10">
             <a:extLst>
               <a:ext uri="{FF2B5EF4-FFF2-40B4-BE49-F238E27FC236}">
-                <a16:creationId xmlns:a16="http://schemas.microsoft.com/office/drawing/2014/main" id="{2F4C3FAC-9F81-84CE-BE51-9F7D1CB04AF8}"/>
+                <a16:creationId xmlns:a16="http://schemas.microsoft.com/office/drawing/2014/main" id="{79FCBE05-E963-41B2-97FD-8631A61EB2A9}"/>
+              </a:ext>
+              <a:ext uri="{C183D7F6-B498-43B3-948B-1728B52AA6E4}">
+                <adec:decorative xmlns:adec="http://schemas.microsoft.com/office/drawing/2017/decorative" val="1"/>
               </a:ext>
             </a:extLst>
           </p:cNvPr>
           <p:cNvSpPr>
-            <a:spLocks noGrp="1"/>
+            <a:spLocks noGrp="1" noRot="1" noChangeAspect="1" noMove="1" noResize="1" noEditPoints="1" noAdjustHandles="1" noChangeArrowheads="1" noChangeShapeType="1" noTextEdit="1"/>
           </p:cNvSpPr>
           <p:nvPr>
-            <p:ph idx="1"/>
+            <p:extLst>
+              <p:ext uri="{386F3935-93C4-4BCD-93E2-E3B085C9AB24}">
+                <p16:designElem xmlns:p16="http://schemas.microsoft.com/office/powerpoint/2015/main" val="1"/>
+              </p:ext>
+            </p:extLst>
           </p:nvPr>
         </p:nvSpPr>
-        <p:spPr/>
+        <p:spPr>
+          <a:xfrm>
+            <a:off x="4651250" y="323519"/>
+            <a:ext cx="7217311" cy="6212748"/>
+          </a:xfrm>
+          <a:custGeom>
+            <a:avLst/>
+            <a:gdLst>
+              <a:gd name="connsiteX0" fmla="*/ 0 w 7217311"/>
+              <a:gd name="connsiteY0" fmla="*/ 0 h 6212748"/>
+              <a:gd name="connsiteX1" fmla="*/ 1121310 w 7217311"/>
+              <a:gd name="connsiteY1" fmla="*/ 0 h 6212748"/>
+              <a:gd name="connsiteX2" fmla="*/ 1837014 w 7217311"/>
+              <a:gd name="connsiteY2" fmla="*/ 0 h 6212748"/>
+              <a:gd name="connsiteX3" fmla="*/ 2893412 w 7217311"/>
+              <a:gd name="connsiteY3" fmla="*/ 0 h 6212748"/>
+              <a:gd name="connsiteX4" fmla="*/ 3635911 w 7217311"/>
+              <a:gd name="connsiteY4" fmla="*/ 0 h 6212748"/>
+              <a:gd name="connsiteX5" fmla="*/ 3635913 w 7217311"/>
+              <a:gd name="connsiteY5" fmla="*/ 0 h 6212748"/>
+              <a:gd name="connsiteX6" fmla="*/ 7217311 w 7217311"/>
+              <a:gd name="connsiteY6" fmla="*/ 0 h 6212748"/>
+              <a:gd name="connsiteX7" fmla="*/ 7217311 w 7217311"/>
+              <a:gd name="connsiteY7" fmla="*/ 2864954 h 6212748"/>
+              <a:gd name="connsiteX8" fmla="*/ 3773866 w 7217311"/>
+              <a:gd name="connsiteY8" fmla="*/ 6212748 h 6212748"/>
+              <a:gd name="connsiteX9" fmla="*/ 2893412 w 7217311"/>
+              <a:gd name="connsiteY9" fmla="*/ 6212748 h 6212748"/>
+              <a:gd name="connsiteX10" fmla="*/ 2893412 w 7217311"/>
+              <a:gd name="connsiteY10" fmla="*/ 6210962 h 6212748"/>
+              <a:gd name="connsiteX11" fmla="*/ 1837014 w 7217311"/>
+              <a:gd name="connsiteY11" fmla="*/ 6210962 h 6212748"/>
+              <a:gd name="connsiteX12" fmla="*/ 1837014 w 7217311"/>
+              <a:gd name="connsiteY12" fmla="*/ 6212748 h 6212748"/>
+              <a:gd name="connsiteX13" fmla="*/ 0 w 7217311"/>
+              <a:gd name="connsiteY13" fmla="*/ 6212748 h 6212748"/>
+            </a:gdLst>
+            <a:ahLst/>
+            <a:cxnLst>
+              <a:cxn ang="0">
+                <a:pos x="connsiteX0" y="connsiteY0"/>
+              </a:cxn>
+              <a:cxn ang="0">
+                <a:pos x="connsiteX1" y="connsiteY1"/>
+              </a:cxn>
+              <a:cxn ang="0">
+                <a:pos x="connsiteX2" y="connsiteY2"/>
+              </a:cxn>
+              <a:cxn ang="0">
+                <a:pos x="connsiteX3" y="connsiteY3"/>
+              </a:cxn>
+              <a:cxn ang="0">
+                <a:pos x="connsiteX4" y="connsiteY4"/>
+              </a:cxn>
+              <a:cxn ang="0">
+                <a:pos x="connsiteX5" y="connsiteY5"/>
+              </a:cxn>
+              <a:cxn ang="0">
+                <a:pos x="connsiteX6" y="connsiteY6"/>
+              </a:cxn>
+              <a:cxn ang="0">
+                <a:pos x="connsiteX7" y="connsiteY7"/>
+              </a:cxn>
+              <a:cxn ang="0">
+                <a:pos x="connsiteX8" y="connsiteY8"/>
+              </a:cxn>
+              <a:cxn ang="0">
+                <a:pos x="connsiteX9" y="connsiteY9"/>
+              </a:cxn>
+              <a:cxn ang="0">
+                <a:pos x="connsiteX10" y="connsiteY10"/>
+              </a:cxn>
+              <a:cxn ang="0">
+                <a:pos x="connsiteX11" y="connsiteY11"/>
+              </a:cxn>
+              <a:cxn ang="0">
+                <a:pos x="connsiteX12" y="connsiteY12"/>
+              </a:cxn>
+              <a:cxn ang="0">
+                <a:pos x="connsiteX13" y="connsiteY13"/>
+              </a:cxn>
+            </a:cxnLst>
+            <a:rect l="l" t="t" r="r" b="b"/>
+            <a:pathLst>
+              <a:path w="7217311" h="6212748">
+                <a:moveTo>
+                  <a:pt x="0" y="0"/>
+                </a:moveTo>
+                <a:lnTo>
+                  <a:pt x="1121310" y="0"/>
+                </a:lnTo>
+                <a:lnTo>
+                  <a:pt x="1837014" y="0"/>
+                </a:lnTo>
+                <a:lnTo>
+                  <a:pt x="2893412" y="0"/>
+                </a:lnTo>
+                <a:lnTo>
+                  <a:pt x="3635911" y="0"/>
+                </a:lnTo>
+                <a:lnTo>
+                  <a:pt x="3635913" y="0"/>
+                </a:lnTo>
+                <a:lnTo>
+                  <a:pt x="7217311" y="0"/>
+                </a:lnTo>
+                <a:lnTo>
+                  <a:pt x="7217311" y="2864954"/>
+                </a:lnTo>
+                <a:lnTo>
+                  <a:pt x="3773866" y="6212748"/>
+                </a:lnTo>
+                <a:lnTo>
+                  <a:pt x="2893412" y="6212748"/>
+                </a:lnTo>
+                <a:lnTo>
+                  <a:pt x="2893412" y="6210962"/>
+                </a:lnTo>
+                <a:lnTo>
+                  <a:pt x="1837014" y="6210962"/>
+                </a:lnTo>
+                <a:lnTo>
+                  <a:pt x="1837014" y="6212748"/>
+                </a:lnTo>
+                <a:lnTo>
+                  <a:pt x="0" y="6212748"/>
+                </a:lnTo>
+                <a:close/>
+              </a:path>
+            </a:pathLst>
+          </a:custGeom>
+          <a:solidFill>
+            <a:schemeClr val="tx1">
+              <a:lumMod val="50000"/>
+              <a:lumOff val="50000"/>
+              <a:alpha val="25000"/>
+            </a:schemeClr>
+          </a:solidFill>
+          <a:ln>
+            <a:noFill/>
+          </a:ln>
+        </p:spPr>
+        <p:style>
+          <a:lnRef idx="2">
+            <a:schemeClr val="accent1">
+              <a:shade val="50000"/>
+            </a:schemeClr>
+          </a:lnRef>
+          <a:fillRef idx="1">
+            <a:schemeClr val="accent1"/>
+          </a:fillRef>
+          <a:effectRef idx="0">
+            <a:schemeClr val="accent1"/>
+          </a:effectRef>
+          <a:fontRef idx="minor">
+            <a:schemeClr val="lt1"/>
+          </a:fontRef>
+        </p:style>
         <p:txBody>
-          <a:bodyPr/>
+          <a:bodyPr wrap="square" rtlCol="0" anchor="ctr">
+            <a:noAutofit/>
+          </a:bodyPr>
           <a:lstStyle/>
           <a:p>
-            <a:r>
-              <a:rPr lang="hr-HR" dirty="0"/>
-              <a:t>CausalImpact</a:t>
-            </a:r>
-          </a:p>
-          <a:p>
-            <a:r>
-              <a:rPr lang="hr-HR" dirty="0"/>
-              <a:t>Yfinance</a:t>
-            </a:r>
-          </a:p>
-          <a:p>
-            <a:r>
-              <a:rPr lang="hr-HR" dirty="0"/>
-              <a:t>Pandas</a:t>
-            </a:r>
-          </a:p>
-          <a:p>
-            <a:r>
-              <a:rPr lang="hr-HR" dirty="0"/>
-              <a:t>Seaborn</a:t>
-            </a:r>
-          </a:p>
-          <a:p>
-            <a:r>
-              <a:rPr lang="hr-HR" dirty="0"/>
-              <a:t>Matplotlib</a:t>
-            </a:r>
-            <a:endParaRPr lang="en-US" dirty="0"/>
+            <a:pPr algn="ctr"/>
+            <a:endParaRPr lang="en-US"/>
           </a:p>
         </p:txBody>
       </p:sp>
+      <p:sp>
+        <p:nvSpPr>
+          <p:cNvPr id="13" name="Right Triangle 12">
+            <a:extLst>
+              <a:ext uri="{FF2B5EF4-FFF2-40B4-BE49-F238E27FC236}">
+                <a16:creationId xmlns:a16="http://schemas.microsoft.com/office/drawing/2014/main" id="{5298780A-33B9-4EA2-8F67-DE68AD62841B}"/>
+              </a:ext>
+              <a:ext uri="{C183D7F6-B498-43B3-948B-1728B52AA6E4}">
+                <adec:decorative xmlns:adec="http://schemas.microsoft.com/office/drawing/2017/decorative" val="1"/>
+              </a:ext>
+            </a:extLst>
+          </p:cNvPr>
+          <p:cNvSpPr>
+            <a:spLocks noGrp="1" noRot="1" noChangeAspect="1" noMove="1" noResize="1" noEditPoints="1" noAdjustHandles="1" noChangeArrowheads="1" noChangeShapeType="1" noTextEdit="1"/>
+          </p:cNvSpPr>
+          <p:nvPr>
+            <p:extLst>
+              <p:ext uri="{386F3935-93C4-4BCD-93E2-E3B085C9AB24}">
+                <p16:designElem xmlns:p16="http://schemas.microsoft.com/office/powerpoint/2015/main" val="1"/>
+              </p:ext>
+            </p:extLst>
+          </p:nvPr>
+        </p:nvSpPr>
+        <p:spPr>
+          <a:xfrm flipH="1">
+            <a:off x="8576720" y="3335867"/>
+            <a:ext cx="3291840" cy="3200400"/>
+          </a:xfrm>
+          <a:prstGeom prst="rtTriangle">
+            <a:avLst/>
+          </a:prstGeom>
+          <a:solidFill>
+            <a:schemeClr val="accent4"/>
+          </a:solidFill>
+          <a:ln>
+            <a:noFill/>
+          </a:ln>
+        </p:spPr>
+        <p:style>
+          <a:lnRef idx="2">
+            <a:schemeClr val="accent1">
+              <a:shade val="50000"/>
+            </a:schemeClr>
+          </a:lnRef>
+          <a:fillRef idx="1">
+            <a:schemeClr val="accent1"/>
+          </a:fillRef>
+          <a:effectRef idx="0">
+            <a:schemeClr val="accent1"/>
+          </a:effectRef>
+          <a:fontRef idx="minor">
+            <a:schemeClr val="lt1"/>
+          </a:fontRef>
+        </p:style>
+        <p:txBody>
+          <a:bodyPr rtlCol="0" anchor="ctr"/>
+          <a:lstStyle/>
+          <a:p>
+            <a:pPr algn="ctr"/>
+            <a:endParaRPr lang="en-US" dirty="0"/>
+          </a:p>
+        </p:txBody>
+      </p:sp>
+      <p:sp>
+        <p:nvSpPr>
+          <p:cNvPr id="15" name="Rectangle 14">
+            <a:extLst>
+              <a:ext uri="{FF2B5EF4-FFF2-40B4-BE49-F238E27FC236}">
+                <a16:creationId xmlns:a16="http://schemas.microsoft.com/office/drawing/2014/main" id="{4D233ACE-F3A1-4543-B9F4-425DDA579332}"/>
+              </a:ext>
+              <a:ext uri="{C183D7F6-B498-43B3-948B-1728B52AA6E4}">
+                <adec:decorative xmlns:adec="http://schemas.microsoft.com/office/drawing/2017/decorative" val="1"/>
+              </a:ext>
+            </a:extLst>
+          </p:cNvPr>
+          <p:cNvSpPr>
+            <a:spLocks noGrp="1" noRot="1" noChangeAspect="1" noMove="1" noResize="1" noEditPoints="1" noAdjustHandles="1" noChangeArrowheads="1" noChangeShapeType="1" noTextEdit="1"/>
+          </p:cNvSpPr>
+          <p:nvPr>
+            <p:extLst>
+              <p:ext uri="{386F3935-93C4-4BCD-93E2-E3B085C9AB24}">
+                <p16:designElem xmlns:p16="http://schemas.microsoft.com/office/powerpoint/2015/main" val="1"/>
+              </p:ext>
+            </p:extLst>
+          </p:nvPr>
+        </p:nvSpPr>
+        <p:spPr>
+          <a:xfrm>
+            <a:off x="641774" y="623275"/>
+            <a:ext cx="10905053" cy="5607882"/>
+          </a:xfrm>
+          <a:prstGeom prst="rect">
+            <a:avLst/>
+          </a:prstGeom>
+          <a:noFill/>
+          <a:ln w="19050">
+            <a:solidFill>
+              <a:schemeClr val="tx1">
+                <a:lumMod val="75000"/>
+                <a:lumOff val="25000"/>
+              </a:schemeClr>
+            </a:solidFill>
+          </a:ln>
+        </p:spPr>
+        <p:style>
+          <a:lnRef idx="2">
+            <a:schemeClr val="accent1">
+              <a:shade val="50000"/>
+            </a:schemeClr>
+          </a:lnRef>
+          <a:fillRef idx="1">
+            <a:schemeClr val="accent1"/>
+          </a:fillRef>
+          <a:effectRef idx="0">
+            <a:schemeClr val="accent1"/>
+          </a:effectRef>
+          <a:fontRef idx="minor">
+            <a:schemeClr val="lt1"/>
+          </a:fontRef>
+        </p:style>
+        <p:txBody>
+          <a:bodyPr rtlCol="0" anchor="ctr"/>
+          <a:lstStyle/>
+          <a:p>
+            <a:pPr algn="ctr"/>
+            <a:endParaRPr lang="en-US"/>
+          </a:p>
+        </p:txBody>
+      </p:sp>
+      <p:graphicFrame>
+        <p:nvGraphicFramePr>
+          <p:cNvPr id="5" name="Content Placeholder 2">
+            <a:extLst>
+              <a:ext uri="{FF2B5EF4-FFF2-40B4-BE49-F238E27FC236}">
+                <a16:creationId xmlns:a16="http://schemas.microsoft.com/office/drawing/2014/main" id="{95B5AD56-E48D-3B39-A5E2-6948C1A66DDA}"/>
+              </a:ext>
+            </a:extLst>
+          </p:cNvPr>
+          <p:cNvGraphicFramePr>
+            <a:graphicFrameLocks noGrp="1"/>
+          </p:cNvGraphicFramePr>
+          <p:nvPr>
+            <p:ph idx="1"/>
+            <p:extLst>
+              <p:ext uri="{D42A27DB-BD31-4B8C-83A1-F6EECF244321}">
+                <p14:modId xmlns:p14="http://schemas.microsoft.com/office/powerpoint/2010/main" val="734352159"/>
+              </p:ext>
+            </p:extLst>
+          </p:nvPr>
+        </p:nvGraphicFramePr>
+        <p:xfrm>
+          <a:off x="5101143" y="1008993"/>
+          <a:ext cx="5077071" cy="4760871"/>
+        </p:xfrm>
+        <a:graphic>
+          <a:graphicData uri="http://schemas.openxmlformats.org/drawingml/2006/diagram">
+            <dgm:relIds xmlns:dgm="http://schemas.openxmlformats.org/drawingml/2006/diagram" xmlns:r="http://schemas.openxmlformats.org/officeDocument/2006/relationships" r:dm="rId2" r:lo="rId3" r:qs="rId4" r:cs="rId5"/>
+          </a:graphicData>
+        </a:graphic>
+      </p:graphicFrame>
     </p:spTree>
     <p:extLst>
       <p:ext uri="{BB962C8B-B14F-4D97-AF65-F5344CB8AC3E}">
@@ -6753,6 +12379,14 @@
 <file path=ppt/slides/slide6.xml><?xml version="1.0" encoding="utf-8"?>
 <p:sld xmlns:a="http://schemas.openxmlformats.org/drawingml/2006/main" xmlns:r="http://schemas.openxmlformats.org/officeDocument/2006/relationships" xmlns:p="http://schemas.openxmlformats.org/presentationml/2006/main">
   <p:cSld>
+    <p:bg>
+      <p:bgPr>
+        <a:solidFill>
+          <a:schemeClr val="bg1"/>
+        </a:solidFill>
+        <a:effectLst/>
+      </p:bgPr>
+    </p:bg>
     <p:spTree>
       <p:nvGrpSpPr>
         <p:cNvPr id="1" name=""/>
@@ -6767,6 +12401,195 @@
           <a:chExt cx="0" cy="0"/>
         </a:xfrm>
       </p:grpSpPr>
+      <p:sp useBgFill="1">
+        <p:nvSpPr>
+          <p:cNvPr id="18" name="Rectangle 7">
+            <a:extLst>
+              <a:ext uri="{FF2B5EF4-FFF2-40B4-BE49-F238E27FC236}">
+                <a16:creationId xmlns:a16="http://schemas.microsoft.com/office/drawing/2014/main" id="{081EA652-8C6A-4E69-BEB9-170809474553}"/>
+              </a:ext>
+              <a:ext uri="{C183D7F6-B498-43B3-948B-1728B52AA6E4}">
+                <adec:decorative xmlns:adec="http://schemas.microsoft.com/office/drawing/2017/decorative" val="1"/>
+              </a:ext>
+            </a:extLst>
+          </p:cNvPr>
+          <p:cNvSpPr>
+            <a:spLocks noGrp="1" noRot="1" noChangeAspect="1" noMove="1" noResize="1" noEditPoints="1" noAdjustHandles="1" noChangeArrowheads="1" noChangeShapeType="1" noTextEdit="1"/>
+          </p:cNvSpPr>
+          <p:nvPr>
+            <p:extLst>
+              <p:ext uri="{386F3935-93C4-4BCD-93E2-E3B085C9AB24}">
+                <p16:designElem xmlns:p16="http://schemas.microsoft.com/office/powerpoint/2015/main" val="1"/>
+              </p:ext>
+            </p:extLst>
+          </p:nvPr>
+        </p:nvSpPr>
+        <p:spPr>
+          <a:xfrm>
+            <a:off x="0" y="0"/>
+            <a:ext cx="12192000" cy="6858000"/>
+          </a:xfrm>
+          <a:prstGeom prst="rect">
+            <a:avLst/>
+          </a:prstGeom>
+          <a:ln>
+            <a:noFill/>
+          </a:ln>
+        </p:spPr>
+        <p:style>
+          <a:lnRef idx="2">
+            <a:schemeClr val="accent1">
+              <a:shade val="50000"/>
+            </a:schemeClr>
+          </a:lnRef>
+          <a:fillRef idx="1">
+            <a:schemeClr val="accent1"/>
+          </a:fillRef>
+          <a:effectRef idx="0">
+            <a:schemeClr val="accent1"/>
+          </a:effectRef>
+          <a:fontRef idx="minor">
+            <a:schemeClr val="lt1"/>
+          </a:fontRef>
+        </p:style>
+        <p:txBody>
+          <a:bodyPr rtlCol="0" anchor="ctr"/>
+          <a:lstStyle/>
+          <a:p>
+            <a:pPr algn="ctr"/>
+            <a:endParaRPr lang="en-US"/>
+          </a:p>
+        </p:txBody>
+      </p:sp>
+      <p:sp>
+        <p:nvSpPr>
+          <p:cNvPr id="19" name="Right Triangle 9">
+            <a:extLst>
+              <a:ext uri="{FF2B5EF4-FFF2-40B4-BE49-F238E27FC236}">
+                <a16:creationId xmlns:a16="http://schemas.microsoft.com/office/drawing/2014/main" id="{5298780A-33B9-4EA2-8F67-DE68AD62841B}"/>
+              </a:ext>
+              <a:ext uri="{C183D7F6-B498-43B3-948B-1728B52AA6E4}">
+                <adec:decorative xmlns:adec="http://schemas.microsoft.com/office/drawing/2017/decorative" val="1"/>
+              </a:ext>
+            </a:extLst>
+          </p:cNvPr>
+          <p:cNvSpPr>
+            <a:spLocks noGrp="1" noRot="1" noChangeAspect="1" noMove="1" noResize="1" noEditPoints="1" noAdjustHandles="1" noChangeArrowheads="1" noChangeShapeType="1" noTextEdit="1"/>
+          </p:cNvSpPr>
+          <p:nvPr>
+            <p:extLst>
+              <p:ext uri="{386F3935-93C4-4BCD-93E2-E3B085C9AB24}">
+                <p16:designElem xmlns:p16="http://schemas.microsoft.com/office/powerpoint/2015/main" val="1"/>
+              </p:ext>
+            </p:extLst>
+          </p:nvPr>
+        </p:nvSpPr>
+        <p:spPr>
+          <a:xfrm flipH="1">
+            <a:off x="8576720" y="3335867"/>
+            <a:ext cx="3291840" cy="3200400"/>
+          </a:xfrm>
+          <a:prstGeom prst="rtTriangle">
+            <a:avLst/>
+          </a:prstGeom>
+          <a:solidFill>
+            <a:schemeClr val="accent4"/>
+          </a:solidFill>
+          <a:ln>
+            <a:noFill/>
+          </a:ln>
+        </p:spPr>
+        <p:style>
+          <a:lnRef idx="2">
+            <a:schemeClr val="accent1">
+              <a:shade val="50000"/>
+            </a:schemeClr>
+          </a:lnRef>
+          <a:fillRef idx="1">
+            <a:schemeClr val="accent1"/>
+          </a:fillRef>
+          <a:effectRef idx="0">
+            <a:schemeClr val="accent1"/>
+          </a:effectRef>
+          <a:fontRef idx="minor">
+            <a:schemeClr val="lt1"/>
+          </a:fontRef>
+        </p:style>
+        <p:txBody>
+          <a:bodyPr rtlCol="0" anchor="ctr"/>
+          <a:lstStyle/>
+          <a:p>
+            <a:pPr algn="ctr"/>
+            <a:endParaRPr lang="en-US" dirty="0"/>
+          </a:p>
+        </p:txBody>
+      </p:sp>
+      <p:sp>
+        <p:nvSpPr>
+          <p:cNvPr id="20" name="Rectangle 11">
+            <a:extLst>
+              <a:ext uri="{FF2B5EF4-FFF2-40B4-BE49-F238E27FC236}">
+                <a16:creationId xmlns:a16="http://schemas.microsoft.com/office/drawing/2014/main" id="{7F488E8B-4E1E-4402-8935-D4E6C02615C7}"/>
+              </a:ext>
+              <a:ext uri="{C183D7F6-B498-43B3-948B-1728B52AA6E4}">
+                <adec:decorative xmlns:adec="http://schemas.microsoft.com/office/drawing/2017/decorative" val="1"/>
+              </a:ext>
+            </a:extLst>
+          </p:cNvPr>
+          <p:cNvSpPr>
+            <a:spLocks noGrp="1" noRot="1" noChangeAspect="1" noMove="1" noResize="1" noEditPoints="1" noAdjustHandles="1" noChangeArrowheads="1" noChangeShapeType="1" noTextEdit="1"/>
+          </p:cNvSpPr>
+          <p:nvPr>
+            <p:extLst>
+              <p:ext uri="{386F3935-93C4-4BCD-93E2-E3B085C9AB24}">
+                <p16:designElem xmlns:p16="http://schemas.microsoft.com/office/powerpoint/2015/main" val="1"/>
+              </p:ext>
+            </p:extLst>
+          </p:nvPr>
+        </p:nvSpPr>
+        <p:spPr>
+          <a:xfrm>
+            <a:off x="641774" y="623275"/>
+            <a:ext cx="10905053" cy="5607882"/>
+          </a:xfrm>
+          <a:prstGeom prst="rect">
+            <a:avLst/>
+          </a:prstGeom>
+          <a:noFill/>
+          <a:ln w="19050">
+            <a:solidFill>
+              <a:schemeClr val="tx1">
+                <a:lumMod val="75000"/>
+                <a:lumOff val="25000"/>
+              </a:schemeClr>
+            </a:solidFill>
+          </a:ln>
+        </p:spPr>
+        <p:style>
+          <a:lnRef idx="2">
+            <a:schemeClr val="accent1">
+              <a:shade val="50000"/>
+            </a:schemeClr>
+          </a:lnRef>
+          <a:fillRef idx="1">
+            <a:schemeClr val="accent1"/>
+          </a:fillRef>
+          <a:effectRef idx="0">
+            <a:schemeClr val="accent1"/>
+          </a:effectRef>
+          <a:fontRef idx="minor">
+            <a:schemeClr val="lt1"/>
+          </a:fontRef>
+        </p:style>
+        <p:txBody>
+          <a:bodyPr rtlCol="0" anchor="ctr"/>
+          <a:lstStyle/>
+          <a:p>
+            <a:pPr algn="ctr"/>
+            <a:endParaRPr lang="en-US"/>
+          </a:p>
+        </p:txBody>
+      </p:sp>
       <p:sp>
         <p:nvSpPr>
           <p:cNvPr id="2" name="Title 1">
@@ -6783,19 +12606,82 @@
             <p:ph type="title"/>
           </p:nvPr>
         </p:nvSpPr>
-        <p:spPr/>
+        <p:spPr>
+          <a:xfrm>
+            <a:off x="1075767" y="1188637"/>
+            <a:ext cx="2988234" cy="4480726"/>
+          </a:xfrm>
+        </p:spPr>
         <p:txBody>
-          <a:bodyPr/>
+          <a:bodyPr>
+            <a:normAutofit/>
+          </a:bodyPr>
           <a:lstStyle/>
           <a:p>
+            <a:pPr algn="r"/>
             <a:r>
-              <a:rPr lang="hr-HR" dirty="0"/>
+              <a:rPr lang="hr-HR" sz="6600"/>
               <a:t>Artificial data set</a:t>
             </a:r>
-            <a:endParaRPr lang="en-US" dirty="0"/>
+            <a:endParaRPr lang="en-US" sz="6600"/>
           </a:p>
         </p:txBody>
       </p:sp>
+      <p:cxnSp>
+        <p:nvCxnSpPr>
+          <p:cNvPr id="21" name="Straight Connector 13">
+            <a:extLst>
+              <a:ext uri="{FF2B5EF4-FFF2-40B4-BE49-F238E27FC236}">
+                <a16:creationId xmlns:a16="http://schemas.microsoft.com/office/drawing/2014/main" id="{23AAC9B5-8015-485C-ACF9-A750390E9A56}"/>
+              </a:ext>
+              <a:ext uri="{C183D7F6-B498-43B3-948B-1728B52AA6E4}">
+                <adec:decorative xmlns:adec="http://schemas.microsoft.com/office/drawing/2017/decorative" val="1"/>
+              </a:ext>
+            </a:extLst>
+          </p:cNvPr>
+          <p:cNvCxnSpPr>
+            <a:cxnSpLocks noGrp="1" noRot="1" noChangeAspect="1" noMove="1" noResize="1" noEditPoints="1" noAdjustHandles="1" noChangeArrowheads="1" noChangeShapeType="1"/>
+          </p:cNvCxnSpPr>
+          <p:nvPr>
+            <p:extLst>
+              <p:ext uri="{386F3935-93C4-4BCD-93E2-E3B085C9AB24}">
+                <p16:designElem xmlns:p16="http://schemas.microsoft.com/office/powerpoint/2015/main" val="1"/>
+              </p:ext>
+            </p:extLst>
+          </p:nvPr>
+        </p:nvCxnSpPr>
+        <p:spPr>
+          <a:xfrm>
+            <a:off x="4654296" y="1852863"/>
+            <a:ext cx="0" cy="3236495"/>
+          </a:xfrm>
+          <a:prstGeom prst="line">
+            <a:avLst/>
+          </a:prstGeom>
+          <a:ln w="19050" cap="sq">
+            <a:solidFill>
+              <a:schemeClr val="tx1">
+                <a:lumMod val="75000"/>
+                <a:lumOff val="25000"/>
+              </a:schemeClr>
+            </a:solidFill>
+          </a:ln>
+        </p:spPr>
+        <p:style>
+          <a:lnRef idx="1">
+            <a:schemeClr val="accent1"/>
+          </a:lnRef>
+          <a:fillRef idx="0">
+            <a:schemeClr val="accent1"/>
+          </a:fillRef>
+          <a:effectRef idx="0">
+            <a:schemeClr val="accent1"/>
+          </a:effectRef>
+          <a:fontRef idx="minor">
+            <a:schemeClr val="tx1"/>
+          </a:fontRef>
+        </p:style>
+      </p:cxnSp>
       <p:sp>
         <p:nvSpPr>
           <p:cNvPr id="3" name="Content Placeholder 2">
@@ -6812,36 +12698,43 @@
             <p:ph idx="1"/>
           </p:nvPr>
         </p:nvSpPr>
-        <p:spPr/>
+        <p:spPr>
+          <a:xfrm>
+            <a:off x="5255260" y="1648870"/>
+            <a:ext cx="4702848" cy="3560260"/>
+          </a:xfrm>
+        </p:spPr>
         <p:txBody>
-          <a:bodyPr/>
+          <a:bodyPr anchor="ctr">
+            <a:normAutofit/>
+          </a:bodyPr>
           <a:lstStyle/>
           <a:p>
             <a:r>
-              <a:rPr lang="hr-HR" dirty="0"/>
+              <a:rPr lang="hr-HR" sz="2400"/>
               <a:t>1. Need to create a control and response time series.</a:t>
             </a:r>
           </a:p>
           <a:p>
             <a:r>
-              <a:rPr lang="hr-HR" dirty="0"/>
+              <a:rPr lang="hr-HR" sz="2400"/>
               <a:t>2. Set the date indexes.</a:t>
             </a:r>
           </a:p>
           <a:p>
             <a:r>
-              <a:rPr lang="hr-HR" dirty="0"/>
+              <a:rPr lang="hr-HR" sz="2400"/>
               <a:t>3. Determine the pre and post period</a:t>
             </a:r>
           </a:p>
           <a:p>
             <a:r>
-              <a:rPr lang="hr-HR" dirty="0"/>
+              <a:rPr lang="hr-HR" sz="2400"/>
               <a:t>4. Compue the Causal Impact.</a:t>
             </a:r>
           </a:p>
           <a:p>
-            <a:endParaRPr lang="en-US" dirty="0"/>
+            <a:endParaRPr lang="en-US" sz="2400"/>
           </a:p>
         </p:txBody>
       </p:sp>
